--- a/学习笔记/图形学/i/三角测量补充图.pptx
+++ b/学习笔记/图形学/i/三角测量补充图.pptx
@@ -6,6 +6,7 @@
   </p:sldMasterIdLst>
   <p:sldIdLst>
     <p:sldId id="256" r:id="rId2"/>
+    <p:sldId id="257" r:id="rId3"/>
   </p:sldIdLst>
   <p:sldSz cx="12192000" cy="6858000"/>
   <p:notesSz cx="6858000" cy="9144000"/>
@@ -104,6 +105,11 @@
       </a:defRPr>
     </a:lvl9pPr>
   </p:defaultTextStyle>
+  <p:extLst>
+    <p:ext uri="{EFAFB233-063F-42B5-8137-9DF3F51BA10A}">
+      <p15:sldGuideLst xmlns:p15="http://schemas.microsoft.com/office/powerpoint/2012/main"/>
+    </p:ext>
+  </p:extLst>
 </p:presentation>
 </file>
 
@@ -112,7 +118,7 @@
   <pc:docChgLst>
     <pc:chgData name="Daheng Yin" userId="40f47af77092ccff" providerId="LiveId" clId="{6A1AB36C-7C65-40E7-8F48-FC40DEE81EDF}"/>
     <pc:docChg chg="undo redo custSel addSld modSld">
-      <pc:chgData name="Daheng Yin" userId="40f47af77092ccff" providerId="LiveId" clId="{6A1AB36C-7C65-40E7-8F48-FC40DEE81EDF}" dt="2023-11-15T01:53:29.662" v="150" actId="20577"/>
+      <pc:chgData name="Daheng Yin" userId="40f47af77092ccff" providerId="LiveId" clId="{6A1AB36C-7C65-40E7-8F48-FC40DEE81EDF}" dt="2023-11-16T05:38:49.655" v="243" actId="14100"/>
       <pc:docMkLst>
         <pc:docMk/>
       </pc:docMkLst>
@@ -307,6 +313,101 @@
           </ac:cxnSpMkLst>
         </pc:cxnChg>
       </pc:sldChg>
+      <pc:sldChg chg="addSp delSp modSp new mod">
+        <pc:chgData name="Daheng Yin" userId="40f47af77092ccff" providerId="LiveId" clId="{6A1AB36C-7C65-40E7-8F48-FC40DEE81EDF}" dt="2023-11-16T05:38:49.655" v="243" actId="14100"/>
+        <pc:sldMkLst>
+          <pc:docMk/>
+          <pc:sldMk cId="815620383" sldId="257"/>
+        </pc:sldMkLst>
+        <pc:spChg chg="del">
+          <ac:chgData name="Daheng Yin" userId="40f47af77092ccff" providerId="LiveId" clId="{6A1AB36C-7C65-40E7-8F48-FC40DEE81EDF}" dt="2023-11-16T05:34:23.412" v="152" actId="478"/>
+          <ac:spMkLst>
+            <pc:docMk/>
+            <pc:sldMk cId="815620383" sldId="257"/>
+            <ac:spMk id="2" creationId="{958D3D7D-C635-E99B-641C-530883A1E03C}"/>
+          </ac:spMkLst>
+        </pc:spChg>
+        <pc:spChg chg="del">
+          <ac:chgData name="Daheng Yin" userId="40f47af77092ccff" providerId="LiveId" clId="{6A1AB36C-7C65-40E7-8F48-FC40DEE81EDF}" dt="2023-11-16T05:34:23.412" v="152" actId="478"/>
+          <ac:spMkLst>
+            <pc:docMk/>
+            <pc:sldMk cId="815620383" sldId="257"/>
+            <ac:spMk id="3" creationId="{F3812118-018A-5D57-ABF5-AC40B5CB2F69}"/>
+          </ac:spMkLst>
+        </pc:spChg>
+        <pc:spChg chg="add mod">
+          <ac:chgData name="Daheng Yin" userId="40f47af77092ccff" providerId="LiveId" clId="{6A1AB36C-7C65-40E7-8F48-FC40DEE81EDF}" dt="2023-11-16T05:35:52.274" v="192" actId="13822"/>
+          <ac:spMkLst>
+            <pc:docMk/>
+            <pc:sldMk cId="815620383" sldId="257"/>
+            <ac:spMk id="8" creationId="{8E02898C-C60D-4FAE-047B-AF9DD232F9B9}"/>
+          </ac:spMkLst>
+        </pc:spChg>
+        <pc:spChg chg="add mod ord">
+          <ac:chgData name="Daheng Yin" userId="40f47af77092ccff" providerId="LiveId" clId="{6A1AB36C-7C65-40E7-8F48-FC40DEE81EDF}" dt="2023-11-16T05:36:29.259" v="201" actId="208"/>
+          <ac:spMkLst>
+            <pc:docMk/>
+            <pc:sldMk cId="815620383" sldId="257"/>
+            <ac:spMk id="9" creationId="{9CC79EBA-1DA4-3256-BCBA-E7EC63946973}"/>
+          </ac:spMkLst>
+        </pc:spChg>
+        <pc:spChg chg="add mod">
+          <ac:chgData name="Daheng Yin" userId="40f47af77092ccff" providerId="LiveId" clId="{6A1AB36C-7C65-40E7-8F48-FC40DEE81EDF}" dt="2023-11-16T05:38:38.180" v="241" actId="2085"/>
+          <ac:spMkLst>
+            <pc:docMk/>
+            <pc:sldMk cId="815620383" sldId="257"/>
+            <ac:spMk id="10" creationId="{16709196-E0D9-A4F8-C361-606A67809DC0}"/>
+          </ac:spMkLst>
+        </pc:spChg>
+        <pc:spChg chg="add mod">
+          <ac:chgData name="Daheng Yin" userId="40f47af77092ccff" providerId="LiveId" clId="{6A1AB36C-7C65-40E7-8F48-FC40DEE81EDF}" dt="2023-11-16T05:38:38.180" v="241" actId="2085"/>
+          <ac:spMkLst>
+            <pc:docMk/>
+            <pc:sldMk cId="815620383" sldId="257"/>
+            <ac:spMk id="11" creationId="{998655CB-D28D-6BF6-692E-702DE51435FB}"/>
+          </ac:spMkLst>
+        </pc:spChg>
+        <pc:spChg chg="add mod">
+          <ac:chgData name="Daheng Yin" userId="40f47af77092ccff" providerId="LiveId" clId="{6A1AB36C-7C65-40E7-8F48-FC40DEE81EDF}" dt="2023-11-16T05:38:01.141" v="231" actId="208"/>
+          <ac:spMkLst>
+            <pc:docMk/>
+            <pc:sldMk cId="815620383" sldId="257"/>
+            <ac:spMk id="12" creationId="{35168424-D9C4-287E-1181-170BA30337A9}"/>
+          </ac:spMkLst>
+        </pc:spChg>
+        <pc:spChg chg="add mod">
+          <ac:chgData name="Daheng Yin" userId="40f47af77092ccff" providerId="LiveId" clId="{6A1AB36C-7C65-40E7-8F48-FC40DEE81EDF}" dt="2023-11-16T05:38:41.938" v="242" actId="1036"/>
+          <ac:spMkLst>
+            <pc:docMk/>
+            <pc:sldMk cId="815620383" sldId="257"/>
+            <ac:spMk id="13" creationId="{2D22D288-4833-013E-07E2-E932707FBF02}"/>
+          </ac:spMkLst>
+        </pc:spChg>
+        <pc:spChg chg="add mod">
+          <ac:chgData name="Daheng Yin" userId="40f47af77092ccff" providerId="LiveId" clId="{6A1AB36C-7C65-40E7-8F48-FC40DEE81EDF}" dt="2023-11-16T05:38:49.655" v="243" actId="14100"/>
+          <ac:spMkLst>
+            <pc:docMk/>
+            <pc:sldMk cId="815620383" sldId="257"/>
+            <ac:spMk id="14" creationId="{1EC87748-4BF4-1716-884D-C2FA4F127C7B}"/>
+          </ac:spMkLst>
+        </pc:spChg>
+        <pc:picChg chg="add del mod">
+          <ac:chgData name="Daheng Yin" userId="40f47af77092ccff" providerId="LiveId" clId="{6A1AB36C-7C65-40E7-8F48-FC40DEE81EDF}" dt="2023-11-16T05:34:25.231" v="154"/>
+          <ac:picMkLst>
+            <pc:docMk/>
+            <pc:sldMk cId="815620383" sldId="257"/>
+            <ac:picMk id="5" creationId="{D8BE9998-5504-941F-8C86-DE505B903E61}"/>
+          </ac:picMkLst>
+        </pc:picChg>
+        <pc:picChg chg="add mod ord">
+          <ac:chgData name="Daheng Yin" userId="40f47af77092ccff" providerId="LiveId" clId="{6A1AB36C-7C65-40E7-8F48-FC40DEE81EDF}" dt="2023-11-16T05:36:11.230" v="198" actId="167"/>
+          <ac:picMkLst>
+            <pc:docMk/>
+            <pc:sldMk cId="815620383" sldId="257"/>
+            <ac:picMk id="7" creationId="{3A341426-26D2-A6B7-DD4E-B15993655961}"/>
+          </ac:picMkLst>
+        </pc:picChg>
+      </pc:sldChg>
     </pc:docChg>
   </pc:docChgLst>
 </pc:chgInfo>
@@ -459,7 +560,7 @@
           <a:p>
             <a:fld id="{C7AECABC-13C2-4501-8A7F-082FC1FBA135}" type="datetimeFigureOut">
               <a:rPr lang="zh-CN" altLang="en-US" smtClean="0"/>
-              <a:t>2023/11/14</a:t>
+              <a:t>2023/11/15</a:t>
             </a:fld>
             <a:endParaRPr lang="zh-CN" altLang="en-US"/>
           </a:p>
@@ -657,7 +758,7 @@
           <a:p>
             <a:fld id="{C7AECABC-13C2-4501-8A7F-082FC1FBA135}" type="datetimeFigureOut">
               <a:rPr lang="zh-CN" altLang="en-US" smtClean="0"/>
-              <a:t>2023/11/14</a:t>
+              <a:t>2023/11/15</a:t>
             </a:fld>
             <a:endParaRPr lang="zh-CN" altLang="en-US"/>
           </a:p>
@@ -865,7 +966,7 @@
           <a:p>
             <a:fld id="{C7AECABC-13C2-4501-8A7F-082FC1FBA135}" type="datetimeFigureOut">
               <a:rPr lang="zh-CN" altLang="en-US" smtClean="0"/>
-              <a:t>2023/11/14</a:t>
+              <a:t>2023/11/15</a:t>
             </a:fld>
             <a:endParaRPr lang="zh-CN" altLang="en-US"/>
           </a:p>
@@ -1063,7 +1164,7 @@
           <a:p>
             <a:fld id="{C7AECABC-13C2-4501-8A7F-082FC1FBA135}" type="datetimeFigureOut">
               <a:rPr lang="zh-CN" altLang="en-US" smtClean="0"/>
-              <a:t>2023/11/14</a:t>
+              <a:t>2023/11/15</a:t>
             </a:fld>
             <a:endParaRPr lang="zh-CN" altLang="en-US"/>
           </a:p>
@@ -1338,7 +1439,7 @@
           <a:p>
             <a:fld id="{C7AECABC-13C2-4501-8A7F-082FC1FBA135}" type="datetimeFigureOut">
               <a:rPr lang="zh-CN" altLang="en-US" smtClean="0"/>
-              <a:t>2023/11/14</a:t>
+              <a:t>2023/11/15</a:t>
             </a:fld>
             <a:endParaRPr lang="zh-CN" altLang="en-US"/>
           </a:p>
@@ -1603,7 +1704,7 @@
           <a:p>
             <a:fld id="{C7AECABC-13C2-4501-8A7F-082FC1FBA135}" type="datetimeFigureOut">
               <a:rPr lang="zh-CN" altLang="en-US" smtClean="0"/>
-              <a:t>2023/11/14</a:t>
+              <a:t>2023/11/15</a:t>
             </a:fld>
             <a:endParaRPr lang="zh-CN" altLang="en-US"/>
           </a:p>
@@ -2015,7 +2116,7 @@
           <a:p>
             <a:fld id="{C7AECABC-13C2-4501-8A7F-082FC1FBA135}" type="datetimeFigureOut">
               <a:rPr lang="zh-CN" altLang="en-US" smtClean="0"/>
-              <a:t>2023/11/14</a:t>
+              <a:t>2023/11/15</a:t>
             </a:fld>
             <a:endParaRPr lang="zh-CN" altLang="en-US"/>
           </a:p>
@@ -2156,7 +2257,7 @@
           <a:p>
             <a:fld id="{C7AECABC-13C2-4501-8A7F-082FC1FBA135}" type="datetimeFigureOut">
               <a:rPr lang="zh-CN" altLang="en-US" smtClean="0"/>
-              <a:t>2023/11/14</a:t>
+              <a:t>2023/11/15</a:t>
             </a:fld>
             <a:endParaRPr lang="zh-CN" altLang="en-US"/>
           </a:p>
@@ -2269,7 +2370,7 @@
           <a:p>
             <a:fld id="{C7AECABC-13C2-4501-8A7F-082FC1FBA135}" type="datetimeFigureOut">
               <a:rPr lang="zh-CN" altLang="en-US" smtClean="0"/>
-              <a:t>2023/11/14</a:t>
+              <a:t>2023/11/15</a:t>
             </a:fld>
             <a:endParaRPr lang="zh-CN" altLang="en-US"/>
           </a:p>
@@ -2580,7 +2681,7 @@
           <a:p>
             <a:fld id="{C7AECABC-13C2-4501-8A7F-082FC1FBA135}" type="datetimeFigureOut">
               <a:rPr lang="zh-CN" altLang="en-US" smtClean="0"/>
-              <a:t>2023/11/14</a:t>
+              <a:t>2023/11/15</a:t>
             </a:fld>
             <a:endParaRPr lang="zh-CN" altLang="en-US"/>
           </a:p>
@@ -2868,7 +2969,7 @@
           <a:p>
             <a:fld id="{C7AECABC-13C2-4501-8A7F-082FC1FBA135}" type="datetimeFigureOut">
               <a:rPr lang="zh-CN" altLang="en-US" smtClean="0"/>
-              <a:t>2023/11/14</a:t>
+              <a:t>2023/11/15</a:t>
             </a:fld>
             <a:endParaRPr lang="zh-CN" altLang="en-US"/>
           </a:p>
@@ -3109,7 +3210,7 @@
           <a:p>
             <a:fld id="{C7AECABC-13C2-4501-8A7F-082FC1FBA135}" type="datetimeFigureOut">
               <a:rPr lang="zh-CN" altLang="en-US" smtClean="0"/>
-              <a:t>2023/11/14</a:t>
+              <a:t>2023/11/15</a:t>
             </a:fld>
             <a:endParaRPr lang="zh-CN" altLang="en-US"/>
           </a:p>
@@ -3647,8 +3748,8 @@
           </a:fontRef>
         </p:style>
       </p:cxnSp>
-      <mc:AlternateContent xmlns:mc="http://schemas.openxmlformats.org/markup-compatibility/2006">
-        <mc:Choice xmlns:a14="http://schemas.microsoft.com/office/drawing/2010/main" Requires="a14">
+      <mc:AlternateContent xmlns:mc="http://schemas.openxmlformats.org/markup-compatibility/2006" xmlns:a14="http://schemas.microsoft.com/office/drawing/2010/main">
+        <mc:Choice Requires="a14">
           <p:sp>
             <p:nvSpPr>
               <p:cNvPr id="28" name="文本框 27">
@@ -3677,6 +3778,7 @@
               </a:bodyPr>
               <a:lstStyle/>
               <a:p>
+                <a:pPr/>
                 <a14:m>
                   <m:oMathPara xmlns:m="http://schemas.openxmlformats.org/officeDocument/2006/math">
                     <m:oMathParaPr>
@@ -3716,7 +3818,7 @@
             </p:txBody>
           </p:sp>
         </mc:Choice>
-        <mc:Fallback>
+        <mc:Fallback xmlns="">
           <p:sp>
             <p:nvSpPr>
               <p:cNvPr id="28" name="文本框 27">
@@ -4084,8 +4186,8 @@
           </a:fontRef>
         </p:style>
       </p:cxnSp>
-      <mc:AlternateContent xmlns:mc="http://schemas.openxmlformats.org/markup-compatibility/2006">
-        <mc:Choice xmlns:a14="http://schemas.microsoft.com/office/drawing/2010/main" Requires="a14">
+      <mc:AlternateContent xmlns:mc="http://schemas.openxmlformats.org/markup-compatibility/2006" xmlns:a14="http://schemas.microsoft.com/office/drawing/2010/main">
+        <mc:Choice Requires="a14">
           <p:sp>
             <p:nvSpPr>
               <p:cNvPr id="56" name="文本框 55">
@@ -4114,6 +4216,7 @@
               </a:bodyPr>
               <a:lstStyle/>
               <a:p>
+                <a:pPr/>
                 <a14:m>
                   <m:oMathPara xmlns:m="http://schemas.openxmlformats.org/officeDocument/2006/math">
                     <m:oMathParaPr>
@@ -4134,7 +4237,7 @@
             </p:txBody>
           </p:sp>
         </mc:Choice>
-        <mc:Fallback>
+        <mc:Fallback xmlns="">
           <p:sp>
             <p:nvSpPr>
               <p:cNvPr id="56" name="文本框 55">
@@ -4263,8 +4366,8 @@
           </a:fontRef>
         </p:style>
       </p:cxnSp>
-      <mc:AlternateContent xmlns:mc="http://schemas.openxmlformats.org/markup-compatibility/2006">
-        <mc:Choice xmlns:a14="http://schemas.microsoft.com/office/drawing/2010/main" Requires="a14">
+      <mc:AlternateContent xmlns:mc="http://schemas.openxmlformats.org/markup-compatibility/2006" xmlns:a14="http://schemas.microsoft.com/office/drawing/2010/main">
+        <mc:Choice Requires="a14">
           <p:sp>
             <p:nvSpPr>
               <p:cNvPr id="61" name="文本框 60">
@@ -4293,6 +4396,7 @@
               </a:bodyPr>
               <a:lstStyle/>
               <a:p>
+                <a:pPr/>
                 <a14:m>
                   <m:oMathPara xmlns:m="http://schemas.openxmlformats.org/officeDocument/2006/math">
                     <m:oMathParaPr>
@@ -4332,7 +4436,7 @@
             </p:txBody>
           </p:sp>
         </mc:Choice>
-        <mc:Fallback>
+        <mc:Fallback xmlns="">
           <p:sp>
             <p:nvSpPr>
               <p:cNvPr id="61" name="文本框 60">
@@ -4422,8 +4526,8 @@
           </a:fontRef>
         </p:style>
       </p:cxnSp>
-      <mc:AlternateContent xmlns:mc="http://schemas.openxmlformats.org/markup-compatibility/2006">
-        <mc:Choice xmlns:a14="http://schemas.microsoft.com/office/drawing/2010/main" Requires="a14">
+      <mc:AlternateContent xmlns:mc="http://schemas.openxmlformats.org/markup-compatibility/2006" xmlns:a14="http://schemas.microsoft.com/office/drawing/2010/main">
+        <mc:Choice Requires="a14">
           <p:sp>
             <p:nvSpPr>
               <p:cNvPr id="64" name="文本框 63">
@@ -4452,6 +4556,7 @@
               </a:bodyPr>
               <a:lstStyle/>
               <a:p>
+                <a:pPr/>
                 <a14:m>
                   <m:oMathPara xmlns:m="http://schemas.openxmlformats.org/officeDocument/2006/math">
                     <m:oMathParaPr>
@@ -4491,7 +4596,7 @@
             </p:txBody>
           </p:sp>
         </mc:Choice>
-        <mc:Fallback>
+        <mc:Fallback xmlns="">
           <p:sp>
             <p:nvSpPr>
               <p:cNvPr id="64" name="文本框 63">
@@ -4536,8 +4641,8 @@
           </p:sp>
         </mc:Fallback>
       </mc:AlternateContent>
-      <mc:AlternateContent xmlns:mc="http://schemas.openxmlformats.org/markup-compatibility/2006">
-        <mc:Choice xmlns:a14="http://schemas.microsoft.com/office/drawing/2010/main" Requires="a14">
+      <mc:AlternateContent xmlns:mc="http://schemas.openxmlformats.org/markup-compatibility/2006" xmlns:a14="http://schemas.microsoft.com/office/drawing/2010/main">
+        <mc:Choice Requires="a14">
           <p:sp>
             <p:nvSpPr>
               <p:cNvPr id="65" name="文本框 64">
@@ -4566,6 +4671,7 @@
               </a:bodyPr>
               <a:lstStyle/>
               <a:p>
+                <a:pPr/>
                 <a14:m>
                   <m:oMathPara xmlns:m="http://schemas.openxmlformats.org/officeDocument/2006/math">
                     <m:oMathParaPr>
@@ -4586,7 +4692,7 @@
             </p:txBody>
           </p:sp>
         </mc:Choice>
-        <mc:Fallback>
+        <mc:Fallback xmlns="">
           <p:sp>
             <p:nvSpPr>
               <p:cNvPr id="65" name="文本框 64">
@@ -4631,8 +4737,8 @@
           </p:sp>
         </mc:Fallback>
       </mc:AlternateContent>
-      <mc:AlternateContent xmlns:mc="http://schemas.openxmlformats.org/markup-compatibility/2006">
-        <mc:Choice xmlns:a14="http://schemas.microsoft.com/office/drawing/2010/main" Requires="a14">
+      <mc:AlternateContent xmlns:mc="http://schemas.openxmlformats.org/markup-compatibility/2006" xmlns:a14="http://schemas.microsoft.com/office/drawing/2010/main">
+        <mc:Choice Requires="a14">
           <p:sp>
             <p:nvSpPr>
               <p:cNvPr id="66" name="文本框 65">
@@ -4661,6 +4767,7 @@
               </a:bodyPr>
               <a:lstStyle/>
               <a:p>
+                <a:pPr/>
                 <a14:m>
                   <m:oMathPara xmlns:m="http://schemas.openxmlformats.org/officeDocument/2006/math">
                     <m:oMathParaPr>
@@ -4681,7 +4788,7 @@
             </p:txBody>
           </p:sp>
         </mc:Choice>
-        <mc:Fallback>
+        <mc:Fallback xmlns="">
           <p:sp>
             <p:nvSpPr>
               <p:cNvPr id="66" name="文本框 65">
@@ -4730,6 +4837,595 @@
     <p:extLst>
       <p:ext uri="{BB962C8B-B14F-4D97-AF65-F5344CB8AC3E}">
         <p14:creationId xmlns:p14="http://schemas.microsoft.com/office/powerpoint/2010/main" val="3869537615"/>
+      </p:ext>
+    </p:extLst>
+  </p:cSld>
+  <p:clrMapOvr>
+    <a:masterClrMapping/>
+  </p:clrMapOvr>
+</p:sld>
+</file>
+
+<file path=ppt/slides/slide2.xml><?xml version="1.0" encoding="utf-8"?>
+<p:sld xmlns:a="http://schemas.openxmlformats.org/drawingml/2006/main" xmlns:r="http://schemas.openxmlformats.org/officeDocument/2006/relationships" xmlns:p="http://schemas.openxmlformats.org/presentationml/2006/main">
+  <p:cSld>
+    <p:spTree>
+      <p:nvGrpSpPr>
+        <p:cNvPr id="1" name=""/>
+        <p:cNvGrpSpPr/>
+        <p:nvPr/>
+      </p:nvGrpSpPr>
+      <p:grpSpPr>
+        <a:xfrm>
+          <a:off x="0" y="0"/>
+          <a:ext cx="0" cy="0"/>
+          <a:chOff x="0" y="0"/>
+          <a:chExt cx="0" cy="0"/>
+        </a:xfrm>
+      </p:grpSpPr>
+      <p:pic>
+        <p:nvPicPr>
+          <p:cNvPr id="7" name="图片 6">
+            <a:extLst>
+              <a:ext uri="{FF2B5EF4-FFF2-40B4-BE49-F238E27FC236}">
+                <a16:creationId xmlns:a16="http://schemas.microsoft.com/office/drawing/2014/main" id="{3A341426-26D2-A6B7-DD4E-B15993655961}"/>
+              </a:ext>
+            </a:extLst>
+          </p:cNvPr>
+          <p:cNvPicPr>
+            <a:picLocks noChangeAspect="1"/>
+          </p:cNvPicPr>
+          <p:nvPr/>
+        </p:nvPicPr>
+        <p:blipFill>
+          <a:blip r:embed="rId2">
+            <a:extLst>
+              <a:ext uri="{28A0092B-C50C-407E-A947-70E740481C1C}">
+                <a14:useLocalDpi xmlns:a14="http://schemas.microsoft.com/office/drawing/2010/main" val="0"/>
+              </a:ext>
+            </a:extLst>
+          </a:blip>
+          <a:stretch>
+            <a:fillRect/>
+          </a:stretch>
+        </p:blipFill>
+        <p:spPr>
+          <a:xfrm>
+            <a:off x="283646" y="0"/>
+            <a:ext cx="11624707" cy="6858000"/>
+          </a:xfrm>
+          <a:prstGeom prst="rect">
+            <a:avLst/>
+          </a:prstGeom>
+        </p:spPr>
+      </p:pic>
+      <p:sp>
+        <p:nvSpPr>
+          <p:cNvPr id="9" name="矩形 8">
+            <a:extLst>
+              <a:ext uri="{FF2B5EF4-FFF2-40B4-BE49-F238E27FC236}">
+                <a16:creationId xmlns:a16="http://schemas.microsoft.com/office/drawing/2014/main" id="{9CC79EBA-1DA4-3256-BCBA-E7EC63946973}"/>
+              </a:ext>
+            </a:extLst>
+          </p:cNvPr>
+          <p:cNvSpPr/>
+          <p:nvPr/>
+        </p:nvSpPr>
+        <p:spPr>
+          <a:xfrm>
+            <a:off x="3249038" y="6238672"/>
+            <a:ext cx="5259422" cy="558729"/>
+          </a:xfrm>
+          <a:prstGeom prst="rect">
+            <a:avLst/>
+          </a:prstGeom>
+          <a:ln>
+            <a:solidFill>
+              <a:schemeClr val="bg1"/>
+            </a:solidFill>
+          </a:ln>
+        </p:spPr>
+        <p:style>
+          <a:lnRef idx="2">
+            <a:schemeClr val="dk1"/>
+          </a:lnRef>
+          <a:fillRef idx="1">
+            <a:schemeClr val="lt1"/>
+          </a:fillRef>
+          <a:effectRef idx="0">
+            <a:schemeClr val="dk1"/>
+          </a:effectRef>
+          <a:fontRef idx="minor">
+            <a:schemeClr val="dk1"/>
+          </a:fontRef>
+        </p:style>
+        <p:txBody>
+          <a:bodyPr rtlCol="0" anchor="ctr"/>
+          <a:lstStyle/>
+          <a:p>
+            <a:pPr algn="ctr"/>
+            <a:endParaRPr lang="zh-CN" altLang="en-US"/>
+          </a:p>
+        </p:txBody>
+      </p:sp>
+      <mc:AlternateContent xmlns:mc="http://schemas.openxmlformats.org/markup-compatibility/2006">
+        <mc:Choice xmlns:a14="http://schemas.microsoft.com/office/drawing/2010/main" Requires="a14">
+          <p:sp>
+            <p:nvSpPr>
+              <p:cNvPr id="8" name="文本框 7">
+                <a:extLst>
+                  <a:ext uri="{FF2B5EF4-FFF2-40B4-BE49-F238E27FC236}">
+                    <a16:creationId xmlns:a16="http://schemas.microsoft.com/office/drawing/2014/main" id="{8E02898C-C60D-4FAE-047B-AF9DD232F9B9}"/>
+                  </a:ext>
+                </a:extLst>
+              </p:cNvPr>
+              <p:cNvSpPr txBox="1"/>
+              <p:nvPr/>
+            </p:nvSpPr>
+            <p:spPr>
+              <a:xfrm>
+                <a:off x="4234774" y="6089515"/>
+                <a:ext cx="3233834" cy="707886"/>
+              </a:xfrm>
+              <a:prstGeom prst="rect">
+                <a:avLst/>
+              </a:prstGeom>
+              <a:noFill/>
+            </p:spPr>
+            <p:txBody>
+              <a:bodyPr wrap="square" rtlCol="0">
+                <a:spAutoFit/>
+              </a:bodyPr>
+              <a:lstStyle/>
+              <a:p>
+                <a14:m>
+                  <m:oMathPara xmlns:m="http://schemas.openxmlformats.org/officeDocument/2006/math">
+                    <m:oMathParaPr>
+                      <m:jc m:val="centerGroup"/>
+                    </m:oMathParaPr>
+                    <m:oMath xmlns:m="http://schemas.openxmlformats.org/officeDocument/2006/math">
+                      <m:sSub>
+                        <m:sSubPr>
+                          <m:ctrlPr>
+                            <a:rPr lang="en-US" altLang="zh-CN" sz="4000" b="0" i="1" smtClean="0">
+                              <a:latin typeface="Cambria Math" panose="02040503050406030204" pitchFamily="18" charset="0"/>
+                            </a:rPr>
+                          </m:ctrlPr>
+                        </m:sSubPr>
+                        <m:e>
+                          <m:r>
+                            <a:rPr lang="en-US" altLang="zh-CN" sz="4000" b="1" i="1" smtClean="0">
+                              <a:latin typeface="Cambria Math" panose="02040503050406030204" pitchFamily="18" charset="0"/>
+                            </a:rPr>
+                            <m:t>𝒙</m:t>
+                          </m:r>
+                        </m:e>
+                        <m:sub>
+                          <m:r>
+                            <a:rPr lang="en-US" altLang="zh-CN" sz="4000" b="0" i="1" smtClean="0">
+                              <a:latin typeface="Cambria Math" panose="02040503050406030204" pitchFamily="18" charset="0"/>
+                            </a:rPr>
+                            <m:t>2</m:t>
+                          </m:r>
+                        </m:sub>
+                      </m:sSub>
+                      <m:r>
+                        <a:rPr lang="en-US" altLang="zh-CN" sz="4000" b="0" i="1" smtClean="0">
+                          <a:latin typeface="Cambria Math" panose="02040503050406030204" pitchFamily="18" charset="0"/>
+                        </a:rPr>
+                        <m:t>=</m:t>
+                      </m:r>
+                      <m:r>
+                        <a:rPr lang="en-US" altLang="zh-CN" sz="4000" b="1" i="1" smtClean="0">
+                          <a:latin typeface="Cambria Math" panose="02040503050406030204" pitchFamily="18" charset="0"/>
+                        </a:rPr>
+                        <m:t>𝑹</m:t>
+                      </m:r>
+                      <m:sSub>
+                        <m:sSubPr>
+                          <m:ctrlPr>
+                            <a:rPr lang="en-US" altLang="zh-CN" sz="4000" b="0" i="1" smtClean="0">
+                              <a:latin typeface="Cambria Math" panose="02040503050406030204" pitchFamily="18" charset="0"/>
+                            </a:rPr>
+                          </m:ctrlPr>
+                        </m:sSubPr>
+                        <m:e>
+                          <m:r>
+                            <a:rPr lang="en-US" altLang="zh-CN" sz="4000" b="1" i="1" smtClean="0">
+                              <a:latin typeface="Cambria Math" panose="02040503050406030204" pitchFamily="18" charset="0"/>
+                            </a:rPr>
+                            <m:t>𝒙</m:t>
+                          </m:r>
+                        </m:e>
+                        <m:sub>
+                          <m:r>
+                            <a:rPr lang="en-US" altLang="zh-CN" sz="4000" b="0" i="1" smtClean="0">
+                              <a:latin typeface="Cambria Math" panose="02040503050406030204" pitchFamily="18" charset="0"/>
+                            </a:rPr>
+                            <m:t>1</m:t>
+                          </m:r>
+                        </m:sub>
+                      </m:sSub>
+                      <m:r>
+                        <a:rPr lang="en-US" altLang="zh-CN" sz="4000" b="0" i="1" smtClean="0">
+                          <a:latin typeface="Cambria Math" panose="02040503050406030204" pitchFamily="18" charset="0"/>
+                        </a:rPr>
+                        <m:t>+</m:t>
+                      </m:r>
+                      <m:r>
+                        <a:rPr lang="en-US" altLang="zh-CN" sz="4000" b="1" i="1" smtClean="0">
+                          <a:latin typeface="Cambria Math" panose="02040503050406030204" pitchFamily="18" charset="0"/>
+                        </a:rPr>
+                        <m:t>𝒕</m:t>
+                      </m:r>
+                    </m:oMath>
+                  </m:oMathPara>
+                </a14:m>
+                <a:endParaRPr lang="zh-CN" altLang="en-US" sz="4000" b="1" dirty="0"/>
+              </a:p>
+            </p:txBody>
+          </p:sp>
+        </mc:Choice>
+        <mc:Fallback>
+          <p:sp>
+            <p:nvSpPr>
+              <p:cNvPr id="8" name="文本框 7">
+                <a:extLst>
+                  <a:ext uri="{FF2B5EF4-FFF2-40B4-BE49-F238E27FC236}">
+                    <a16:creationId xmlns:a16="http://schemas.microsoft.com/office/drawing/2014/main" id="{8E02898C-C60D-4FAE-047B-AF9DD232F9B9}"/>
+                  </a:ext>
+                </a:extLst>
+              </p:cNvPr>
+              <p:cNvSpPr txBox="1">
+                <a:spLocks noRot="1" noChangeAspect="1" noMove="1" noResize="1" noEditPoints="1" noAdjustHandles="1" noChangeArrowheads="1" noChangeShapeType="1" noTextEdit="1"/>
+              </p:cNvSpPr>
+              <p:nvPr/>
+            </p:nvSpPr>
+            <p:spPr>
+              <a:xfrm>
+                <a:off x="4234774" y="6089515"/>
+                <a:ext cx="3233834" cy="707886"/>
+              </a:xfrm>
+              <a:prstGeom prst="rect">
+                <a:avLst/>
+              </a:prstGeom>
+              <a:blipFill>
+                <a:blip r:embed="rId3"/>
+                <a:stretch>
+                  <a:fillRect/>
+                </a:stretch>
+              </a:blipFill>
+            </p:spPr>
+            <p:txBody>
+              <a:bodyPr/>
+              <a:lstStyle/>
+              <a:p>
+                <a:r>
+                  <a:rPr lang="zh-CN" altLang="en-US">
+                    <a:noFill/>
+                  </a:rPr>
+                  <a:t> </a:t>
+                </a:r>
+              </a:p>
+            </p:txBody>
+          </p:sp>
+        </mc:Fallback>
+      </mc:AlternateContent>
+      <p:sp>
+        <p:nvSpPr>
+          <p:cNvPr id="10" name="矩形 9">
+            <a:extLst>
+              <a:ext uri="{FF2B5EF4-FFF2-40B4-BE49-F238E27FC236}">
+                <a16:creationId xmlns:a16="http://schemas.microsoft.com/office/drawing/2014/main" id="{16709196-E0D9-A4F8-C361-606A67809DC0}"/>
+              </a:ext>
+            </a:extLst>
+          </p:cNvPr>
+          <p:cNvSpPr/>
+          <p:nvPr/>
+        </p:nvSpPr>
+        <p:spPr>
+          <a:xfrm>
+            <a:off x="3657600" y="1215957"/>
+            <a:ext cx="577174" cy="558729"/>
+          </a:xfrm>
+          <a:prstGeom prst="rect">
+            <a:avLst/>
+          </a:prstGeom>
+          <a:ln>
+            <a:noFill/>
+          </a:ln>
+        </p:spPr>
+        <p:style>
+          <a:lnRef idx="2">
+            <a:schemeClr val="dk1"/>
+          </a:lnRef>
+          <a:fillRef idx="1">
+            <a:schemeClr val="lt1"/>
+          </a:fillRef>
+          <a:effectRef idx="0">
+            <a:schemeClr val="dk1"/>
+          </a:effectRef>
+          <a:fontRef idx="minor">
+            <a:schemeClr val="dk1"/>
+          </a:fontRef>
+        </p:style>
+        <p:txBody>
+          <a:bodyPr rtlCol="0" anchor="ctr"/>
+          <a:lstStyle/>
+          <a:p>
+            <a:pPr algn="ctr"/>
+            <a:endParaRPr lang="zh-CN" altLang="en-US"/>
+          </a:p>
+        </p:txBody>
+      </p:sp>
+      <p:sp>
+        <p:nvSpPr>
+          <p:cNvPr id="11" name="矩形 10">
+            <a:extLst>
+              <a:ext uri="{FF2B5EF4-FFF2-40B4-BE49-F238E27FC236}">
+                <a16:creationId xmlns:a16="http://schemas.microsoft.com/office/drawing/2014/main" id="{998655CB-D28D-6BF6-692E-702DE51435FB}"/>
+              </a:ext>
+            </a:extLst>
+          </p:cNvPr>
+          <p:cNvSpPr/>
+          <p:nvPr/>
+        </p:nvSpPr>
+        <p:spPr>
+          <a:xfrm>
+            <a:off x="7444904" y="1215957"/>
+            <a:ext cx="577174" cy="558729"/>
+          </a:xfrm>
+          <a:prstGeom prst="rect">
+            <a:avLst/>
+          </a:prstGeom>
+          <a:ln>
+            <a:noFill/>
+          </a:ln>
+        </p:spPr>
+        <p:style>
+          <a:lnRef idx="2">
+            <a:schemeClr val="dk1"/>
+          </a:lnRef>
+          <a:fillRef idx="1">
+            <a:schemeClr val="lt1"/>
+          </a:fillRef>
+          <a:effectRef idx="0">
+            <a:schemeClr val="dk1"/>
+          </a:effectRef>
+          <a:fontRef idx="minor">
+            <a:schemeClr val="dk1"/>
+          </a:fontRef>
+        </p:style>
+        <p:txBody>
+          <a:bodyPr rtlCol="0" anchor="ctr"/>
+          <a:lstStyle/>
+          <a:p>
+            <a:pPr algn="ctr"/>
+            <a:endParaRPr lang="zh-CN" altLang="en-US"/>
+          </a:p>
+        </p:txBody>
+      </p:sp>
+      <mc:AlternateContent xmlns:mc="http://schemas.openxmlformats.org/markup-compatibility/2006">
+        <mc:Choice xmlns:a14="http://schemas.microsoft.com/office/drawing/2010/main" Requires="a14">
+          <p:sp>
+            <p:nvSpPr>
+              <p:cNvPr id="12" name="矩形 11">
+                <a:extLst>
+                  <a:ext uri="{FF2B5EF4-FFF2-40B4-BE49-F238E27FC236}">
+                    <a16:creationId xmlns:a16="http://schemas.microsoft.com/office/drawing/2014/main" id="{35168424-D9C4-287E-1181-170BA30337A9}"/>
+                  </a:ext>
+                </a:extLst>
+              </p:cNvPr>
+              <p:cNvSpPr/>
+              <p:nvPr/>
+            </p:nvSpPr>
+            <p:spPr>
+              <a:xfrm>
+                <a:off x="5807412" y="3727315"/>
+                <a:ext cx="577174" cy="558729"/>
+              </a:xfrm>
+              <a:prstGeom prst="rect">
+                <a:avLst/>
+              </a:prstGeom>
+              <a:ln>
+                <a:solidFill>
+                  <a:schemeClr val="bg1"/>
+                </a:solidFill>
+              </a:ln>
+            </p:spPr>
+            <p:style>
+              <a:lnRef idx="2">
+                <a:schemeClr val="dk1"/>
+              </a:lnRef>
+              <a:fillRef idx="1">
+                <a:schemeClr val="lt1"/>
+              </a:fillRef>
+              <a:effectRef idx="0">
+                <a:schemeClr val="dk1"/>
+              </a:effectRef>
+              <a:fontRef idx="minor">
+                <a:schemeClr val="dk1"/>
+              </a:fontRef>
+            </p:style>
+            <p:txBody>
+              <a:bodyPr rtlCol="0" anchor="ctr"/>
+              <a:lstStyle/>
+              <a:p>
+                <a:pPr algn="ctr"/>
+                <a14:m>
+                  <m:oMathPara xmlns:m="http://schemas.openxmlformats.org/officeDocument/2006/math">
+                    <m:oMathParaPr>
+                      <m:jc m:val="center"/>
+                    </m:oMathParaPr>
+                    <m:oMath xmlns:m="http://schemas.openxmlformats.org/officeDocument/2006/math">
+                      <m:r>
+                        <a:rPr lang="en-US" altLang="zh-CN" sz="4000" b="1" i="1" smtClean="0">
+                          <a:latin typeface="Cambria Math" panose="02040503050406030204" pitchFamily="18" charset="0"/>
+                        </a:rPr>
+                        <m:t>𝒕</m:t>
+                      </m:r>
+                    </m:oMath>
+                  </m:oMathPara>
+                </a14:m>
+                <a:endParaRPr lang="zh-CN" altLang="en-US" sz="4000" b="1" dirty="0"/>
+              </a:p>
+            </p:txBody>
+          </p:sp>
+        </mc:Choice>
+        <mc:Fallback>
+          <p:sp>
+            <p:nvSpPr>
+              <p:cNvPr id="12" name="矩形 11">
+                <a:extLst>
+                  <a:ext uri="{FF2B5EF4-FFF2-40B4-BE49-F238E27FC236}">
+                    <a16:creationId xmlns:a16="http://schemas.microsoft.com/office/drawing/2014/main" id="{35168424-D9C4-287E-1181-170BA30337A9}"/>
+                  </a:ext>
+                </a:extLst>
+              </p:cNvPr>
+              <p:cNvSpPr>
+                <a:spLocks noRot="1" noChangeAspect="1" noMove="1" noResize="1" noEditPoints="1" noAdjustHandles="1" noChangeArrowheads="1" noChangeShapeType="1" noTextEdit="1"/>
+              </p:cNvSpPr>
+              <p:nvPr/>
+            </p:nvSpPr>
+            <p:spPr>
+              <a:xfrm>
+                <a:off x="5807412" y="3727315"/>
+                <a:ext cx="577174" cy="558729"/>
+              </a:xfrm>
+              <a:prstGeom prst="rect">
+                <a:avLst/>
+              </a:prstGeom>
+              <a:blipFill>
+                <a:blip r:embed="rId4"/>
+                <a:stretch>
+                  <a:fillRect/>
+                </a:stretch>
+              </a:blipFill>
+              <a:ln>
+                <a:solidFill>
+                  <a:schemeClr val="bg1"/>
+                </a:solidFill>
+              </a:ln>
+            </p:spPr>
+            <p:txBody>
+              <a:bodyPr/>
+              <a:lstStyle/>
+              <a:p>
+                <a:r>
+                  <a:rPr lang="zh-CN" altLang="en-US">
+                    <a:noFill/>
+                  </a:rPr>
+                  <a:t> </a:t>
+                </a:r>
+              </a:p>
+            </p:txBody>
+          </p:sp>
+        </mc:Fallback>
+      </mc:AlternateContent>
+      <p:sp>
+        <p:nvSpPr>
+          <p:cNvPr id="13" name="矩形 12">
+            <a:extLst>
+              <a:ext uri="{FF2B5EF4-FFF2-40B4-BE49-F238E27FC236}">
+                <a16:creationId xmlns:a16="http://schemas.microsoft.com/office/drawing/2014/main" id="{2D22D288-4833-013E-07E2-E932707FBF02}"/>
+              </a:ext>
+            </a:extLst>
+          </p:cNvPr>
+          <p:cNvSpPr/>
+          <p:nvPr/>
+        </p:nvSpPr>
+        <p:spPr>
+          <a:xfrm>
+            <a:off x="1819072" y="3274978"/>
+            <a:ext cx="496111" cy="305809"/>
+          </a:xfrm>
+          <a:prstGeom prst="rect">
+            <a:avLst/>
+          </a:prstGeom>
+          <a:solidFill>
+            <a:srgbClr val="FFFC01"/>
+          </a:solidFill>
+          <a:ln>
+            <a:noFill/>
+          </a:ln>
+        </p:spPr>
+        <p:style>
+          <a:lnRef idx="2">
+            <a:schemeClr val="dk1"/>
+          </a:lnRef>
+          <a:fillRef idx="1">
+            <a:schemeClr val="lt1"/>
+          </a:fillRef>
+          <a:effectRef idx="0">
+            <a:schemeClr val="dk1"/>
+          </a:effectRef>
+          <a:fontRef idx="minor">
+            <a:schemeClr val="dk1"/>
+          </a:fontRef>
+        </p:style>
+        <p:txBody>
+          <a:bodyPr rtlCol="0" anchor="ctr"/>
+          <a:lstStyle/>
+          <a:p>
+            <a:pPr algn="ctr"/>
+            <a:endParaRPr lang="zh-CN" altLang="en-US"/>
+          </a:p>
+        </p:txBody>
+      </p:sp>
+      <p:sp>
+        <p:nvSpPr>
+          <p:cNvPr id="14" name="矩形 13">
+            <a:extLst>
+              <a:ext uri="{FF2B5EF4-FFF2-40B4-BE49-F238E27FC236}">
+                <a16:creationId xmlns:a16="http://schemas.microsoft.com/office/drawing/2014/main" id="{1EC87748-4BF4-1716-884D-C2FA4F127C7B}"/>
+              </a:ext>
+            </a:extLst>
+          </p:cNvPr>
+          <p:cNvSpPr/>
+          <p:nvPr/>
+        </p:nvSpPr>
+        <p:spPr>
+          <a:xfrm>
+            <a:off x="9987063" y="3268493"/>
+            <a:ext cx="496111" cy="305809"/>
+          </a:xfrm>
+          <a:prstGeom prst="rect">
+            <a:avLst/>
+          </a:prstGeom>
+          <a:solidFill>
+            <a:srgbClr val="FFFC01"/>
+          </a:solidFill>
+          <a:ln>
+            <a:noFill/>
+          </a:ln>
+        </p:spPr>
+        <p:style>
+          <a:lnRef idx="2">
+            <a:schemeClr val="dk1"/>
+          </a:lnRef>
+          <a:fillRef idx="1">
+            <a:schemeClr val="lt1"/>
+          </a:fillRef>
+          <a:effectRef idx="0">
+            <a:schemeClr val="dk1"/>
+          </a:effectRef>
+          <a:fontRef idx="minor">
+            <a:schemeClr val="dk1"/>
+          </a:fontRef>
+        </p:style>
+        <p:txBody>
+          <a:bodyPr rtlCol="0" anchor="ctr"/>
+          <a:lstStyle/>
+          <a:p>
+            <a:pPr algn="ctr"/>
+            <a:endParaRPr lang="zh-CN" altLang="en-US"/>
+          </a:p>
+        </p:txBody>
+      </p:sp>
+    </p:spTree>
+    <p:extLst>
+      <p:ext uri="{BB962C8B-B14F-4D97-AF65-F5344CB8AC3E}">
+        <p14:creationId xmlns:p14="http://schemas.microsoft.com/office/powerpoint/2010/main" val="815620383"/>
       </p:ext>
     </p:extLst>
   </p:cSld>

--- a/学习笔记/图形学/i/三角测量补充图.pptx
+++ b/学习笔记/图形学/i/三角测量补充图.pptx
@@ -7,6 +7,8 @@
   <p:sldIdLst>
     <p:sldId id="256" r:id="rId2"/>
     <p:sldId id="257" r:id="rId3"/>
+    <p:sldId id="259" r:id="rId4"/>
+    <p:sldId id="260" r:id="rId5"/>
   </p:sldIdLst>
   <p:sldSz cx="12192000" cy="6858000"/>
   <p:notesSz cx="6858000" cy="9144000"/>
@@ -117,8 +119,8 @@
 <pc:chgInfo xmlns:a="http://schemas.openxmlformats.org/drawingml/2006/main" xmlns:r="http://schemas.openxmlformats.org/officeDocument/2006/relationships" xmlns:ac="http://schemas.microsoft.com/office/drawing/2013/main/command" xmlns:pc="http://schemas.microsoft.com/office/powerpoint/2013/main/command">
   <pc:docChgLst>
     <pc:chgData name="Daheng Yin" userId="40f47af77092ccff" providerId="LiveId" clId="{6A1AB36C-7C65-40E7-8F48-FC40DEE81EDF}"/>
-    <pc:docChg chg="undo redo custSel addSld modSld">
-      <pc:chgData name="Daheng Yin" userId="40f47af77092ccff" providerId="LiveId" clId="{6A1AB36C-7C65-40E7-8F48-FC40DEE81EDF}" dt="2023-11-16T05:38:49.655" v="243" actId="14100"/>
+    <pc:docChg chg="undo redo custSel addSld delSld modSld">
+      <pc:chgData name="Daheng Yin" userId="40f47af77092ccff" providerId="LiveId" clId="{6A1AB36C-7C65-40E7-8F48-FC40DEE81EDF}" dt="2023-11-17T01:35:47.923" v="551" actId="1076"/>
       <pc:docMkLst>
         <pc:docMk/>
       </pc:docMkLst>
@@ -407,6 +409,443 @@
             <ac:picMk id="7" creationId="{3A341426-26D2-A6B7-DD4E-B15993655961}"/>
           </ac:picMkLst>
         </pc:picChg>
+      </pc:sldChg>
+      <pc:sldChg chg="addSp delSp modSp new del mod">
+        <pc:chgData name="Daheng Yin" userId="40f47af77092ccff" providerId="LiveId" clId="{6A1AB36C-7C65-40E7-8F48-FC40DEE81EDF}" dt="2023-11-17T01:23:12.267" v="458" actId="2696"/>
+        <pc:sldMkLst>
+          <pc:docMk/>
+          <pc:sldMk cId="1350184808" sldId="258"/>
+        </pc:sldMkLst>
+        <pc:spChg chg="del">
+          <ac:chgData name="Daheng Yin" userId="40f47af77092ccff" providerId="LiveId" clId="{6A1AB36C-7C65-40E7-8F48-FC40DEE81EDF}" dt="2023-11-17T01:11:04.710" v="245" actId="478"/>
+          <ac:spMkLst>
+            <pc:docMk/>
+            <pc:sldMk cId="1350184808" sldId="258"/>
+            <ac:spMk id="2" creationId="{70E72D2F-B6B2-76E1-7AE7-614E294CF56B}"/>
+          </ac:spMkLst>
+        </pc:spChg>
+        <pc:spChg chg="del">
+          <ac:chgData name="Daheng Yin" userId="40f47af77092ccff" providerId="LiveId" clId="{6A1AB36C-7C65-40E7-8F48-FC40DEE81EDF}" dt="2023-11-17T01:11:04.710" v="245" actId="478"/>
+          <ac:spMkLst>
+            <pc:docMk/>
+            <pc:sldMk cId="1350184808" sldId="258"/>
+            <ac:spMk id="3" creationId="{2F9B425C-8291-543F-87B9-017DB19AF1D5}"/>
+          </ac:spMkLst>
+        </pc:spChg>
+        <pc:spChg chg="add mod">
+          <ac:chgData name="Daheng Yin" userId="40f47af77092ccff" providerId="LiveId" clId="{6A1AB36C-7C65-40E7-8F48-FC40DEE81EDF}" dt="2023-11-17T01:14:26.314" v="273" actId="1076"/>
+          <ac:spMkLst>
+            <pc:docMk/>
+            <pc:sldMk cId="1350184808" sldId="258"/>
+            <ac:spMk id="4" creationId="{3C7C7D2A-2627-39EB-B1D0-ADD78F87AFAF}"/>
+          </ac:spMkLst>
+        </pc:spChg>
+        <pc:picChg chg="add mod ord">
+          <ac:chgData name="Daheng Yin" userId="40f47af77092ccff" providerId="LiveId" clId="{6A1AB36C-7C65-40E7-8F48-FC40DEE81EDF}" dt="2023-11-17T01:14:26.314" v="273" actId="1076"/>
+          <ac:picMkLst>
+            <pc:docMk/>
+            <pc:sldMk cId="1350184808" sldId="258"/>
+            <ac:picMk id="12" creationId="{E951EB91-F0FF-EE6D-3B7D-BA7C3003D43F}"/>
+          </ac:picMkLst>
+        </pc:picChg>
+        <pc:picChg chg="add mod ord">
+          <ac:chgData name="Daheng Yin" userId="40f47af77092ccff" providerId="LiveId" clId="{6A1AB36C-7C65-40E7-8F48-FC40DEE81EDF}" dt="2023-11-17T01:14:26.314" v="273" actId="1076"/>
+          <ac:picMkLst>
+            <pc:docMk/>
+            <pc:sldMk cId="1350184808" sldId="258"/>
+            <ac:picMk id="19" creationId="{56D71A77-074E-E291-A8DA-39310B2FF5E3}"/>
+          </ac:picMkLst>
+        </pc:picChg>
+        <pc:picChg chg="add del mod">
+          <ac:chgData name="Daheng Yin" userId="40f47af77092ccff" providerId="LiveId" clId="{6A1AB36C-7C65-40E7-8F48-FC40DEE81EDF}" dt="2023-11-17T01:16:15.030" v="280" actId="21"/>
+          <ac:picMkLst>
+            <pc:docMk/>
+            <pc:sldMk cId="1350184808" sldId="258"/>
+            <ac:picMk id="22" creationId="{D0FB9E12-A374-0E94-2867-182091AC43DA}"/>
+          </ac:picMkLst>
+        </pc:picChg>
+        <pc:picChg chg="add del mod">
+          <ac:chgData name="Daheng Yin" userId="40f47af77092ccff" providerId="LiveId" clId="{6A1AB36C-7C65-40E7-8F48-FC40DEE81EDF}" dt="2023-11-17T01:16:15.030" v="280" actId="21"/>
+          <ac:picMkLst>
+            <pc:docMk/>
+            <pc:sldMk cId="1350184808" sldId="258"/>
+            <ac:picMk id="1026" creationId="{3F062DA3-E766-E322-4971-605ECB82476A}"/>
+          </ac:picMkLst>
+        </pc:picChg>
+        <pc:cxnChg chg="add mod">
+          <ac:chgData name="Daheng Yin" userId="40f47af77092ccff" providerId="LiveId" clId="{6A1AB36C-7C65-40E7-8F48-FC40DEE81EDF}" dt="2023-11-17T01:14:26.314" v="273" actId="1076"/>
+          <ac:cxnSpMkLst>
+            <pc:docMk/>
+            <pc:sldMk cId="1350184808" sldId="258"/>
+            <ac:cxnSpMk id="6" creationId="{AE5A92A5-C32C-AF27-DC63-D4E66336012E}"/>
+          </ac:cxnSpMkLst>
+        </pc:cxnChg>
+        <pc:cxnChg chg="add mod ord">
+          <ac:chgData name="Daheng Yin" userId="40f47af77092ccff" providerId="LiveId" clId="{6A1AB36C-7C65-40E7-8F48-FC40DEE81EDF}" dt="2023-11-17T01:14:26.314" v="273" actId="1076"/>
+          <ac:cxnSpMkLst>
+            <pc:docMk/>
+            <pc:sldMk cId="1350184808" sldId="258"/>
+            <ac:cxnSpMk id="8" creationId="{FD9F3FF2-3016-BE6B-21F9-650BD8D7F764}"/>
+          </ac:cxnSpMkLst>
+        </pc:cxnChg>
+      </pc:sldChg>
+      <pc:sldChg chg="addSp delSp modSp new mod">
+        <pc:chgData name="Daheng Yin" userId="40f47af77092ccff" providerId="LiveId" clId="{6A1AB36C-7C65-40E7-8F48-FC40DEE81EDF}" dt="2023-11-17T01:30:48.779" v="462" actId="1076"/>
+        <pc:sldMkLst>
+          <pc:docMk/>
+          <pc:sldMk cId="3507880686" sldId="259"/>
+        </pc:sldMkLst>
+        <pc:spChg chg="del">
+          <ac:chgData name="Daheng Yin" userId="40f47af77092ccff" providerId="LiveId" clId="{6A1AB36C-7C65-40E7-8F48-FC40DEE81EDF}" dt="2023-11-17T01:16:18.516" v="282" actId="478"/>
+          <ac:spMkLst>
+            <pc:docMk/>
+            <pc:sldMk cId="3507880686" sldId="259"/>
+            <ac:spMk id="2" creationId="{03422144-E07A-608D-1DE5-A1B102848C51}"/>
+          </ac:spMkLst>
+        </pc:spChg>
+        <pc:spChg chg="del">
+          <ac:chgData name="Daheng Yin" userId="40f47af77092ccff" providerId="LiveId" clId="{6A1AB36C-7C65-40E7-8F48-FC40DEE81EDF}" dt="2023-11-17T01:16:18.516" v="282" actId="478"/>
+          <ac:spMkLst>
+            <pc:docMk/>
+            <pc:sldMk cId="3507880686" sldId="259"/>
+            <ac:spMk id="3" creationId="{7CD4168A-BCCB-BDC2-6BE9-2521CB22943A}"/>
+          </ac:spMkLst>
+        </pc:spChg>
+        <pc:spChg chg="add mod ord">
+          <ac:chgData name="Daheng Yin" userId="40f47af77092ccff" providerId="LiveId" clId="{6A1AB36C-7C65-40E7-8F48-FC40DEE81EDF}" dt="2023-11-17T01:22:00.795" v="451" actId="167"/>
+          <ac:spMkLst>
+            <pc:docMk/>
+            <pc:sldMk cId="3507880686" sldId="259"/>
+            <ac:spMk id="16" creationId="{151C0CC6-5F56-0A0E-8624-2A5B877283C8}"/>
+          </ac:spMkLst>
+        </pc:spChg>
+        <pc:grpChg chg="add mod">
+          <ac:chgData name="Daheng Yin" userId="40f47af77092ccff" providerId="LiveId" clId="{6A1AB36C-7C65-40E7-8F48-FC40DEE81EDF}" dt="2023-11-17T01:30:48.779" v="462" actId="1076"/>
+          <ac:grpSpMkLst>
+            <pc:docMk/>
+            <pc:sldMk cId="3507880686" sldId="259"/>
+            <ac:grpSpMk id="6" creationId="{40D04F55-59B3-2989-8178-610896603889}"/>
+          </ac:grpSpMkLst>
+        </pc:grpChg>
+        <pc:picChg chg="add mod">
+          <ac:chgData name="Daheng Yin" userId="40f47af77092ccff" providerId="LiveId" clId="{6A1AB36C-7C65-40E7-8F48-FC40DEE81EDF}" dt="2023-11-17T01:30:48.779" v="462" actId="1076"/>
+          <ac:picMkLst>
+            <pc:docMk/>
+            <pc:sldMk cId="3507880686" sldId="259"/>
+            <ac:picMk id="4" creationId="{1C280E0C-FC66-501A-8C7A-DEFC846BAC57}"/>
+          </ac:picMkLst>
+        </pc:picChg>
+        <pc:picChg chg="add mod">
+          <ac:chgData name="Daheng Yin" userId="40f47af77092ccff" providerId="LiveId" clId="{6A1AB36C-7C65-40E7-8F48-FC40DEE81EDF}" dt="2023-11-17T01:30:48.779" v="462" actId="1076"/>
+          <ac:picMkLst>
+            <pc:docMk/>
+            <pc:sldMk cId="3507880686" sldId="259"/>
+            <ac:picMk id="5" creationId="{3A2C10F6-1994-823C-E27B-FFEEAD53A98F}"/>
+          </ac:picMkLst>
+        </pc:picChg>
+        <pc:picChg chg="add mod">
+          <ac:chgData name="Daheng Yin" userId="40f47af77092ccff" providerId="LiveId" clId="{6A1AB36C-7C65-40E7-8F48-FC40DEE81EDF}" dt="2023-11-17T01:21:13.692" v="442" actId="1076"/>
+          <ac:picMkLst>
+            <pc:docMk/>
+            <pc:sldMk cId="3507880686" sldId="259"/>
+            <ac:picMk id="7" creationId="{81DE32E3-9D67-787B-0DA1-02D55C3900D2}"/>
+          </ac:picMkLst>
+        </pc:picChg>
+        <pc:cxnChg chg="add mod">
+          <ac:chgData name="Daheng Yin" userId="40f47af77092ccff" providerId="LiveId" clId="{6A1AB36C-7C65-40E7-8F48-FC40DEE81EDF}" dt="2023-11-17T01:30:48.779" v="462" actId="1076"/>
+          <ac:cxnSpMkLst>
+            <pc:docMk/>
+            <pc:sldMk cId="3507880686" sldId="259"/>
+            <ac:cxnSpMk id="8" creationId="{477EF0DB-7CE7-FE79-6E40-294B4E374A95}"/>
+          </ac:cxnSpMkLst>
+        </pc:cxnChg>
+        <pc:cxnChg chg="add mod">
+          <ac:chgData name="Daheng Yin" userId="40f47af77092ccff" providerId="LiveId" clId="{6A1AB36C-7C65-40E7-8F48-FC40DEE81EDF}" dt="2023-11-17T01:30:48.779" v="462" actId="1076"/>
+          <ac:cxnSpMkLst>
+            <pc:docMk/>
+            <pc:sldMk cId="3507880686" sldId="259"/>
+            <ac:cxnSpMk id="9" creationId="{FB69164E-DA00-BF48-31AD-8630E45AED01}"/>
+          </ac:cxnSpMkLst>
+        </pc:cxnChg>
+        <pc:cxnChg chg="add mod">
+          <ac:chgData name="Daheng Yin" userId="40f47af77092ccff" providerId="LiveId" clId="{6A1AB36C-7C65-40E7-8F48-FC40DEE81EDF}" dt="2023-11-17T01:30:48.779" v="462" actId="1076"/>
+          <ac:cxnSpMkLst>
+            <pc:docMk/>
+            <pc:sldMk cId="3507880686" sldId="259"/>
+            <ac:cxnSpMk id="17" creationId="{840814F8-3010-CE9D-610E-79E1E973576C}"/>
+          </ac:cxnSpMkLst>
+        </pc:cxnChg>
+        <pc:cxnChg chg="add mod">
+          <ac:chgData name="Daheng Yin" userId="40f47af77092ccff" providerId="LiveId" clId="{6A1AB36C-7C65-40E7-8F48-FC40DEE81EDF}" dt="2023-11-17T01:30:48.779" v="462" actId="1076"/>
+          <ac:cxnSpMkLst>
+            <pc:docMk/>
+            <pc:sldMk cId="3507880686" sldId="259"/>
+            <ac:cxnSpMk id="20" creationId="{97A7CFEA-0D89-A5B9-1DB0-DF92FF850948}"/>
+          </ac:cxnSpMkLst>
+        </pc:cxnChg>
+      </pc:sldChg>
+      <pc:sldChg chg="addSp delSp modSp new mod">
+        <pc:chgData name="Daheng Yin" userId="40f47af77092ccff" providerId="LiveId" clId="{6A1AB36C-7C65-40E7-8F48-FC40DEE81EDF}" dt="2023-11-17T01:35:47.923" v="551" actId="1076"/>
+        <pc:sldMkLst>
+          <pc:docMk/>
+          <pc:sldMk cId="4248711951" sldId="260"/>
+        </pc:sldMkLst>
+        <pc:spChg chg="del">
+          <ac:chgData name="Daheng Yin" userId="40f47af77092ccff" providerId="LiveId" clId="{6A1AB36C-7C65-40E7-8F48-FC40DEE81EDF}" dt="2023-11-17T01:30:55.758" v="464" actId="478"/>
+          <ac:spMkLst>
+            <pc:docMk/>
+            <pc:sldMk cId="4248711951" sldId="260"/>
+            <ac:spMk id="2" creationId="{B527E132-EF4C-2FB4-FB6A-2F27A11781C8}"/>
+          </ac:spMkLst>
+        </pc:spChg>
+        <pc:spChg chg="del">
+          <ac:chgData name="Daheng Yin" userId="40f47af77092ccff" providerId="LiveId" clId="{6A1AB36C-7C65-40E7-8F48-FC40DEE81EDF}" dt="2023-11-17T01:30:55.758" v="464" actId="478"/>
+          <ac:spMkLst>
+            <pc:docMk/>
+            <pc:sldMk cId="4248711951" sldId="260"/>
+            <ac:spMk id="3" creationId="{2A48FB9D-AF9C-65BD-C36D-AF97C7E14C15}"/>
+          </ac:spMkLst>
+        </pc:spChg>
+        <pc:spChg chg="add mod">
+          <ac:chgData name="Daheng Yin" userId="40f47af77092ccff" providerId="LiveId" clId="{6A1AB36C-7C65-40E7-8F48-FC40DEE81EDF}" dt="2023-11-17T01:32:02.921" v="479" actId="164"/>
+          <ac:spMkLst>
+            <pc:docMk/>
+            <pc:sldMk cId="4248711951" sldId="260"/>
+            <ac:spMk id="11" creationId="{F0D70D74-4220-2C4A-A5E1-6262E70F8492}"/>
+          </ac:spMkLst>
+        </pc:spChg>
+        <pc:spChg chg="add del mod">
+          <ac:chgData name="Daheng Yin" userId="40f47af77092ccff" providerId="LiveId" clId="{6A1AB36C-7C65-40E7-8F48-FC40DEE81EDF}" dt="2023-11-17T01:31:57.634" v="477"/>
+          <ac:spMkLst>
+            <pc:docMk/>
+            <pc:sldMk cId="4248711951" sldId="260"/>
+            <ac:spMk id="20" creationId="{60D8483A-6CFF-8BB1-7DDB-F76DF07FDBDD}"/>
+          </ac:spMkLst>
+        </pc:spChg>
+        <pc:spChg chg="mod">
+          <ac:chgData name="Daheng Yin" userId="40f47af77092ccff" providerId="LiveId" clId="{6A1AB36C-7C65-40E7-8F48-FC40DEE81EDF}" dt="2023-11-17T01:32:10.639" v="481"/>
+          <ac:spMkLst>
+            <pc:docMk/>
+            <pc:sldMk cId="4248711951" sldId="260"/>
+            <ac:spMk id="35" creationId="{DD2ED768-2E92-A9F5-3E4D-55DB442329E5}"/>
+          </ac:spMkLst>
+        </pc:spChg>
+        <pc:spChg chg="add mod">
+          <ac:chgData name="Daheng Yin" userId="40f47af77092ccff" providerId="LiveId" clId="{6A1AB36C-7C65-40E7-8F48-FC40DEE81EDF}" dt="2023-11-17T01:35:47.923" v="551" actId="1076"/>
+          <ac:spMkLst>
+            <pc:docMk/>
+            <pc:sldMk cId="4248711951" sldId="260"/>
+            <ac:spMk id="54" creationId="{BAC28718-8820-F8F9-BE81-B37CABBEC235}"/>
+          </ac:spMkLst>
+        </pc:spChg>
+        <pc:spChg chg="add mod">
+          <ac:chgData name="Daheng Yin" userId="40f47af77092ccff" providerId="LiveId" clId="{6A1AB36C-7C65-40E7-8F48-FC40DEE81EDF}" dt="2023-11-17T01:35:04.002" v="536" actId="1076"/>
+          <ac:spMkLst>
+            <pc:docMk/>
+            <pc:sldMk cId="4248711951" sldId="260"/>
+            <ac:spMk id="55" creationId="{E2892C6F-6E5D-FB96-2FF8-1277D8195DEA}"/>
+          </ac:spMkLst>
+        </pc:spChg>
+        <pc:spChg chg="add mod">
+          <ac:chgData name="Daheng Yin" userId="40f47af77092ccff" providerId="LiveId" clId="{6A1AB36C-7C65-40E7-8F48-FC40DEE81EDF}" dt="2023-11-17T01:35:09.956" v="543" actId="20577"/>
+          <ac:spMkLst>
+            <pc:docMk/>
+            <pc:sldMk cId="4248711951" sldId="260"/>
+            <ac:spMk id="56" creationId="{C9E7D71F-3A51-032F-9E96-52D8640A8DC8}"/>
+          </ac:spMkLst>
+        </pc:spChg>
+        <pc:grpChg chg="add del mod">
+          <ac:chgData name="Daheng Yin" userId="40f47af77092ccff" providerId="LiveId" clId="{6A1AB36C-7C65-40E7-8F48-FC40DEE81EDF}" dt="2023-11-17T01:31:02.366" v="466" actId="478"/>
+          <ac:grpSpMkLst>
+            <pc:docMk/>
+            <pc:sldMk cId="4248711951" sldId="260"/>
+            <ac:grpSpMk id="4" creationId="{9AB0AB71-85E1-38C4-615E-61717D46426E}"/>
+          </ac:grpSpMkLst>
+        </pc:grpChg>
+        <pc:grpChg chg="add mod">
+          <ac:chgData name="Daheng Yin" userId="40f47af77092ccff" providerId="LiveId" clId="{6A1AB36C-7C65-40E7-8F48-FC40DEE81EDF}" dt="2023-11-17T01:34:26.851" v="507" actId="164"/>
+          <ac:grpSpMkLst>
+            <pc:docMk/>
+            <pc:sldMk cId="4248711951" sldId="260"/>
+            <ac:grpSpMk id="29" creationId="{B4B13D6F-B1A9-C433-1C45-D9BAFE50E464}"/>
+          </ac:grpSpMkLst>
+        </pc:grpChg>
+        <pc:grpChg chg="add mod">
+          <ac:chgData name="Daheng Yin" userId="40f47af77092ccff" providerId="LiveId" clId="{6A1AB36C-7C65-40E7-8F48-FC40DEE81EDF}" dt="2023-11-17T01:34:26.851" v="507" actId="164"/>
+          <ac:grpSpMkLst>
+            <pc:docMk/>
+            <pc:sldMk cId="4248711951" sldId="260"/>
+            <ac:grpSpMk id="30" creationId="{D14D5CAC-6900-13EE-FCD2-F29112EDA197}"/>
+          </ac:grpSpMkLst>
+        </pc:grpChg>
+        <pc:grpChg chg="add mod">
+          <ac:chgData name="Daheng Yin" userId="40f47af77092ccff" providerId="LiveId" clId="{6A1AB36C-7C65-40E7-8F48-FC40DEE81EDF}" dt="2023-11-17T01:34:34.674" v="509" actId="1076"/>
+          <ac:grpSpMkLst>
+            <pc:docMk/>
+            <pc:sldMk cId="4248711951" sldId="260"/>
+            <ac:grpSpMk id="53" creationId="{25433A5B-0ACD-303D-A266-C317A58D85C6}"/>
+          </ac:grpSpMkLst>
+        </pc:grpChg>
+        <pc:picChg chg="mod">
+          <ac:chgData name="Daheng Yin" userId="40f47af77092ccff" providerId="LiveId" clId="{6A1AB36C-7C65-40E7-8F48-FC40DEE81EDF}" dt="2023-11-17T01:30:52.347" v="463"/>
+          <ac:picMkLst>
+            <pc:docMk/>
+            <pc:sldMk cId="4248711951" sldId="260"/>
+            <ac:picMk id="5" creationId="{10648EA6-3ADF-D8C5-3CFC-22577043F0F3}"/>
+          </ac:picMkLst>
+        </pc:picChg>
+        <pc:picChg chg="mod">
+          <ac:chgData name="Daheng Yin" userId="40f47af77092ccff" providerId="LiveId" clId="{6A1AB36C-7C65-40E7-8F48-FC40DEE81EDF}" dt="2023-11-17T01:30:52.347" v="463"/>
+          <ac:picMkLst>
+            <pc:docMk/>
+            <pc:sldMk cId="4248711951" sldId="260"/>
+            <ac:picMk id="6" creationId="{59218C2F-7521-C4CA-49B6-55E5B6B4AC0E}"/>
+          </ac:picMkLst>
+        </pc:picChg>
+        <pc:cxnChg chg="add mod">
+          <ac:chgData name="Daheng Yin" userId="40f47af77092ccff" providerId="LiveId" clId="{6A1AB36C-7C65-40E7-8F48-FC40DEE81EDF}" dt="2023-11-17T01:32:02.921" v="479" actId="164"/>
+          <ac:cxnSpMkLst>
+            <pc:docMk/>
+            <pc:sldMk cId="4248711951" sldId="260"/>
+            <ac:cxnSpMk id="7" creationId="{3BD534B6-AEAD-8E99-F298-40E76BAE42E7}"/>
+          </ac:cxnSpMkLst>
+        </pc:cxnChg>
+        <pc:cxnChg chg="add mod">
+          <ac:chgData name="Daheng Yin" userId="40f47af77092ccff" providerId="LiveId" clId="{6A1AB36C-7C65-40E7-8F48-FC40DEE81EDF}" dt="2023-11-17T01:32:02.921" v="479" actId="164"/>
+          <ac:cxnSpMkLst>
+            <pc:docMk/>
+            <pc:sldMk cId="4248711951" sldId="260"/>
+            <ac:cxnSpMk id="8" creationId="{DFBCCE08-3208-D6A4-9F84-B34A410ACFB5}"/>
+          </ac:cxnSpMkLst>
+        </pc:cxnChg>
+        <pc:cxnChg chg="add mod">
+          <ac:chgData name="Daheng Yin" userId="40f47af77092ccff" providerId="LiveId" clId="{6A1AB36C-7C65-40E7-8F48-FC40DEE81EDF}" dt="2023-11-17T01:32:02.921" v="479" actId="164"/>
+          <ac:cxnSpMkLst>
+            <pc:docMk/>
+            <pc:sldMk cId="4248711951" sldId="260"/>
+            <ac:cxnSpMk id="9" creationId="{12D829A2-002F-D598-A213-FB84B03D8EC0}"/>
+          </ac:cxnSpMkLst>
+        </pc:cxnChg>
+        <pc:cxnChg chg="add mod">
+          <ac:chgData name="Daheng Yin" userId="40f47af77092ccff" providerId="LiveId" clId="{6A1AB36C-7C65-40E7-8F48-FC40DEE81EDF}" dt="2023-11-17T01:32:02.921" v="479" actId="164"/>
+          <ac:cxnSpMkLst>
+            <pc:docMk/>
+            <pc:sldMk cId="4248711951" sldId="260"/>
+            <ac:cxnSpMk id="10" creationId="{580794AE-3922-979E-EF16-A42584D386F7}"/>
+          </ac:cxnSpMkLst>
+        </pc:cxnChg>
+        <pc:cxnChg chg="add mod">
+          <ac:chgData name="Daheng Yin" userId="40f47af77092ccff" providerId="LiveId" clId="{6A1AB36C-7C65-40E7-8F48-FC40DEE81EDF}" dt="2023-11-17T01:32:39.961" v="487" actId="14100"/>
+          <ac:cxnSpMkLst>
+            <pc:docMk/>
+            <pc:sldMk cId="4248711951" sldId="260"/>
+            <ac:cxnSpMk id="13" creationId="{EEA71CD2-4A07-01B6-CF25-1FA2A61238E1}"/>
+          </ac:cxnSpMkLst>
+        </pc:cxnChg>
+        <pc:cxnChg chg="add del mod">
+          <ac:chgData name="Daheng Yin" userId="40f47af77092ccff" providerId="LiveId" clId="{6A1AB36C-7C65-40E7-8F48-FC40DEE81EDF}" dt="2023-11-17T01:31:57.634" v="477"/>
+          <ac:cxnSpMkLst>
+            <pc:docMk/>
+            <pc:sldMk cId="4248711951" sldId="260"/>
+            <ac:cxnSpMk id="16" creationId="{A0DE01D7-2B84-3268-833E-6D5FA9E24601}"/>
+          </ac:cxnSpMkLst>
+        </pc:cxnChg>
+        <pc:cxnChg chg="add del mod">
+          <ac:chgData name="Daheng Yin" userId="40f47af77092ccff" providerId="LiveId" clId="{6A1AB36C-7C65-40E7-8F48-FC40DEE81EDF}" dt="2023-11-17T01:31:57.634" v="477"/>
+          <ac:cxnSpMkLst>
+            <pc:docMk/>
+            <pc:sldMk cId="4248711951" sldId="260"/>
+            <ac:cxnSpMk id="17" creationId="{289D5D01-0105-BB89-19D7-CC52AB8D0F35}"/>
+          </ac:cxnSpMkLst>
+        </pc:cxnChg>
+        <pc:cxnChg chg="add del mod">
+          <ac:chgData name="Daheng Yin" userId="40f47af77092ccff" providerId="LiveId" clId="{6A1AB36C-7C65-40E7-8F48-FC40DEE81EDF}" dt="2023-11-17T01:31:57.634" v="477"/>
+          <ac:cxnSpMkLst>
+            <pc:docMk/>
+            <pc:sldMk cId="4248711951" sldId="260"/>
+            <ac:cxnSpMk id="18" creationId="{A974846A-2E4F-E920-E4DF-7B4DBEC30A19}"/>
+          </ac:cxnSpMkLst>
+        </pc:cxnChg>
+        <pc:cxnChg chg="add del mod">
+          <ac:chgData name="Daheng Yin" userId="40f47af77092ccff" providerId="LiveId" clId="{6A1AB36C-7C65-40E7-8F48-FC40DEE81EDF}" dt="2023-11-17T01:31:57.634" v="477"/>
+          <ac:cxnSpMkLst>
+            <pc:docMk/>
+            <pc:sldMk cId="4248711951" sldId="260"/>
+            <ac:cxnSpMk id="19" creationId="{BF1D2F37-872B-FEC7-E4F8-D034B0DF022A}"/>
+          </ac:cxnSpMkLst>
+        </pc:cxnChg>
+        <pc:cxnChg chg="add del mod">
+          <ac:chgData name="Daheng Yin" userId="40f47af77092ccff" providerId="LiveId" clId="{6A1AB36C-7C65-40E7-8F48-FC40DEE81EDF}" dt="2023-11-17T01:31:57.634" v="477"/>
+          <ac:cxnSpMkLst>
+            <pc:docMk/>
+            <pc:sldMk cId="4248711951" sldId="260"/>
+            <ac:cxnSpMk id="21" creationId="{AE1737F0-4A3E-9FD4-69EF-390603C28F7C}"/>
+          </ac:cxnSpMkLst>
+        </pc:cxnChg>
+        <pc:cxnChg chg="mod">
+          <ac:chgData name="Daheng Yin" userId="40f47af77092ccff" providerId="LiveId" clId="{6A1AB36C-7C65-40E7-8F48-FC40DEE81EDF}" dt="2023-11-17T01:32:10.639" v="481"/>
+          <ac:cxnSpMkLst>
+            <pc:docMk/>
+            <pc:sldMk cId="4248711951" sldId="260"/>
+            <ac:cxnSpMk id="31" creationId="{0EED2FA4-DD84-EF59-0979-D6665C0BA9D3}"/>
+          </ac:cxnSpMkLst>
+        </pc:cxnChg>
+        <pc:cxnChg chg="mod">
+          <ac:chgData name="Daheng Yin" userId="40f47af77092ccff" providerId="LiveId" clId="{6A1AB36C-7C65-40E7-8F48-FC40DEE81EDF}" dt="2023-11-17T01:32:10.639" v="481"/>
+          <ac:cxnSpMkLst>
+            <pc:docMk/>
+            <pc:sldMk cId="4248711951" sldId="260"/>
+            <ac:cxnSpMk id="32" creationId="{BD7BDB07-7763-FD5A-E06E-316FF06E8971}"/>
+          </ac:cxnSpMkLst>
+        </pc:cxnChg>
+        <pc:cxnChg chg="mod">
+          <ac:chgData name="Daheng Yin" userId="40f47af77092ccff" providerId="LiveId" clId="{6A1AB36C-7C65-40E7-8F48-FC40DEE81EDF}" dt="2023-11-17T01:32:10.639" v="481"/>
+          <ac:cxnSpMkLst>
+            <pc:docMk/>
+            <pc:sldMk cId="4248711951" sldId="260"/>
+            <ac:cxnSpMk id="33" creationId="{EE8ED463-1BA6-65E8-3BA5-FCC3D64E66FA}"/>
+          </ac:cxnSpMkLst>
+        </pc:cxnChg>
+        <pc:cxnChg chg="mod">
+          <ac:chgData name="Daheng Yin" userId="40f47af77092ccff" providerId="LiveId" clId="{6A1AB36C-7C65-40E7-8F48-FC40DEE81EDF}" dt="2023-11-17T01:32:10.639" v="481"/>
+          <ac:cxnSpMkLst>
+            <pc:docMk/>
+            <pc:sldMk cId="4248711951" sldId="260"/>
+            <ac:cxnSpMk id="34" creationId="{56E70CD1-E0A8-0C6E-B72D-AF6E9059511A}"/>
+          </ac:cxnSpMkLst>
+        </pc:cxnChg>
+        <pc:cxnChg chg="mod">
+          <ac:chgData name="Daheng Yin" userId="40f47af77092ccff" providerId="LiveId" clId="{6A1AB36C-7C65-40E7-8F48-FC40DEE81EDF}" dt="2023-11-17T01:32:36.466" v="486" actId="14100"/>
+          <ac:cxnSpMkLst>
+            <pc:docMk/>
+            <pc:sldMk cId="4248711951" sldId="260"/>
+            <ac:cxnSpMk id="36" creationId="{2E6C2562-8BFF-3474-1205-CD2E88D75FC8}"/>
+          </ac:cxnSpMkLst>
+        </pc:cxnChg>
+        <pc:cxnChg chg="add mod">
+          <ac:chgData name="Daheng Yin" userId="40f47af77092ccff" providerId="LiveId" clId="{6A1AB36C-7C65-40E7-8F48-FC40DEE81EDF}" dt="2023-11-17T01:34:26.851" v="507" actId="164"/>
+          <ac:cxnSpMkLst>
+            <pc:docMk/>
+            <pc:sldMk cId="4248711951" sldId="260"/>
+            <ac:cxnSpMk id="40" creationId="{706F0ACC-572D-143F-09FB-DE1F8ADE455F}"/>
+          </ac:cxnSpMkLst>
+        </pc:cxnChg>
+        <pc:cxnChg chg="add mod">
+          <ac:chgData name="Daheng Yin" userId="40f47af77092ccff" providerId="LiveId" clId="{6A1AB36C-7C65-40E7-8F48-FC40DEE81EDF}" dt="2023-11-17T01:34:26.851" v="507" actId="164"/>
+          <ac:cxnSpMkLst>
+            <pc:docMk/>
+            <pc:sldMk cId="4248711951" sldId="260"/>
+            <ac:cxnSpMk id="46" creationId="{4A34736F-E8AD-1E1A-CBF1-1B3326622E0F}"/>
+          </ac:cxnSpMkLst>
+        </pc:cxnChg>
+        <pc:cxnChg chg="add mod">
+          <ac:chgData name="Daheng Yin" userId="40f47af77092ccff" providerId="LiveId" clId="{6A1AB36C-7C65-40E7-8F48-FC40DEE81EDF}" dt="2023-11-17T01:35:32.298" v="547" actId="14100"/>
+          <ac:cxnSpMkLst>
+            <pc:docMk/>
+            <pc:sldMk cId="4248711951" sldId="260"/>
+            <ac:cxnSpMk id="58" creationId="{1EC3A3D8-72B7-77B5-9D59-80B0D9FD8E1E}"/>
+          </ac:cxnSpMkLst>
+        </pc:cxnChg>
       </pc:sldChg>
     </pc:docChg>
   </pc:docChgLst>
@@ -560,7 +999,7 @@
           <a:p>
             <a:fld id="{C7AECABC-13C2-4501-8A7F-082FC1FBA135}" type="datetimeFigureOut">
               <a:rPr lang="zh-CN" altLang="en-US" smtClean="0"/>
-              <a:t>2023/11/15</a:t>
+              <a:t>2023/11/16</a:t>
             </a:fld>
             <a:endParaRPr lang="zh-CN" altLang="en-US"/>
           </a:p>
@@ -758,7 +1197,7 @@
           <a:p>
             <a:fld id="{C7AECABC-13C2-4501-8A7F-082FC1FBA135}" type="datetimeFigureOut">
               <a:rPr lang="zh-CN" altLang="en-US" smtClean="0"/>
-              <a:t>2023/11/15</a:t>
+              <a:t>2023/11/16</a:t>
             </a:fld>
             <a:endParaRPr lang="zh-CN" altLang="en-US"/>
           </a:p>
@@ -966,7 +1405,7 @@
           <a:p>
             <a:fld id="{C7AECABC-13C2-4501-8A7F-082FC1FBA135}" type="datetimeFigureOut">
               <a:rPr lang="zh-CN" altLang="en-US" smtClean="0"/>
-              <a:t>2023/11/15</a:t>
+              <a:t>2023/11/16</a:t>
             </a:fld>
             <a:endParaRPr lang="zh-CN" altLang="en-US"/>
           </a:p>
@@ -1164,7 +1603,7 @@
           <a:p>
             <a:fld id="{C7AECABC-13C2-4501-8A7F-082FC1FBA135}" type="datetimeFigureOut">
               <a:rPr lang="zh-CN" altLang="en-US" smtClean="0"/>
-              <a:t>2023/11/15</a:t>
+              <a:t>2023/11/16</a:t>
             </a:fld>
             <a:endParaRPr lang="zh-CN" altLang="en-US"/>
           </a:p>
@@ -1439,7 +1878,7 @@
           <a:p>
             <a:fld id="{C7AECABC-13C2-4501-8A7F-082FC1FBA135}" type="datetimeFigureOut">
               <a:rPr lang="zh-CN" altLang="en-US" smtClean="0"/>
-              <a:t>2023/11/15</a:t>
+              <a:t>2023/11/16</a:t>
             </a:fld>
             <a:endParaRPr lang="zh-CN" altLang="en-US"/>
           </a:p>
@@ -1704,7 +2143,7 @@
           <a:p>
             <a:fld id="{C7AECABC-13C2-4501-8A7F-082FC1FBA135}" type="datetimeFigureOut">
               <a:rPr lang="zh-CN" altLang="en-US" smtClean="0"/>
-              <a:t>2023/11/15</a:t>
+              <a:t>2023/11/16</a:t>
             </a:fld>
             <a:endParaRPr lang="zh-CN" altLang="en-US"/>
           </a:p>
@@ -2116,7 +2555,7 @@
           <a:p>
             <a:fld id="{C7AECABC-13C2-4501-8A7F-082FC1FBA135}" type="datetimeFigureOut">
               <a:rPr lang="zh-CN" altLang="en-US" smtClean="0"/>
-              <a:t>2023/11/15</a:t>
+              <a:t>2023/11/16</a:t>
             </a:fld>
             <a:endParaRPr lang="zh-CN" altLang="en-US"/>
           </a:p>
@@ -2257,7 +2696,7 @@
           <a:p>
             <a:fld id="{C7AECABC-13C2-4501-8A7F-082FC1FBA135}" type="datetimeFigureOut">
               <a:rPr lang="zh-CN" altLang="en-US" smtClean="0"/>
-              <a:t>2023/11/15</a:t>
+              <a:t>2023/11/16</a:t>
             </a:fld>
             <a:endParaRPr lang="zh-CN" altLang="en-US"/>
           </a:p>
@@ -2370,7 +2809,7 @@
           <a:p>
             <a:fld id="{C7AECABC-13C2-4501-8A7F-082FC1FBA135}" type="datetimeFigureOut">
               <a:rPr lang="zh-CN" altLang="en-US" smtClean="0"/>
-              <a:t>2023/11/15</a:t>
+              <a:t>2023/11/16</a:t>
             </a:fld>
             <a:endParaRPr lang="zh-CN" altLang="en-US"/>
           </a:p>
@@ -2681,7 +3120,7 @@
           <a:p>
             <a:fld id="{C7AECABC-13C2-4501-8A7F-082FC1FBA135}" type="datetimeFigureOut">
               <a:rPr lang="zh-CN" altLang="en-US" smtClean="0"/>
-              <a:t>2023/11/15</a:t>
+              <a:t>2023/11/16</a:t>
             </a:fld>
             <a:endParaRPr lang="zh-CN" altLang="en-US"/>
           </a:p>
@@ -2969,7 +3408,7 @@
           <a:p>
             <a:fld id="{C7AECABC-13C2-4501-8A7F-082FC1FBA135}" type="datetimeFigureOut">
               <a:rPr lang="zh-CN" altLang="en-US" smtClean="0"/>
-              <a:t>2023/11/15</a:t>
+              <a:t>2023/11/16</a:t>
             </a:fld>
             <a:endParaRPr lang="zh-CN" altLang="en-US"/>
           </a:p>
@@ -3210,7 +3649,7 @@
           <a:p>
             <a:fld id="{C7AECABC-13C2-4501-8A7F-082FC1FBA135}" type="datetimeFigureOut">
               <a:rPr lang="zh-CN" altLang="en-US" smtClean="0"/>
-              <a:t>2023/11/15</a:t>
+              <a:t>2023/11/16</a:t>
             </a:fld>
             <a:endParaRPr lang="zh-CN" altLang="en-US"/>
           </a:p>
@@ -4948,8 +5387,8 @@
           </a:p>
         </p:txBody>
       </p:sp>
-      <mc:AlternateContent xmlns:mc="http://schemas.openxmlformats.org/markup-compatibility/2006">
-        <mc:Choice xmlns:a14="http://schemas.microsoft.com/office/drawing/2010/main" Requires="a14">
+      <mc:AlternateContent xmlns:mc="http://schemas.openxmlformats.org/markup-compatibility/2006" xmlns:a14="http://schemas.microsoft.com/office/drawing/2010/main">
+        <mc:Choice Requires="a14">
           <p:sp>
             <p:nvSpPr>
               <p:cNvPr id="8" name="文本框 7">
@@ -4978,6 +5417,7 @@
               </a:bodyPr>
               <a:lstStyle/>
               <a:p>
+                <a:pPr/>
                 <a14:m>
                   <m:oMathPara xmlns:m="http://schemas.openxmlformats.org/officeDocument/2006/math">
                     <m:oMathParaPr>
@@ -5066,7 +5506,7 @@
             </p:txBody>
           </p:sp>
         </mc:Choice>
-        <mc:Fallback>
+        <mc:Fallback xmlns="">
           <p:sp>
             <p:nvSpPr>
               <p:cNvPr id="8" name="文本框 7">
@@ -5205,8 +5645,8 @@
           </a:p>
         </p:txBody>
       </p:sp>
-      <mc:AlternateContent xmlns:mc="http://schemas.openxmlformats.org/markup-compatibility/2006">
-        <mc:Choice xmlns:a14="http://schemas.microsoft.com/office/drawing/2010/main" Requires="a14">
+      <mc:AlternateContent xmlns:mc="http://schemas.openxmlformats.org/markup-compatibility/2006" xmlns:a14="http://schemas.microsoft.com/office/drawing/2010/main">
+        <mc:Choice Requires="a14">
           <p:sp>
             <p:nvSpPr>
               <p:cNvPr id="12" name="矩形 11">
@@ -5272,7 +5712,7 @@
             </p:txBody>
           </p:sp>
         </mc:Choice>
-        <mc:Fallback>
+        <mc:Fallback xmlns="">
           <p:sp>
             <p:nvSpPr>
               <p:cNvPr id="12" name="矩形 11">
@@ -5426,6 +5866,1260 @@
     <p:extLst>
       <p:ext uri="{BB962C8B-B14F-4D97-AF65-F5344CB8AC3E}">
         <p14:creationId xmlns:p14="http://schemas.microsoft.com/office/powerpoint/2010/main" val="815620383"/>
+      </p:ext>
+    </p:extLst>
+  </p:cSld>
+  <p:clrMapOvr>
+    <a:masterClrMapping/>
+  </p:clrMapOvr>
+</p:sld>
+</file>
+
+<file path=ppt/slides/slide3.xml><?xml version="1.0" encoding="utf-8"?>
+<p:sld xmlns:a="http://schemas.openxmlformats.org/drawingml/2006/main" xmlns:r="http://schemas.openxmlformats.org/officeDocument/2006/relationships" xmlns:p="http://schemas.openxmlformats.org/presentationml/2006/main">
+  <p:cSld>
+    <p:spTree>
+      <p:nvGrpSpPr>
+        <p:cNvPr id="1" name=""/>
+        <p:cNvGrpSpPr/>
+        <p:nvPr/>
+      </p:nvGrpSpPr>
+      <p:grpSpPr>
+        <a:xfrm>
+          <a:off x="0" y="0"/>
+          <a:ext cx="0" cy="0"/>
+          <a:chOff x="0" y="0"/>
+          <a:chExt cx="0" cy="0"/>
+        </a:xfrm>
+      </p:grpSpPr>
+      <p:sp>
+        <p:nvSpPr>
+          <p:cNvPr id="16" name="椭圆 15">
+            <a:extLst>
+              <a:ext uri="{FF2B5EF4-FFF2-40B4-BE49-F238E27FC236}">
+                <a16:creationId xmlns:a16="http://schemas.microsoft.com/office/drawing/2014/main" id="{151C0CC6-5F56-0A0E-8624-2A5B877283C8}"/>
+              </a:ext>
+            </a:extLst>
+          </p:cNvPr>
+          <p:cNvSpPr/>
+          <p:nvPr/>
+        </p:nvSpPr>
+        <p:spPr>
+          <a:xfrm>
+            <a:off x="3720942" y="2961894"/>
+            <a:ext cx="54000" cy="54000"/>
+          </a:xfrm>
+          <a:prstGeom prst="ellipse">
+            <a:avLst/>
+          </a:prstGeom>
+          <a:solidFill>
+            <a:schemeClr val="accent1">
+              <a:lumMod val="60000"/>
+              <a:lumOff val="40000"/>
+            </a:schemeClr>
+          </a:solidFill>
+          <a:ln w="3175">
+            <a:solidFill>
+              <a:schemeClr val="tx1"/>
+            </a:solidFill>
+          </a:ln>
+        </p:spPr>
+        <p:style>
+          <a:lnRef idx="2">
+            <a:schemeClr val="accent1">
+              <a:shade val="15000"/>
+            </a:schemeClr>
+          </a:lnRef>
+          <a:fillRef idx="1">
+            <a:schemeClr val="accent1"/>
+          </a:fillRef>
+          <a:effectRef idx="0">
+            <a:schemeClr val="accent1"/>
+          </a:effectRef>
+          <a:fontRef idx="minor">
+            <a:schemeClr val="lt1"/>
+          </a:fontRef>
+        </p:style>
+        <p:txBody>
+          <a:bodyPr rtlCol="0" anchor="ctr"/>
+          <a:lstStyle/>
+          <a:p>
+            <a:pPr algn="ctr"/>
+            <a:endParaRPr lang="zh-CN" altLang="en-US"/>
+          </a:p>
+        </p:txBody>
+      </p:sp>
+      <p:grpSp>
+        <p:nvGrpSpPr>
+          <p:cNvPr id="6" name="组合 5">
+            <a:extLst>
+              <a:ext uri="{FF2B5EF4-FFF2-40B4-BE49-F238E27FC236}">
+                <a16:creationId xmlns:a16="http://schemas.microsoft.com/office/drawing/2014/main" id="{40D04F55-59B3-2989-8178-610896603889}"/>
+              </a:ext>
+            </a:extLst>
+          </p:cNvPr>
+          <p:cNvGrpSpPr>
+            <a:grpSpLocks noChangeAspect="1"/>
+          </p:cNvGrpSpPr>
+          <p:nvPr/>
+        </p:nvGrpSpPr>
+        <p:grpSpPr>
+          <a:xfrm>
+            <a:off x="809871" y="877240"/>
+            <a:ext cx="2678166" cy="5103519"/>
+            <a:chOff x="1808677" y="693905"/>
+            <a:chExt cx="2678166" cy="5103519"/>
+          </a:xfrm>
+        </p:grpSpPr>
+        <p:pic>
+          <p:nvPicPr>
+            <p:cNvPr id="4" name="Picture 2">
+              <a:extLst>
+                <a:ext uri="{FF2B5EF4-FFF2-40B4-BE49-F238E27FC236}">
+                  <a16:creationId xmlns:a16="http://schemas.microsoft.com/office/drawing/2014/main" id="{1C280E0C-FC66-501A-8C7A-DEFC846BAC57}"/>
+                </a:ext>
+              </a:extLst>
+            </p:cNvPr>
+            <p:cNvPicPr>
+              <a:picLocks noChangeAspect="1" noChangeArrowheads="1"/>
+            </p:cNvPicPr>
+            <p:nvPr/>
+          </p:nvPicPr>
+          <p:blipFill>
+            <a:blip r:embed="rId2">
+              <a:extLst>
+                <a:ext uri="{28A0092B-C50C-407E-A947-70E740481C1C}">
+                  <a14:useLocalDpi xmlns:a14="http://schemas.microsoft.com/office/drawing/2010/main" val="0"/>
+                </a:ext>
+              </a:extLst>
+            </a:blip>
+            <a:srcRect/>
+            <a:stretch>
+              <a:fillRect/>
+            </a:stretch>
+          </p:blipFill>
+          <p:spPr bwMode="auto">
+            <a:xfrm flipH="1">
+              <a:off x="1808677" y="693905"/>
+              <a:ext cx="2678166" cy="5103519"/>
+            </a:xfrm>
+            <a:prstGeom prst="rect">
+              <a:avLst/>
+            </a:prstGeom>
+            <a:noFill/>
+            <a:extLst>
+              <a:ext uri="{909E8E84-426E-40DD-AFC4-6F175D3DCCD1}">
+                <a14:hiddenFill xmlns:a14="http://schemas.microsoft.com/office/drawing/2010/main">
+                  <a:solidFill>
+                    <a:srgbClr val="FFFFFF"/>
+                  </a:solidFill>
+                </a14:hiddenFill>
+              </a:ext>
+            </a:extLst>
+          </p:spPr>
+        </p:pic>
+        <p:pic>
+          <p:nvPicPr>
+            <p:cNvPr id="5" name="图片 4">
+              <a:extLst>
+                <a:ext uri="{FF2B5EF4-FFF2-40B4-BE49-F238E27FC236}">
+                  <a16:creationId xmlns:a16="http://schemas.microsoft.com/office/drawing/2014/main" id="{3A2C10F6-1994-823C-E27B-FFEEAD53A98F}"/>
+                </a:ext>
+              </a:extLst>
+            </p:cNvPr>
+            <p:cNvPicPr>
+              <a:picLocks noChangeAspect="1"/>
+            </p:cNvPicPr>
+            <p:nvPr/>
+          </p:nvPicPr>
+          <p:blipFill>
+            <a:blip r:embed="rId3"/>
+            <a:stretch>
+              <a:fillRect/>
+            </a:stretch>
+          </p:blipFill>
+          <p:spPr>
+            <a:xfrm rot="10800000">
+              <a:off x="2279104" y="1980657"/>
+              <a:ext cx="1737311" cy="1360257"/>
+            </a:xfrm>
+            <a:prstGeom prst="rect">
+              <a:avLst/>
+            </a:prstGeom>
+            <a:scene3d>
+              <a:camera prst="isometricOffAxis2Right">
+                <a:rot lat="2693343" lon="20220195" rev="515873"/>
+              </a:camera>
+              <a:lightRig rig="threePt" dir="t"/>
+            </a:scene3d>
+          </p:spPr>
+        </p:pic>
+      </p:grpSp>
+      <p:pic>
+        <p:nvPicPr>
+          <p:cNvPr id="7" name="图片 6">
+            <a:extLst>
+              <a:ext uri="{FF2B5EF4-FFF2-40B4-BE49-F238E27FC236}">
+                <a16:creationId xmlns:a16="http://schemas.microsoft.com/office/drawing/2014/main" id="{81DE32E3-9D67-787B-0DA1-02D55C3900D2}"/>
+              </a:ext>
+            </a:extLst>
+          </p:cNvPr>
+          <p:cNvPicPr>
+            <a:picLocks noChangeAspect="1"/>
+          </p:cNvPicPr>
+          <p:nvPr/>
+        </p:nvPicPr>
+        <p:blipFill>
+          <a:blip r:embed="rId3"/>
+          <a:stretch>
+            <a:fillRect/>
+          </a:stretch>
+        </p:blipFill>
+        <p:spPr>
+          <a:xfrm>
+            <a:off x="7313265" y="1727093"/>
+            <a:ext cx="4347327" cy="3403814"/>
+          </a:xfrm>
+          <a:prstGeom prst="rect">
+            <a:avLst/>
+          </a:prstGeom>
+        </p:spPr>
+      </p:pic>
+      <p:cxnSp>
+        <p:nvCxnSpPr>
+          <p:cNvPr id="8" name="直接连接符 7">
+            <a:extLst>
+              <a:ext uri="{FF2B5EF4-FFF2-40B4-BE49-F238E27FC236}">
+                <a16:creationId xmlns:a16="http://schemas.microsoft.com/office/drawing/2014/main" id="{477EF0DB-7CE7-FE79-6E40-294B4E374A95}"/>
+              </a:ext>
+            </a:extLst>
+          </p:cNvPr>
+          <p:cNvCxnSpPr>
+            <a:cxnSpLocks/>
+            <a:stCxn id="7" idx="0"/>
+          </p:cNvCxnSpPr>
+          <p:nvPr/>
+        </p:nvCxnSpPr>
+        <p:spPr>
+          <a:xfrm flipH="1">
+            <a:off x="2236470" y="1727093"/>
+            <a:ext cx="7250459" cy="1591417"/>
+          </a:xfrm>
+          <a:prstGeom prst="line">
+            <a:avLst/>
+          </a:prstGeom>
+          <a:ln>
+            <a:solidFill>
+              <a:srgbClr val="FF0000"/>
+            </a:solidFill>
+          </a:ln>
+        </p:spPr>
+        <p:style>
+          <a:lnRef idx="1">
+            <a:schemeClr val="dk1"/>
+          </a:lnRef>
+          <a:fillRef idx="0">
+            <a:schemeClr val="dk1"/>
+          </a:fillRef>
+          <a:effectRef idx="0">
+            <a:schemeClr val="dk1"/>
+          </a:effectRef>
+          <a:fontRef idx="minor">
+            <a:schemeClr val="tx1"/>
+          </a:fontRef>
+        </p:style>
+      </p:cxnSp>
+      <p:cxnSp>
+        <p:nvCxnSpPr>
+          <p:cNvPr id="9" name="直接连接符 8">
+            <a:extLst>
+              <a:ext uri="{FF2B5EF4-FFF2-40B4-BE49-F238E27FC236}">
+                <a16:creationId xmlns:a16="http://schemas.microsoft.com/office/drawing/2014/main" id="{FB69164E-DA00-BF48-31AD-8630E45AED01}"/>
+              </a:ext>
+            </a:extLst>
+          </p:cNvPr>
+          <p:cNvCxnSpPr>
+            <a:cxnSpLocks/>
+            <a:stCxn id="7" idx="2"/>
+          </p:cNvCxnSpPr>
+          <p:nvPr/>
+        </p:nvCxnSpPr>
+        <p:spPr>
+          <a:xfrm flipH="1" flipV="1">
+            <a:off x="2082018" y="2363372"/>
+            <a:ext cx="7404911" cy="2767535"/>
+          </a:xfrm>
+          <a:prstGeom prst="line">
+            <a:avLst/>
+          </a:prstGeom>
+          <a:ln>
+            <a:solidFill>
+              <a:srgbClr val="FF0000"/>
+            </a:solidFill>
+          </a:ln>
+        </p:spPr>
+        <p:style>
+          <a:lnRef idx="1">
+            <a:schemeClr val="dk1"/>
+          </a:lnRef>
+          <a:fillRef idx="0">
+            <a:schemeClr val="dk1"/>
+          </a:fillRef>
+          <a:effectRef idx="0">
+            <a:schemeClr val="dk1"/>
+          </a:effectRef>
+          <a:fontRef idx="minor">
+            <a:schemeClr val="tx1"/>
+          </a:fontRef>
+        </p:style>
+      </p:cxnSp>
+      <p:cxnSp>
+        <p:nvCxnSpPr>
+          <p:cNvPr id="17" name="直接连接符 16">
+            <a:extLst>
+              <a:ext uri="{FF2B5EF4-FFF2-40B4-BE49-F238E27FC236}">
+                <a16:creationId xmlns:a16="http://schemas.microsoft.com/office/drawing/2014/main" id="{840814F8-3010-CE9D-610E-79E1E973576C}"/>
+              </a:ext>
+            </a:extLst>
+          </p:cNvPr>
+          <p:cNvCxnSpPr>
+            <a:cxnSpLocks/>
+          </p:cNvCxnSpPr>
+          <p:nvPr/>
+        </p:nvCxnSpPr>
+        <p:spPr>
+          <a:xfrm flipH="1" flipV="1">
+            <a:off x="2082018" y="2838714"/>
+            <a:ext cx="7559363" cy="679176"/>
+          </a:xfrm>
+          <a:prstGeom prst="line">
+            <a:avLst/>
+          </a:prstGeom>
+          <a:ln>
+            <a:solidFill>
+              <a:srgbClr val="FF0000"/>
+            </a:solidFill>
+          </a:ln>
+        </p:spPr>
+        <p:style>
+          <a:lnRef idx="1">
+            <a:schemeClr val="dk1"/>
+          </a:lnRef>
+          <a:fillRef idx="0">
+            <a:schemeClr val="dk1"/>
+          </a:fillRef>
+          <a:effectRef idx="0">
+            <a:schemeClr val="dk1"/>
+          </a:effectRef>
+          <a:fontRef idx="minor">
+            <a:schemeClr val="tx1"/>
+          </a:fontRef>
+        </p:style>
+      </p:cxnSp>
+      <p:cxnSp>
+        <p:nvCxnSpPr>
+          <p:cNvPr id="20" name="直接连接符 19">
+            <a:extLst>
+              <a:ext uri="{FF2B5EF4-FFF2-40B4-BE49-F238E27FC236}">
+                <a16:creationId xmlns:a16="http://schemas.microsoft.com/office/drawing/2014/main" id="{97A7CFEA-0D89-A5B9-1DB0-DF92FF850948}"/>
+              </a:ext>
+            </a:extLst>
+          </p:cNvPr>
+          <p:cNvCxnSpPr>
+            <a:cxnSpLocks/>
+          </p:cNvCxnSpPr>
+          <p:nvPr/>
+        </p:nvCxnSpPr>
+        <p:spPr>
+          <a:xfrm flipH="1">
+            <a:off x="2148953" y="2522801"/>
+            <a:ext cx="7806577" cy="589268"/>
+          </a:xfrm>
+          <a:prstGeom prst="line">
+            <a:avLst/>
+          </a:prstGeom>
+          <a:ln>
+            <a:solidFill>
+              <a:srgbClr val="FF0000"/>
+            </a:solidFill>
+          </a:ln>
+        </p:spPr>
+        <p:style>
+          <a:lnRef idx="1">
+            <a:schemeClr val="dk1"/>
+          </a:lnRef>
+          <a:fillRef idx="0">
+            <a:schemeClr val="dk1"/>
+          </a:fillRef>
+          <a:effectRef idx="0">
+            <a:schemeClr val="dk1"/>
+          </a:effectRef>
+          <a:fontRef idx="minor">
+            <a:schemeClr val="tx1"/>
+          </a:fontRef>
+        </p:style>
+      </p:cxnSp>
+    </p:spTree>
+    <p:extLst>
+      <p:ext uri="{BB962C8B-B14F-4D97-AF65-F5344CB8AC3E}">
+        <p14:creationId xmlns:p14="http://schemas.microsoft.com/office/powerpoint/2010/main" val="3507880686"/>
+      </p:ext>
+    </p:extLst>
+  </p:cSld>
+  <p:clrMapOvr>
+    <a:masterClrMapping/>
+  </p:clrMapOvr>
+</p:sld>
+</file>
+
+<file path=ppt/slides/slide4.xml><?xml version="1.0" encoding="utf-8"?>
+<p:sld xmlns:a="http://schemas.openxmlformats.org/drawingml/2006/main" xmlns:r="http://schemas.openxmlformats.org/officeDocument/2006/relationships" xmlns:p="http://schemas.openxmlformats.org/presentationml/2006/main">
+  <p:cSld>
+    <p:spTree>
+      <p:nvGrpSpPr>
+        <p:cNvPr id="1" name=""/>
+        <p:cNvGrpSpPr/>
+        <p:nvPr/>
+      </p:nvGrpSpPr>
+      <p:grpSpPr>
+        <a:xfrm>
+          <a:off x="0" y="0"/>
+          <a:ext cx="0" cy="0"/>
+          <a:chOff x="0" y="0"/>
+          <a:chExt cx="0" cy="0"/>
+        </a:xfrm>
+      </p:grpSpPr>
+      <p:grpSp>
+        <p:nvGrpSpPr>
+          <p:cNvPr id="53" name="组合 52">
+            <a:extLst>
+              <a:ext uri="{FF2B5EF4-FFF2-40B4-BE49-F238E27FC236}">
+                <a16:creationId xmlns:a16="http://schemas.microsoft.com/office/drawing/2014/main" id="{25433A5B-0ACD-303D-A266-C317A58D85C6}"/>
+              </a:ext>
+            </a:extLst>
+          </p:cNvPr>
+          <p:cNvGrpSpPr/>
+          <p:nvPr/>
+        </p:nvGrpSpPr>
+        <p:grpSpPr>
+          <a:xfrm rot="21091008">
+            <a:off x="1772438" y="914966"/>
+            <a:ext cx="7953778" cy="4599988"/>
+            <a:chOff x="1735862" y="530919"/>
+            <a:chExt cx="7953778" cy="4599988"/>
+          </a:xfrm>
+        </p:grpSpPr>
+        <p:grpSp>
+          <p:nvGrpSpPr>
+            <p:cNvPr id="29" name="组合 28">
+              <a:extLst>
+                <a:ext uri="{FF2B5EF4-FFF2-40B4-BE49-F238E27FC236}">
+                  <a16:creationId xmlns:a16="http://schemas.microsoft.com/office/drawing/2014/main" id="{B4B13D6F-B1A9-C433-1C45-D9BAFE50E464}"/>
+                </a:ext>
+              </a:extLst>
+            </p:cNvPr>
+            <p:cNvGrpSpPr/>
+            <p:nvPr/>
+          </p:nvGrpSpPr>
+          <p:grpSpPr>
+            <a:xfrm rot="781926">
+              <a:off x="1816128" y="676506"/>
+              <a:ext cx="7873512" cy="3403814"/>
+              <a:chOff x="1816128" y="676506"/>
+              <a:chExt cx="7873512" cy="3403814"/>
+            </a:xfrm>
+          </p:grpSpPr>
+          <p:cxnSp>
+            <p:nvCxnSpPr>
+              <p:cNvPr id="7" name="直接连接符 6">
+                <a:extLst>
+                  <a:ext uri="{FF2B5EF4-FFF2-40B4-BE49-F238E27FC236}">
+                    <a16:creationId xmlns:a16="http://schemas.microsoft.com/office/drawing/2014/main" id="{3BD534B6-AEAD-8E99-F298-40E76BAE42E7}"/>
+                  </a:ext>
+                </a:extLst>
+              </p:cNvPr>
+              <p:cNvCxnSpPr>
+                <a:cxnSpLocks/>
+              </p:cNvCxnSpPr>
+              <p:nvPr/>
+            </p:nvCxnSpPr>
+            <p:spPr>
+              <a:xfrm flipH="1">
+                <a:off x="1970580" y="676506"/>
+                <a:ext cx="7250459" cy="1591417"/>
+              </a:xfrm>
+              <a:prstGeom prst="line">
+                <a:avLst/>
+              </a:prstGeom>
+              <a:ln>
+                <a:solidFill>
+                  <a:srgbClr val="FF0000"/>
+                </a:solidFill>
+              </a:ln>
+            </p:spPr>
+            <p:style>
+              <a:lnRef idx="1">
+                <a:schemeClr val="dk1"/>
+              </a:lnRef>
+              <a:fillRef idx="0">
+                <a:schemeClr val="dk1"/>
+              </a:fillRef>
+              <a:effectRef idx="0">
+                <a:schemeClr val="dk1"/>
+              </a:effectRef>
+              <a:fontRef idx="minor">
+                <a:schemeClr val="tx1"/>
+              </a:fontRef>
+            </p:style>
+          </p:cxnSp>
+          <p:cxnSp>
+            <p:nvCxnSpPr>
+              <p:cNvPr id="8" name="直接连接符 7">
+                <a:extLst>
+                  <a:ext uri="{FF2B5EF4-FFF2-40B4-BE49-F238E27FC236}">
+                    <a16:creationId xmlns:a16="http://schemas.microsoft.com/office/drawing/2014/main" id="{DFBCCE08-3208-D6A4-9F84-B34A410ACFB5}"/>
+                  </a:ext>
+                </a:extLst>
+              </p:cNvPr>
+              <p:cNvCxnSpPr>
+                <a:cxnSpLocks/>
+              </p:cNvCxnSpPr>
+              <p:nvPr/>
+            </p:nvCxnSpPr>
+            <p:spPr>
+              <a:xfrm flipH="1" flipV="1">
+                <a:off x="1816128" y="1312785"/>
+                <a:ext cx="7404911" cy="2767535"/>
+              </a:xfrm>
+              <a:prstGeom prst="line">
+                <a:avLst/>
+              </a:prstGeom>
+              <a:ln>
+                <a:solidFill>
+                  <a:srgbClr val="FF0000"/>
+                </a:solidFill>
+              </a:ln>
+            </p:spPr>
+            <p:style>
+              <a:lnRef idx="1">
+                <a:schemeClr val="dk1"/>
+              </a:lnRef>
+              <a:fillRef idx="0">
+                <a:schemeClr val="dk1"/>
+              </a:fillRef>
+              <a:effectRef idx="0">
+                <a:schemeClr val="dk1"/>
+              </a:effectRef>
+              <a:fontRef idx="minor">
+                <a:schemeClr val="tx1"/>
+              </a:fontRef>
+            </p:style>
+          </p:cxnSp>
+          <p:cxnSp>
+            <p:nvCxnSpPr>
+              <p:cNvPr id="9" name="直接连接符 8">
+                <a:extLst>
+                  <a:ext uri="{FF2B5EF4-FFF2-40B4-BE49-F238E27FC236}">
+                    <a16:creationId xmlns:a16="http://schemas.microsoft.com/office/drawing/2014/main" id="{12D829A2-002F-D598-A213-FB84B03D8EC0}"/>
+                  </a:ext>
+                </a:extLst>
+              </p:cNvPr>
+              <p:cNvCxnSpPr>
+                <a:cxnSpLocks/>
+              </p:cNvCxnSpPr>
+              <p:nvPr/>
+            </p:nvCxnSpPr>
+            <p:spPr>
+              <a:xfrm flipH="1" flipV="1">
+                <a:off x="1816128" y="1788127"/>
+                <a:ext cx="7559363" cy="679176"/>
+              </a:xfrm>
+              <a:prstGeom prst="line">
+                <a:avLst/>
+              </a:prstGeom>
+              <a:ln>
+                <a:solidFill>
+                  <a:srgbClr val="FF0000"/>
+                </a:solidFill>
+              </a:ln>
+            </p:spPr>
+            <p:style>
+              <a:lnRef idx="1">
+                <a:schemeClr val="dk1"/>
+              </a:lnRef>
+              <a:fillRef idx="0">
+                <a:schemeClr val="dk1"/>
+              </a:fillRef>
+              <a:effectRef idx="0">
+                <a:schemeClr val="dk1"/>
+              </a:effectRef>
+              <a:fontRef idx="minor">
+                <a:schemeClr val="tx1"/>
+              </a:fontRef>
+            </p:style>
+          </p:cxnSp>
+          <p:cxnSp>
+            <p:nvCxnSpPr>
+              <p:cNvPr id="10" name="直接连接符 9">
+                <a:extLst>
+                  <a:ext uri="{FF2B5EF4-FFF2-40B4-BE49-F238E27FC236}">
+                    <a16:creationId xmlns:a16="http://schemas.microsoft.com/office/drawing/2014/main" id="{580794AE-3922-979E-EF16-A42584D386F7}"/>
+                  </a:ext>
+                </a:extLst>
+              </p:cNvPr>
+              <p:cNvCxnSpPr>
+                <a:cxnSpLocks/>
+              </p:cNvCxnSpPr>
+              <p:nvPr/>
+            </p:nvCxnSpPr>
+            <p:spPr>
+              <a:xfrm flipH="1">
+                <a:off x="1883063" y="1472214"/>
+                <a:ext cx="7806577" cy="589268"/>
+              </a:xfrm>
+              <a:prstGeom prst="line">
+                <a:avLst/>
+              </a:prstGeom>
+              <a:ln>
+                <a:solidFill>
+                  <a:srgbClr val="FF0000"/>
+                </a:solidFill>
+              </a:ln>
+            </p:spPr>
+            <p:style>
+              <a:lnRef idx="1">
+                <a:schemeClr val="dk1"/>
+              </a:lnRef>
+              <a:fillRef idx="0">
+                <a:schemeClr val="dk1"/>
+              </a:fillRef>
+              <a:effectRef idx="0">
+                <a:schemeClr val="dk1"/>
+              </a:effectRef>
+              <a:fontRef idx="minor">
+                <a:schemeClr val="tx1"/>
+              </a:fontRef>
+            </p:style>
+          </p:cxnSp>
+          <p:sp>
+            <p:nvSpPr>
+              <p:cNvPr id="11" name="椭圆 10">
+                <a:extLst>
+                  <a:ext uri="{FF2B5EF4-FFF2-40B4-BE49-F238E27FC236}">
+                    <a16:creationId xmlns:a16="http://schemas.microsoft.com/office/drawing/2014/main" id="{F0D70D74-4220-2C4A-A5E1-6262E70F8492}"/>
+                  </a:ext>
+                </a:extLst>
+              </p:cNvPr>
+              <p:cNvSpPr/>
+              <p:nvPr/>
+            </p:nvSpPr>
+            <p:spPr>
+              <a:xfrm>
+                <a:off x="3455052" y="1911307"/>
+                <a:ext cx="54000" cy="54000"/>
+              </a:xfrm>
+              <a:prstGeom prst="ellipse">
+                <a:avLst/>
+              </a:prstGeom>
+              <a:solidFill>
+                <a:schemeClr val="accent1">
+                  <a:lumMod val="60000"/>
+                  <a:lumOff val="40000"/>
+                </a:schemeClr>
+              </a:solidFill>
+              <a:ln w="3175">
+                <a:solidFill>
+                  <a:schemeClr val="tx1"/>
+                </a:solidFill>
+              </a:ln>
+            </p:spPr>
+            <p:style>
+              <a:lnRef idx="2">
+                <a:schemeClr val="accent1">
+                  <a:shade val="15000"/>
+                </a:schemeClr>
+              </a:lnRef>
+              <a:fillRef idx="1">
+                <a:schemeClr val="accent1"/>
+              </a:fillRef>
+              <a:effectRef idx="0">
+                <a:schemeClr val="accent1"/>
+              </a:effectRef>
+              <a:fontRef idx="minor">
+                <a:schemeClr val="lt1"/>
+              </a:fontRef>
+            </p:style>
+            <p:txBody>
+              <a:bodyPr rtlCol="0" anchor="ctr"/>
+              <a:lstStyle/>
+              <a:p>
+                <a:pPr algn="ctr"/>
+                <a:endParaRPr lang="zh-CN" altLang="en-US"/>
+              </a:p>
+            </p:txBody>
+          </p:sp>
+          <p:cxnSp>
+            <p:nvCxnSpPr>
+              <p:cNvPr id="13" name="直接连接符 12">
+                <a:extLst>
+                  <a:ext uri="{FF2B5EF4-FFF2-40B4-BE49-F238E27FC236}">
+                    <a16:creationId xmlns:a16="http://schemas.microsoft.com/office/drawing/2014/main" id="{EEA71CD2-4A07-01B6-CF25-1FA2A61238E1}"/>
+                  </a:ext>
+                </a:extLst>
+              </p:cNvPr>
+              <p:cNvCxnSpPr>
+                <a:cxnSpLocks/>
+              </p:cNvCxnSpPr>
+              <p:nvPr/>
+            </p:nvCxnSpPr>
+            <p:spPr>
+              <a:xfrm rot="20818074" flipH="1">
+                <a:off x="2679359" y="1451327"/>
+                <a:ext cx="428377" cy="868576"/>
+              </a:xfrm>
+              <a:prstGeom prst="line">
+                <a:avLst/>
+              </a:prstGeom>
+            </p:spPr>
+            <p:style>
+              <a:lnRef idx="1">
+                <a:schemeClr val="dk1"/>
+              </a:lnRef>
+              <a:fillRef idx="0">
+                <a:schemeClr val="dk1"/>
+              </a:fillRef>
+              <a:effectRef idx="0">
+                <a:schemeClr val="dk1"/>
+              </a:effectRef>
+              <a:fontRef idx="minor">
+                <a:schemeClr val="tx1"/>
+              </a:fontRef>
+            </p:style>
+          </p:cxnSp>
+        </p:grpSp>
+        <p:grpSp>
+          <p:nvGrpSpPr>
+            <p:cNvPr id="30" name="组合 29">
+              <a:extLst>
+                <a:ext uri="{FF2B5EF4-FFF2-40B4-BE49-F238E27FC236}">
+                  <a16:creationId xmlns:a16="http://schemas.microsoft.com/office/drawing/2014/main" id="{D14D5CAC-6900-13EE-FCD2-F29112EDA197}"/>
+                </a:ext>
+              </a:extLst>
+            </p:cNvPr>
+            <p:cNvGrpSpPr/>
+            <p:nvPr/>
+          </p:nvGrpSpPr>
+          <p:grpSpPr>
+            <a:xfrm rot="21109158">
+              <a:off x="1735862" y="1727093"/>
+              <a:ext cx="7873512" cy="3403814"/>
+              <a:chOff x="1816128" y="676506"/>
+              <a:chExt cx="7873512" cy="3403814"/>
+            </a:xfrm>
+          </p:grpSpPr>
+          <p:cxnSp>
+            <p:nvCxnSpPr>
+              <p:cNvPr id="31" name="直接连接符 30">
+                <a:extLst>
+                  <a:ext uri="{FF2B5EF4-FFF2-40B4-BE49-F238E27FC236}">
+                    <a16:creationId xmlns:a16="http://schemas.microsoft.com/office/drawing/2014/main" id="{0EED2FA4-DD84-EF59-0979-D6665C0BA9D3}"/>
+                  </a:ext>
+                </a:extLst>
+              </p:cNvPr>
+              <p:cNvCxnSpPr>
+                <a:cxnSpLocks/>
+              </p:cNvCxnSpPr>
+              <p:nvPr/>
+            </p:nvCxnSpPr>
+            <p:spPr>
+              <a:xfrm flipH="1">
+                <a:off x="1970580" y="676506"/>
+                <a:ext cx="7250459" cy="1591417"/>
+              </a:xfrm>
+              <a:prstGeom prst="line">
+                <a:avLst/>
+              </a:prstGeom>
+              <a:ln>
+                <a:solidFill>
+                  <a:srgbClr val="FF0000"/>
+                </a:solidFill>
+              </a:ln>
+            </p:spPr>
+            <p:style>
+              <a:lnRef idx="1">
+                <a:schemeClr val="dk1"/>
+              </a:lnRef>
+              <a:fillRef idx="0">
+                <a:schemeClr val="dk1"/>
+              </a:fillRef>
+              <a:effectRef idx="0">
+                <a:schemeClr val="dk1"/>
+              </a:effectRef>
+              <a:fontRef idx="minor">
+                <a:schemeClr val="tx1"/>
+              </a:fontRef>
+            </p:style>
+          </p:cxnSp>
+          <p:cxnSp>
+            <p:nvCxnSpPr>
+              <p:cNvPr id="32" name="直接连接符 31">
+                <a:extLst>
+                  <a:ext uri="{FF2B5EF4-FFF2-40B4-BE49-F238E27FC236}">
+                    <a16:creationId xmlns:a16="http://schemas.microsoft.com/office/drawing/2014/main" id="{BD7BDB07-7763-FD5A-E06E-316FF06E8971}"/>
+                  </a:ext>
+                </a:extLst>
+              </p:cNvPr>
+              <p:cNvCxnSpPr>
+                <a:cxnSpLocks/>
+              </p:cNvCxnSpPr>
+              <p:nvPr/>
+            </p:nvCxnSpPr>
+            <p:spPr>
+              <a:xfrm flipH="1" flipV="1">
+                <a:off x="1816128" y="1312785"/>
+                <a:ext cx="7404911" cy="2767535"/>
+              </a:xfrm>
+              <a:prstGeom prst="line">
+                <a:avLst/>
+              </a:prstGeom>
+              <a:ln>
+                <a:solidFill>
+                  <a:srgbClr val="FF0000"/>
+                </a:solidFill>
+              </a:ln>
+            </p:spPr>
+            <p:style>
+              <a:lnRef idx="1">
+                <a:schemeClr val="dk1"/>
+              </a:lnRef>
+              <a:fillRef idx="0">
+                <a:schemeClr val="dk1"/>
+              </a:fillRef>
+              <a:effectRef idx="0">
+                <a:schemeClr val="dk1"/>
+              </a:effectRef>
+              <a:fontRef idx="minor">
+                <a:schemeClr val="tx1"/>
+              </a:fontRef>
+            </p:style>
+          </p:cxnSp>
+          <p:cxnSp>
+            <p:nvCxnSpPr>
+              <p:cNvPr id="33" name="直接连接符 32">
+                <a:extLst>
+                  <a:ext uri="{FF2B5EF4-FFF2-40B4-BE49-F238E27FC236}">
+                    <a16:creationId xmlns:a16="http://schemas.microsoft.com/office/drawing/2014/main" id="{EE8ED463-1BA6-65E8-3BA5-FCC3D64E66FA}"/>
+                  </a:ext>
+                </a:extLst>
+              </p:cNvPr>
+              <p:cNvCxnSpPr>
+                <a:cxnSpLocks/>
+              </p:cNvCxnSpPr>
+              <p:nvPr/>
+            </p:nvCxnSpPr>
+            <p:spPr>
+              <a:xfrm flipH="1" flipV="1">
+                <a:off x="1816128" y="1788127"/>
+                <a:ext cx="7559363" cy="679176"/>
+              </a:xfrm>
+              <a:prstGeom prst="line">
+                <a:avLst/>
+              </a:prstGeom>
+              <a:ln>
+                <a:solidFill>
+                  <a:srgbClr val="FF0000"/>
+                </a:solidFill>
+              </a:ln>
+            </p:spPr>
+            <p:style>
+              <a:lnRef idx="1">
+                <a:schemeClr val="dk1"/>
+              </a:lnRef>
+              <a:fillRef idx="0">
+                <a:schemeClr val="dk1"/>
+              </a:fillRef>
+              <a:effectRef idx="0">
+                <a:schemeClr val="dk1"/>
+              </a:effectRef>
+              <a:fontRef idx="minor">
+                <a:schemeClr val="tx1"/>
+              </a:fontRef>
+            </p:style>
+          </p:cxnSp>
+          <p:cxnSp>
+            <p:nvCxnSpPr>
+              <p:cNvPr id="34" name="直接连接符 33">
+                <a:extLst>
+                  <a:ext uri="{FF2B5EF4-FFF2-40B4-BE49-F238E27FC236}">
+                    <a16:creationId xmlns:a16="http://schemas.microsoft.com/office/drawing/2014/main" id="{56E70CD1-E0A8-0C6E-B72D-AF6E9059511A}"/>
+                  </a:ext>
+                </a:extLst>
+              </p:cNvPr>
+              <p:cNvCxnSpPr>
+                <a:cxnSpLocks/>
+              </p:cNvCxnSpPr>
+              <p:nvPr/>
+            </p:nvCxnSpPr>
+            <p:spPr>
+              <a:xfrm flipH="1">
+                <a:off x="1883063" y="1472214"/>
+                <a:ext cx="7806577" cy="589268"/>
+              </a:xfrm>
+              <a:prstGeom prst="line">
+                <a:avLst/>
+              </a:prstGeom>
+              <a:ln>
+                <a:solidFill>
+                  <a:srgbClr val="FF0000"/>
+                </a:solidFill>
+              </a:ln>
+            </p:spPr>
+            <p:style>
+              <a:lnRef idx="1">
+                <a:schemeClr val="dk1"/>
+              </a:lnRef>
+              <a:fillRef idx="0">
+                <a:schemeClr val="dk1"/>
+              </a:fillRef>
+              <a:effectRef idx="0">
+                <a:schemeClr val="dk1"/>
+              </a:effectRef>
+              <a:fontRef idx="minor">
+                <a:schemeClr val="tx1"/>
+              </a:fontRef>
+            </p:style>
+          </p:cxnSp>
+          <p:sp>
+            <p:nvSpPr>
+              <p:cNvPr id="35" name="椭圆 34">
+                <a:extLst>
+                  <a:ext uri="{FF2B5EF4-FFF2-40B4-BE49-F238E27FC236}">
+                    <a16:creationId xmlns:a16="http://schemas.microsoft.com/office/drawing/2014/main" id="{DD2ED768-2E92-A9F5-3E4D-55DB442329E5}"/>
+                  </a:ext>
+                </a:extLst>
+              </p:cNvPr>
+              <p:cNvSpPr/>
+              <p:nvPr/>
+            </p:nvSpPr>
+            <p:spPr>
+              <a:xfrm>
+                <a:off x="3455052" y="1911307"/>
+                <a:ext cx="54000" cy="54000"/>
+              </a:xfrm>
+              <a:prstGeom prst="ellipse">
+                <a:avLst/>
+              </a:prstGeom>
+              <a:solidFill>
+                <a:schemeClr val="accent1">
+                  <a:lumMod val="60000"/>
+                  <a:lumOff val="40000"/>
+                </a:schemeClr>
+              </a:solidFill>
+              <a:ln w="3175">
+                <a:solidFill>
+                  <a:schemeClr val="tx1"/>
+                </a:solidFill>
+              </a:ln>
+            </p:spPr>
+            <p:style>
+              <a:lnRef idx="2">
+                <a:schemeClr val="accent1">
+                  <a:shade val="15000"/>
+                </a:schemeClr>
+              </a:lnRef>
+              <a:fillRef idx="1">
+                <a:schemeClr val="accent1"/>
+              </a:fillRef>
+              <a:effectRef idx="0">
+                <a:schemeClr val="accent1"/>
+              </a:effectRef>
+              <a:fontRef idx="minor">
+                <a:schemeClr val="lt1"/>
+              </a:fontRef>
+            </p:style>
+            <p:txBody>
+              <a:bodyPr rtlCol="0" anchor="ctr"/>
+              <a:lstStyle/>
+              <a:p>
+                <a:pPr algn="ctr"/>
+                <a:endParaRPr lang="zh-CN" altLang="en-US"/>
+              </a:p>
+            </p:txBody>
+          </p:sp>
+          <p:cxnSp>
+            <p:nvCxnSpPr>
+              <p:cNvPr id="36" name="直接连接符 35">
+                <a:extLst>
+                  <a:ext uri="{FF2B5EF4-FFF2-40B4-BE49-F238E27FC236}">
+                    <a16:creationId xmlns:a16="http://schemas.microsoft.com/office/drawing/2014/main" id="{2E6C2562-8BFF-3474-1205-CD2E88D75FC8}"/>
+                  </a:ext>
+                </a:extLst>
+              </p:cNvPr>
+              <p:cNvCxnSpPr>
+                <a:cxnSpLocks/>
+              </p:cNvCxnSpPr>
+              <p:nvPr/>
+            </p:nvCxnSpPr>
+            <p:spPr>
+              <a:xfrm rot="490842">
+                <a:off x="2794985" y="1406173"/>
+                <a:ext cx="100193" cy="991589"/>
+              </a:xfrm>
+              <a:prstGeom prst="line">
+                <a:avLst/>
+              </a:prstGeom>
+            </p:spPr>
+            <p:style>
+              <a:lnRef idx="1">
+                <a:schemeClr val="dk1"/>
+              </a:lnRef>
+              <a:fillRef idx="0">
+                <a:schemeClr val="dk1"/>
+              </a:fillRef>
+              <a:effectRef idx="0">
+                <a:schemeClr val="dk1"/>
+              </a:effectRef>
+              <a:fontRef idx="minor">
+                <a:schemeClr val="tx1"/>
+              </a:fontRef>
+            </p:style>
+          </p:cxnSp>
+        </p:grpSp>
+        <p:cxnSp>
+          <p:nvCxnSpPr>
+            <p:cNvPr id="40" name="直接连接符 39">
+              <a:extLst>
+                <a:ext uri="{FF2B5EF4-FFF2-40B4-BE49-F238E27FC236}">
+                  <a16:creationId xmlns:a16="http://schemas.microsoft.com/office/drawing/2014/main" id="{706F0ACC-572D-143F-09FB-DE1F8ADE455F}"/>
+                </a:ext>
+              </a:extLst>
+            </p:cNvPr>
+            <p:cNvCxnSpPr>
+              <a:cxnSpLocks/>
+            </p:cNvCxnSpPr>
+            <p:nvPr/>
+          </p:nvCxnSpPr>
+          <p:spPr>
+            <a:xfrm flipH="1">
+              <a:off x="2405210" y="530919"/>
+              <a:ext cx="542603" cy="3596640"/>
+            </a:xfrm>
+            <a:prstGeom prst="line">
+              <a:avLst/>
+            </a:prstGeom>
+          </p:spPr>
+          <p:style>
+            <a:lnRef idx="1">
+              <a:schemeClr val="dk1"/>
+            </a:lnRef>
+            <a:fillRef idx="0">
+              <a:schemeClr val="dk1"/>
+            </a:fillRef>
+            <a:effectRef idx="0">
+              <a:schemeClr val="dk1"/>
+            </a:effectRef>
+            <a:fontRef idx="minor">
+              <a:schemeClr val="tx1"/>
+            </a:fontRef>
+          </p:style>
+        </p:cxnSp>
+        <p:cxnSp>
+          <p:nvCxnSpPr>
+            <p:cNvPr id="46" name="直接连接符 45">
+              <a:extLst>
+                <a:ext uri="{FF2B5EF4-FFF2-40B4-BE49-F238E27FC236}">
+                  <a16:creationId xmlns:a16="http://schemas.microsoft.com/office/drawing/2014/main" id="{4A34736F-E8AD-1E1A-CBF1-1B3326622E0F}"/>
+                </a:ext>
+              </a:extLst>
+            </p:cNvPr>
+            <p:cNvCxnSpPr>
+              <a:cxnSpLocks/>
+              <a:stCxn id="11" idx="4"/>
+              <a:endCxn id="35" idx="0"/>
+            </p:cNvCxnSpPr>
+            <p:nvPr/>
+          </p:nvCxnSpPr>
+          <p:spPr>
+            <a:xfrm flipH="1">
+              <a:off x="3358426" y="1463882"/>
+              <a:ext cx="275268" cy="1825895"/>
+            </a:xfrm>
+            <a:prstGeom prst="line">
+              <a:avLst/>
+            </a:prstGeom>
+            <a:ln>
+              <a:prstDash val="lgDash"/>
+            </a:ln>
+          </p:spPr>
+          <p:style>
+            <a:lnRef idx="1">
+              <a:schemeClr val="dk1"/>
+            </a:lnRef>
+            <a:fillRef idx="0">
+              <a:schemeClr val="dk1"/>
+            </a:fillRef>
+            <a:effectRef idx="0">
+              <a:schemeClr val="dk1"/>
+            </a:effectRef>
+            <a:fontRef idx="minor">
+              <a:schemeClr val="tx1"/>
+            </a:fontRef>
+          </p:style>
+        </p:cxnSp>
+      </p:grpSp>
+      <p:sp>
+        <p:nvSpPr>
+          <p:cNvPr id="54" name="文本框 53">
+            <a:extLst>
+              <a:ext uri="{FF2B5EF4-FFF2-40B4-BE49-F238E27FC236}">
+                <a16:creationId xmlns:a16="http://schemas.microsoft.com/office/drawing/2014/main" id="{BAC28718-8820-F8F9-BE81-B37CABBEC235}"/>
+              </a:ext>
+            </a:extLst>
+          </p:cNvPr>
+          <p:cNvSpPr txBox="1"/>
+          <p:nvPr/>
+        </p:nvSpPr>
+        <p:spPr>
+          <a:xfrm>
+            <a:off x="2834776" y="2776141"/>
+            <a:ext cx="441146" cy="246221"/>
+          </a:xfrm>
+          <a:prstGeom prst="rect">
+            <a:avLst/>
+          </a:prstGeom>
+          <a:solidFill>
+            <a:schemeClr val="bg1"/>
+          </a:solidFill>
+        </p:spPr>
+        <p:txBody>
+          <a:bodyPr wrap="none" rtlCol="0">
+            <a:spAutoFit/>
+          </a:bodyPr>
+          <a:lstStyle/>
+          <a:p>
+            <a:r>
+              <a:rPr lang="zh-CN" altLang="en-US" sz="1000" dirty="0"/>
+              <a:t>平行</a:t>
+            </a:r>
+          </a:p>
+        </p:txBody>
+      </p:sp>
+      <p:sp>
+        <p:nvSpPr>
+          <p:cNvPr id="55" name="文本框 54">
+            <a:extLst>
+              <a:ext uri="{FF2B5EF4-FFF2-40B4-BE49-F238E27FC236}">
+                <a16:creationId xmlns:a16="http://schemas.microsoft.com/office/drawing/2014/main" id="{E2892C6F-6E5D-FB96-2FF8-1277D8195DEA}"/>
+              </a:ext>
+            </a:extLst>
+          </p:cNvPr>
+          <p:cNvSpPr txBox="1"/>
+          <p:nvPr/>
+        </p:nvSpPr>
+        <p:spPr>
+          <a:xfrm>
+            <a:off x="2992094" y="1438797"/>
+            <a:ext cx="569387" cy="246221"/>
+          </a:xfrm>
+          <a:prstGeom prst="rect">
+            <a:avLst/>
+          </a:prstGeom>
+          <a:noFill/>
+        </p:spPr>
+        <p:txBody>
+          <a:bodyPr wrap="none" rtlCol="0">
+            <a:spAutoFit/>
+          </a:bodyPr>
+          <a:lstStyle/>
+          <a:p>
+            <a:r>
+              <a:rPr lang="zh-CN" altLang="en-US" sz="1000" dirty="0"/>
+              <a:t>矫正前</a:t>
+            </a:r>
+          </a:p>
+        </p:txBody>
+      </p:sp>
+      <p:sp>
+        <p:nvSpPr>
+          <p:cNvPr id="56" name="文本框 55">
+            <a:extLst>
+              <a:ext uri="{FF2B5EF4-FFF2-40B4-BE49-F238E27FC236}">
+                <a16:creationId xmlns:a16="http://schemas.microsoft.com/office/drawing/2014/main" id="{C9E7D71F-3A51-032F-9E96-52D8640A8DC8}"/>
+              </a:ext>
+            </a:extLst>
+          </p:cNvPr>
+          <p:cNvSpPr txBox="1"/>
+          <p:nvPr/>
+        </p:nvSpPr>
+        <p:spPr>
+          <a:xfrm>
+            <a:off x="2553849" y="1112307"/>
+            <a:ext cx="569387" cy="246221"/>
+          </a:xfrm>
+          <a:prstGeom prst="rect">
+            <a:avLst/>
+          </a:prstGeom>
+          <a:noFill/>
+        </p:spPr>
+        <p:txBody>
+          <a:bodyPr wrap="none" rtlCol="0">
+            <a:spAutoFit/>
+          </a:bodyPr>
+          <a:lstStyle/>
+          <a:p>
+            <a:r>
+              <a:rPr lang="zh-CN" altLang="en-US" sz="1000" dirty="0"/>
+              <a:t>矫正后</a:t>
+            </a:r>
+          </a:p>
+        </p:txBody>
+      </p:sp>
+      <p:cxnSp>
+        <p:nvCxnSpPr>
+          <p:cNvPr id="58" name="直接箭头连接符 57">
+            <a:extLst>
+              <a:ext uri="{FF2B5EF4-FFF2-40B4-BE49-F238E27FC236}">
+                <a16:creationId xmlns:a16="http://schemas.microsoft.com/office/drawing/2014/main" id="{1EC3A3D8-72B7-77B5-9D59-80B0D9FD8E1E}"/>
+              </a:ext>
+            </a:extLst>
+          </p:cNvPr>
+          <p:cNvCxnSpPr>
+            <a:cxnSpLocks/>
+          </p:cNvCxnSpPr>
+          <p:nvPr/>
+        </p:nvCxnSpPr>
+        <p:spPr>
+          <a:xfrm>
+            <a:off x="2672299" y="2989325"/>
+            <a:ext cx="823896" cy="0"/>
+          </a:xfrm>
+          <a:prstGeom prst="straightConnector1">
+            <a:avLst/>
+          </a:prstGeom>
+          <a:ln>
+            <a:headEnd type="triangle"/>
+            <a:tailEnd type="triangle"/>
+          </a:ln>
+        </p:spPr>
+        <p:style>
+          <a:lnRef idx="1">
+            <a:schemeClr val="accent1"/>
+          </a:lnRef>
+          <a:fillRef idx="0">
+            <a:schemeClr val="accent1"/>
+          </a:fillRef>
+          <a:effectRef idx="0">
+            <a:schemeClr val="accent1"/>
+          </a:effectRef>
+          <a:fontRef idx="minor">
+            <a:schemeClr val="tx1"/>
+          </a:fontRef>
+        </p:style>
+      </p:cxnSp>
+    </p:spTree>
+    <p:extLst>
+      <p:ext uri="{BB962C8B-B14F-4D97-AF65-F5344CB8AC3E}">
+        <p14:creationId xmlns:p14="http://schemas.microsoft.com/office/powerpoint/2010/main" val="4248711951"/>
       </p:ext>
     </p:extLst>
   </p:cSld>

--- a/学习笔记/图形学/i/三角测量补充图.pptx
+++ b/学习笔记/图形学/i/三角测量补充图.pptx
@@ -120,7 +120,7 @@
   <pc:docChgLst>
     <pc:chgData name="Daheng Yin" userId="40f47af77092ccff" providerId="LiveId" clId="{6A1AB36C-7C65-40E7-8F48-FC40DEE81EDF}"/>
     <pc:docChg chg="undo redo custSel addSld delSld modSld">
-      <pc:chgData name="Daheng Yin" userId="40f47af77092ccff" providerId="LiveId" clId="{6A1AB36C-7C65-40E7-8F48-FC40DEE81EDF}" dt="2023-11-17T01:35:47.923" v="551" actId="1076"/>
+      <pc:chgData name="Daheng Yin" userId="40f47af77092ccff" providerId="LiveId" clId="{6A1AB36C-7C65-40E7-8F48-FC40DEE81EDF}" dt="2023-11-17T21:04:16.251" v="612" actId="2696"/>
       <pc:docMkLst>
         <pc:docMk/>
       </pc:docMkLst>
@@ -585,7 +585,7 @@
         </pc:cxnChg>
       </pc:sldChg>
       <pc:sldChg chg="addSp delSp modSp new mod">
-        <pc:chgData name="Daheng Yin" userId="40f47af77092ccff" providerId="LiveId" clId="{6A1AB36C-7C65-40E7-8F48-FC40DEE81EDF}" dt="2023-11-17T01:35:47.923" v="551" actId="1076"/>
+        <pc:chgData name="Daheng Yin" userId="40f47af77092ccff" providerId="LiveId" clId="{6A1AB36C-7C65-40E7-8F48-FC40DEE81EDF}" dt="2023-11-17T20:54:20.651" v="610" actId="167"/>
         <pc:sldMkLst>
           <pc:docMk/>
           <pc:sldMk cId="4248711951" sldId="260"/>
@@ -598,6 +598,14 @@
             <ac:spMk id="2" creationId="{B527E132-EF4C-2FB4-FB6A-2F27A11781C8}"/>
           </ac:spMkLst>
         </pc:spChg>
+        <pc:spChg chg="add del">
+          <ac:chgData name="Daheng Yin" userId="40f47af77092ccff" providerId="LiveId" clId="{6A1AB36C-7C65-40E7-8F48-FC40DEE81EDF}" dt="2023-11-17T20:47:55.143" v="558" actId="11529"/>
+          <ac:spMkLst>
+            <pc:docMk/>
+            <pc:sldMk cId="4248711951" sldId="260"/>
+            <ac:spMk id="2" creationId="{C1E43029-D0CB-3102-514F-D6210F8BE3C3}"/>
+          </ac:spMkLst>
+        </pc:spChg>
         <pc:spChg chg="del">
           <ac:chgData name="Daheng Yin" userId="40f47af77092ccff" providerId="LiveId" clId="{6A1AB36C-7C65-40E7-8F48-FC40DEE81EDF}" dt="2023-11-17T01:30:55.758" v="464" actId="478"/>
           <ac:spMkLst>
@@ -606,8 +614,16 @@
             <ac:spMk id="3" creationId="{2A48FB9D-AF9C-65BD-C36D-AF97C7E14C15}"/>
           </ac:spMkLst>
         </pc:spChg>
-        <pc:spChg chg="add mod">
-          <ac:chgData name="Daheng Yin" userId="40f47af77092ccff" providerId="LiveId" clId="{6A1AB36C-7C65-40E7-8F48-FC40DEE81EDF}" dt="2023-11-17T01:32:02.921" v="479" actId="164"/>
+        <pc:spChg chg="add mod ord">
+          <ac:chgData name="Daheng Yin" userId="40f47af77092ccff" providerId="LiveId" clId="{6A1AB36C-7C65-40E7-8F48-FC40DEE81EDF}" dt="2023-11-17T20:53:09.902" v="596" actId="14100"/>
+          <ac:spMkLst>
+            <pc:docMk/>
+            <pc:sldMk cId="4248711951" sldId="260"/>
+            <ac:spMk id="3" creationId="{FCDAE302-6CAA-1EEA-576B-5EC6541B0605}"/>
+          </ac:spMkLst>
+        </pc:spChg>
+        <pc:spChg chg="add mod topLvl">
+          <ac:chgData name="Daheng Yin" userId="40f47af77092ccff" providerId="LiveId" clId="{6A1AB36C-7C65-40E7-8F48-FC40DEE81EDF}" dt="2023-11-17T20:49:40.920" v="570" actId="165"/>
           <ac:spMkLst>
             <pc:docMk/>
             <pc:sldMk cId="4248711951" sldId="260"/>
@@ -622,8 +638,8 @@
             <ac:spMk id="20" creationId="{60D8483A-6CFF-8BB1-7DDB-F76DF07FDBDD}"/>
           </ac:spMkLst>
         </pc:spChg>
-        <pc:spChg chg="mod">
-          <ac:chgData name="Daheng Yin" userId="40f47af77092ccff" providerId="LiveId" clId="{6A1AB36C-7C65-40E7-8F48-FC40DEE81EDF}" dt="2023-11-17T01:32:10.639" v="481"/>
+        <pc:spChg chg="mod topLvl">
+          <ac:chgData name="Daheng Yin" userId="40f47af77092ccff" providerId="LiveId" clId="{6A1AB36C-7C65-40E7-8F48-FC40DEE81EDF}" dt="2023-11-17T20:49:40.920" v="570" actId="165"/>
           <ac:spMkLst>
             <pc:docMk/>
             <pc:sldMk cId="4248711951" sldId="260"/>
@@ -631,7 +647,7 @@
           </ac:spMkLst>
         </pc:spChg>
         <pc:spChg chg="add mod">
-          <ac:chgData name="Daheng Yin" userId="40f47af77092ccff" providerId="LiveId" clId="{6A1AB36C-7C65-40E7-8F48-FC40DEE81EDF}" dt="2023-11-17T01:35:47.923" v="551" actId="1076"/>
+          <ac:chgData name="Daheng Yin" userId="40f47af77092ccff" providerId="LiveId" clId="{6A1AB36C-7C65-40E7-8F48-FC40DEE81EDF}" dt="2023-11-17T20:46:45.118" v="552" actId="207"/>
           <ac:spMkLst>
             <pc:docMk/>
             <pc:sldMk cId="4248711951" sldId="260"/>
@@ -662,24 +678,24 @@
             <ac:grpSpMk id="4" creationId="{9AB0AB71-85E1-38C4-615E-61717D46426E}"/>
           </ac:grpSpMkLst>
         </pc:grpChg>
-        <pc:grpChg chg="add mod">
-          <ac:chgData name="Daheng Yin" userId="40f47af77092ccff" providerId="LiveId" clId="{6A1AB36C-7C65-40E7-8F48-FC40DEE81EDF}" dt="2023-11-17T01:34:26.851" v="507" actId="164"/>
+        <pc:grpChg chg="add del mod topLvl">
+          <ac:chgData name="Daheng Yin" userId="40f47af77092ccff" providerId="LiveId" clId="{6A1AB36C-7C65-40E7-8F48-FC40DEE81EDF}" dt="2023-11-17T20:49:40.920" v="570" actId="165"/>
           <ac:grpSpMkLst>
             <pc:docMk/>
             <pc:sldMk cId="4248711951" sldId="260"/>
             <ac:grpSpMk id="29" creationId="{B4B13D6F-B1A9-C433-1C45-D9BAFE50E464}"/>
           </ac:grpSpMkLst>
         </pc:grpChg>
-        <pc:grpChg chg="add mod">
-          <ac:chgData name="Daheng Yin" userId="40f47af77092ccff" providerId="LiveId" clId="{6A1AB36C-7C65-40E7-8F48-FC40DEE81EDF}" dt="2023-11-17T01:34:26.851" v="507" actId="164"/>
+        <pc:grpChg chg="add del mod topLvl">
+          <ac:chgData name="Daheng Yin" userId="40f47af77092ccff" providerId="LiveId" clId="{6A1AB36C-7C65-40E7-8F48-FC40DEE81EDF}" dt="2023-11-17T20:49:40.920" v="570" actId="165"/>
           <ac:grpSpMkLst>
             <pc:docMk/>
             <pc:sldMk cId="4248711951" sldId="260"/>
             <ac:grpSpMk id="30" creationId="{D14D5CAC-6900-13EE-FCD2-F29112EDA197}"/>
           </ac:grpSpMkLst>
         </pc:grpChg>
-        <pc:grpChg chg="add mod">
-          <ac:chgData name="Daheng Yin" userId="40f47af77092ccff" providerId="LiveId" clId="{6A1AB36C-7C65-40E7-8F48-FC40DEE81EDF}" dt="2023-11-17T01:34:34.674" v="509" actId="1076"/>
+        <pc:grpChg chg="add del mod">
+          <ac:chgData name="Daheng Yin" userId="40f47af77092ccff" providerId="LiveId" clId="{6A1AB36C-7C65-40E7-8F48-FC40DEE81EDF}" dt="2023-11-17T20:49:33.709" v="569" actId="165"/>
           <ac:grpSpMkLst>
             <pc:docMk/>
             <pc:sldMk cId="4248711951" sldId="260"/>
@@ -702,40 +718,40 @@
             <ac:picMk id="6" creationId="{59218C2F-7521-C4CA-49B6-55E5B6B4AC0E}"/>
           </ac:picMkLst>
         </pc:picChg>
-        <pc:cxnChg chg="add mod">
-          <ac:chgData name="Daheng Yin" userId="40f47af77092ccff" providerId="LiveId" clId="{6A1AB36C-7C65-40E7-8F48-FC40DEE81EDF}" dt="2023-11-17T01:32:02.921" v="479" actId="164"/>
+        <pc:cxnChg chg="add mod topLvl">
+          <ac:chgData name="Daheng Yin" userId="40f47af77092ccff" providerId="LiveId" clId="{6A1AB36C-7C65-40E7-8F48-FC40DEE81EDF}" dt="2023-11-17T20:50:34.766" v="578" actId="14100"/>
           <ac:cxnSpMkLst>
             <pc:docMk/>
             <pc:sldMk cId="4248711951" sldId="260"/>
             <ac:cxnSpMk id="7" creationId="{3BD534B6-AEAD-8E99-F298-40E76BAE42E7}"/>
           </ac:cxnSpMkLst>
         </pc:cxnChg>
-        <pc:cxnChg chg="add mod">
-          <ac:chgData name="Daheng Yin" userId="40f47af77092ccff" providerId="LiveId" clId="{6A1AB36C-7C65-40E7-8F48-FC40DEE81EDF}" dt="2023-11-17T01:32:02.921" v="479" actId="164"/>
+        <pc:cxnChg chg="add mod topLvl">
+          <ac:chgData name="Daheng Yin" userId="40f47af77092ccff" providerId="LiveId" clId="{6A1AB36C-7C65-40E7-8F48-FC40DEE81EDF}" dt="2023-11-17T20:51:15.999" v="585" actId="14100"/>
           <ac:cxnSpMkLst>
             <pc:docMk/>
             <pc:sldMk cId="4248711951" sldId="260"/>
             <ac:cxnSpMk id="8" creationId="{DFBCCE08-3208-D6A4-9F84-B34A410ACFB5}"/>
           </ac:cxnSpMkLst>
         </pc:cxnChg>
-        <pc:cxnChg chg="add mod">
-          <ac:chgData name="Daheng Yin" userId="40f47af77092ccff" providerId="LiveId" clId="{6A1AB36C-7C65-40E7-8F48-FC40DEE81EDF}" dt="2023-11-17T01:32:02.921" v="479" actId="164"/>
+        <pc:cxnChg chg="add mod topLvl">
+          <ac:chgData name="Daheng Yin" userId="40f47af77092ccff" providerId="LiveId" clId="{6A1AB36C-7C65-40E7-8F48-FC40DEE81EDF}" dt="2023-11-17T20:51:09.710" v="584" actId="14100"/>
           <ac:cxnSpMkLst>
             <pc:docMk/>
             <pc:sldMk cId="4248711951" sldId="260"/>
             <ac:cxnSpMk id="9" creationId="{12D829A2-002F-D598-A213-FB84B03D8EC0}"/>
           </ac:cxnSpMkLst>
         </pc:cxnChg>
-        <pc:cxnChg chg="add mod">
-          <ac:chgData name="Daheng Yin" userId="40f47af77092ccff" providerId="LiveId" clId="{6A1AB36C-7C65-40E7-8F48-FC40DEE81EDF}" dt="2023-11-17T01:32:02.921" v="479" actId="164"/>
+        <pc:cxnChg chg="add mod topLvl">
+          <ac:chgData name="Daheng Yin" userId="40f47af77092ccff" providerId="LiveId" clId="{6A1AB36C-7C65-40E7-8F48-FC40DEE81EDF}" dt="2023-11-17T20:50:44.718" v="580" actId="14100"/>
           <ac:cxnSpMkLst>
             <pc:docMk/>
             <pc:sldMk cId="4248711951" sldId="260"/>
             <ac:cxnSpMk id="10" creationId="{580794AE-3922-979E-EF16-A42584D386F7}"/>
           </ac:cxnSpMkLst>
         </pc:cxnChg>
-        <pc:cxnChg chg="add mod">
-          <ac:chgData name="Daheng Yin" userId="40f47af77092ccff" providerId="LiveId" clId="{6A1AB36C-7C65-40E7-8F48-FC40DEE81EDF}" dt="2023-11-17T01:32:39.961" v="487" actId="14100"/>
+        <pc:cxnChg chg="add mod topLvl">
+          <ac:chgData name="Daheng Yin" userId="40f47af77092ccff" providerId="LiveId" clId="{6A1AB36C-7C65-40E7-8F48-FC40DEE81EDF}" dt="2023-11-17T20:49:40.920" v="570" actId="165"/>
           <ac:cxnSpMkLst>
             <pc:docMk/>
             <pc:sldMk cId="4248711951" sldId="260"/>
@@ -782,56 +798,88 @@
             <ac:cxnSpMk id="21" creationId="{AE1737F0-4A3E-9FD4-69EF-390603C28F7C}"/>
           </ac:cxnSpMkLst>
         </pc:cxnChg>
-        <pc:cxnChg chg="mod">
-          <ac:chgData name="Daheng Yin" userId="40f47af77092ccff" providerId="LiveId" clId="{6A1AB36C-7C65-40E7-8F48-FC40DEE81EDF}" dt="2023-11-17T01:32:10.639" v="481"/>
+        <pc:cxnChg chg="mod topLvl">
+          <ac:chgData name="Daheng Yin" userId="40f47af77092ccff" providerId="LiveId" clId="{6A1AB36C-7C65-40E7-8F48-FC40DEE81EDF}" dt="2023-11-17T20:53:25.344" v="600" actId="14100"/>
           <ac:cxnSpMkLst>
             <pc:docMk/>
             <pc:sldMk cId="4248711951" sldId="260"/>
             <ac:cxnSpMk id="31" creationId="{0EED2FA4-DD84-EF59-0979-D6665C0BA9D3}"/>
           </ac:cxnSpMkLst>
         </pc:cxnChg>
-        <pc:cxnChg chg="mod">
-          <ac:chgData name="Daheng Yin" userId="40f47af77092ccff" providerId="LiveId" clId="{6A1AB36C-7C65-40E7-8F48-FC40DEE81EDF}" dt="2023-11-17T01:32:10.639" v="481"/>
+        <pc:cxnChg chg="mod topLvl">
+          <ac:chgData name="Daheng Yin" userId="40f47af77092ccff" providerId="LiveId" clId="{6A1AB36C-7C65-40E7-8F48-FC40DEE81EDF}" dt="2023-11-17T20:53:19.096" v="598" actId="14100"/>
           <ac:cxnSpMkLst>
             <pc:docMk/>
             <pc:sldMk cId="4248711951" sldId="260"/>
             <ac:cxnSpMk id="32" creationId="{BD7BDB07-7763-FD5A-E06E-316FF06E8971}"/>
           </ac:cxnSpMkLst>
         </pc:cxnChg>
-        <pc:cxnChg chg="mod">
-          <ac:chgData name="Daheng Yin" userId="40f47af77092ccff" providerId="LiveId" clId="{6A1AB36C-7C65-40E7-8F48-FC40DEE81EDF}" dt="2023-11-17T01:32:10.639" v="481"/>
+        <pc:cxnChg chg="mod topLvl">
+          <ac:chgData name="Daheng Yin" userId="40f47af77092ccff" providerId="LiveId" clId="{6A1AB36C-7C65-40E7-8F48-FC40DEE81EDF}" dt="2023-11-17T20:53:15.792" v="597" actId="14100"/>
           <ac:cxnSpMkLst>
             <pc:docMk/>
             <pc:sldMk cId="4248711951" sldId="260"/>
             <ac:cxnSpMk id="33" creationId="{EE8ED463-1BA6-65E8-3BA5-FCC3D64E66FA}"/>
           </ac:cxnSpMkLst>
         </pc:cxnChg>
-        <pc:cxnChg chg="mod">
-          <ac:chgData name="Daheng Yin" userId="40f47af77092ccff" providerId="LiveId" clId="{6A1AB36C-7C65-40E7-8F48-FC40DEE81EDF}" dt="2023-11-17T01:32:10.639" v="481"/>
+        <pc:cxnChg chg="mod topLvl">
+          <ac:chgData name="Daheng Yin" userId="40f47af77092ccff" providerId="LiveId" clId="{6A1AB36C-7C65-40E7-8F48-FC40DEE81EDF}" dt="2023-11-17T20:53:21.616" v="599" actId="14100"/>
           <ac:cxnSpMkLst>
             <pc:docMk/>
             <pc:sldMk cId="4248711951" sldId="260"/>
             <ac:cxnSpMk id="34" creationId="{56E70CD1-E0A8-0C6E-B72D-AF6E9059511A}"/>
           </ac:cxnSpMkLst>
         </pc:cxnChg>
-        <pc:cxnChg chg="mod">
-          <ac:chgData name="Daheng Yin" userId="40f47af77092ccff" providerId="LiveId" clId="{6A1AB36C-7C65-40E7-8F48-FC40DEE81EDF}" dt="2023-11-17T01:32:36.466" v="486" actId="14100"/>
+        <pc:cxnChg chg="del mod">
+          <ac:chgData name="Daheng Yin" userId="40f47af77092ccff" providerId="LiveId" clId="{6A1AB36C-7C65-40E7-8F48-FC40DEE81EDF}" dt="2023-11-17T20:48:23.478" v="563" actId="478"/>
           <ac:cxnSpMkLst>
             <pc:docMk/>
             <pc:sldMk cId="4248711951" sldId="260"/>
             <ac:cxnSpMk id="36" creationId="{2E6C2562-8BFF-3474-1205-CD2E88D75FC8}"/>
           </ac:cxnSpMkLst>
         </pc:cxnChg>
-        <pc:cxnChg chg="add mod">
-          <ac:chgData name="Daheng Yin" userId="40f47af77092ccff" providerId="LiveId" clId="{6A1AB36C-7C65-40E7-8F48-FC40DEE81EDF}" dt="2023-11-17T01:34:26.851" v="507" actId="164"/>
+        <pc:cxnChg chg="add mod ord">
+          <ac:chgData name="Daheng Yin" userId="40f47af77092ccff" providerId="LiveId" clId="{6A1AB36C-7C65-40E7-8F48-FC40DEE81EDF}" dt="2023-11-17T20:53:03.936" v="595" actId="167"/>
+          <ac:cxnSpMkLst>
+            <pc:docMk/>
+            <pc:sldMk cId="4248711951" sldId="260"/>
+            <ac:cxnSpMk id="37" creationId="{70E4AE25-C3F6-E278-0895-EC5BB752F962}"/>
+          </ac:cxnSpMkLst>
+        </pc:cxnChg>
+        <pc:cxnChg chg="add mod topLvl">
+          <ac:chgData name="Daheng Yin" userId="40f47af77092ccff" providerId="LiveId" clId="{6A1AB36C-7C65-40E7-8F48-FC40DEE81EDF}" dt="2023-11-17T20:49:33.709" v="569" actId="165"/>
           <ac:cxnSpMkLst>
             <pc:docMk/>
             <pc:sldMk cId="4248711951" sldId="260"/>
             <ac:cxnSpMk id="40" creationId="{706F0ACC-572D-143F-09FB-DE1F8ADE455F}"/>
           </ac:cxnSpMkLst>
         </pc:cxnChg>
-        <pc:cxnChg chg="add mod">
-          <ac:chgData name="Daheng Yin" userId="40f47af77092ccff" providerId="LiveId" clId="{6A1AB36C-7C65-40E7-8F48-FC40DEE81EDF}" dt="2023-11-17T01:34:26.851" v="507" actId="164"/>
+        <pc:cxnChg chg="add mod ord">
+          <ac:chgData name="Daheng Yin" userId="40f47af77092ccff" providerId="LiveId" clId="{6A1AB36C-7C65-40E7-8F48-FC40DEE81EDF}" dt="2023-11-17T20:53:42.466" v="603" actId="167"/>
+          <ac:cxnSpMkLst>
+            <pc:docMk/>
+            <pc:sldMk cId="4248711951" sldId="260"/>
+            <ac:cxnSpMk id="43" creationId="{FEB88A23-DE19-8D53-C6AC-626DA2BF2464}"/>
+          </ac:cxnSpMkLst>
+        </pc:cxnChg>
+        <pc:cxnChg chg="add mod ord">
+          <ac:chgData name="Daheng Yin" userId="40f47af77092ccff" providerId="LiveId" clId="{6A1AB36C-7C65-40E7-8F48-FC40DEE81EDF}" dt="2023-11-17T20:53:56.402" v="606" actId="167"/>
+          <ac:cxnSpMkLst>
+            <pc:docMk/>
+            <pc:sldMk cId="4248711951" sldId="260"/>
+            <ac:cxnSpMk id="44" creationId="{D708BB84-EA47-A794-514F-15DD9D308E64}"/>
+          </ac:cxnSpMkLst>
+        </pc:cxnChg>
+        <pc:cxnChg chg="add mod ord">
+          <ac:chgData name="Daheng Yin" userId="40f47af77092ccff" providerId="LiveId" clId="{6A1AB36C-7C65-40E7-8F48-FC40DEE81EDF}" dt="2023-11-17T20:54:20.651" v="610" actId="167"/>
+          <ac:cxnSpMkLst>
+            <pc:docMk/>
+            <pc:sldMk cId="4248711951" sldId="260"/>
+            <ac:cxnSpMk id="45" creationId="{6F92B631-5C11-CA47-4F83-B92699FDC942}"/>
+          </ac:cxnSpMkLst>
+        </pc:cxnChg>
+        <pc:cxnChg chg="add mod topLvl">
+          <ac:chgData name="Daheng Yin" userId="40f47af77092ccff" providerId="LiveId" clId="{6A1AB36C-7C65-40E7-8F48-FC40DEE81EDF}" dt="2023-11-17T20:49:33.709" v="569" actId="165"/>
           <ac:cxnSpMkLst>
             <pc:docMk/>
             <pc:sldMk cId="4248711951" sldId="260"/>
@@ -844,6 +892,61 @@
             <pc:docMk/>
             <pc:sldMk cId="4248711951" sldId="260"/>
             <ac:cxnSpMk id="58" creationId="{1EC3A3D8-72B7-77B5-9D59-80B0D9FD8E1E}"/>
+          </ac:cxnSpMkLst>
+        </pc:cxnChg>
+      </pc:sldChg>
+      <pc:sldChg chg="addSp delSp modSp new del mod">
+        <pc:chgData name="Daheng Yin" userId="40f47af77092ccff" providerId="LiveId" clId="{6A1AB36C-7C65-40E7-8F48-FC40DEE81EDF}" dt="2023-11-17T21:04:16.251" v="612" actId="2696"/>
+        <pc:sldMkLst>
+          <pc:docMk/>
+          <pc:sldMk cId="3013249387" sldId="261"/>
+        </pc:sldMkLst>
+        <pc:spChg chg="del">
+          <ac:chgData name="Daheng Yin" userId="40f47af77092ccff" providerId="LiveId" clId="{6A1AB36C-7C65-40E7-8F48-FC40DEE81EDF}" dt="2023-11-17T20:47:10.101" v="554" actId="478"/>
+          <ac:spMkLst>
+            <pc:docMk/>
+            <pc:sldMk cId="3013249387" sldId="261"/>
+            <ac:spMk id="2" creationId="{02B2169D-7AC6-608D-98C1-3CF0C864D71C}"/>
+          </ac:spMkLst>
+        </pc:spChg>
+        <pc:spChg chg="del">
+          <ac:chgData name="Daheng Yin" userId="40f47af77092ccff" providerId="LiveId" clId="{6A1AB36C-7C65-40E7-8F48-FC40DEE81EDF}" dt="2023-11-17T20:47:10.101" v="554" actId="478"/>
+          <ac:spMkLst>
+            <pc:docMk/>
+            <pc:sldMk cId="3013249387" sldId="261"/>
+            <ac:spMk id="3" creationId="{B18A40E5-4891-FE40-F4AE-EA7F9A10CAD0}"/>
+          </ac:spMkLst>
+        </pc:spChg>
+        <pc:spChg chg="add del mod">
+          <ac:chgData name="Daheng Yin" userId="40f47af77092ccff" providerId="LiveId" clId="{6A1AB36C-7C65-40E7-8F48-FC40DEE81EDF}" dt="2023-11-17T21:04:13.679" v="611" actId="478"/>
+          <ac:spMkLst>
+            <pc:docMk/>
+            <pc:sldMk cId="3013249387" sldId="261"/>
+            <ac:spMk id="6" creationId="{DB016280-871D-01C1-E919-6AD9D85322E4}"/>
+          </ac:spMkLst>
+        </pc:spChg>
+        <pc:spChg chg="add del mod">
+          <ac:chgData name="Daheng Yin" userId="40f47af77092ccff" providerId="LiveId" clId="{6A1AB36C-7C65-40E7-8F48-FC40DEE81EDF}" dt="2023-11-17T21:04:13.679" v="611" actId="478"/>
+          <ac:spMkLst>
+            <pc:docMk/>
+            <pc:sldMk cId="3013249387" sldId="261"/>
+            <ac:spMk id="7" creationId="{515B0CAB-F774-7DD1-6A85-15D08A9EFFAF}"/>
+          </ac:spMkLst>
+        </pc:spChg>
+        <pc:cxnChg chg="add del mod">
+          <ac:chgData name="Daheng Yin" userId="40f47af77092ccff" providerId="LiveId" clId="{6A1AB36C-7C65-40E7-8F48-FC40DEE81EDF}" dt="2023-11-17T21:04:13.679" v="611" actId="478"/>
+          <ac:cxnSpMkLst>
+            <pc:docMk/>
+            <pc:sldMk cId="3013249387" sldId="261"/>
+            <ac:cxnSpMk id="4" creationId="{F9240265-D5DD-431C-6A83-16E64D799B7F}"/>
+          </ac:cxnSpMkLst>
+        </pc:cxnChg>
+        <pc:cxnChg chg="add del mod">
+          <ac:chgData name="Daheng Yin" userId="40f47af77092ccff" providerId="LiveId" clId="{6A1AB36C-7C65-40E7-8F48-FC40DEE81EDF}" dt="2023-11-17T21:04:13.679" v="611" actId="478"/>
+          <ac:cxnSpMkLst>
+            <pc:docMk/>
+            <pc:sldMk cId="3013249387" sldId="261"/>
+            <ac:cxnSpMk id="5" creationId="{A7A2A690-3854-3BB0-D2AE-357BC83027BE}"/>
           </ac:cxnSpMkLst>
         </pc:cxnChg>
       </pc:sldChg>
@@ -999,7 +1102,7 @@
           <a:p>
             <a:fld id="{C7AECABC-13C2-4501-8A7F-082FC1FBA135}" type="datetimeFigureOut">
               <a:rPr lang="zh-CN" altLang="en-US" smtClean="0"/>
-              <a:t>2023/11/16</a:t>
+              <a:t>2023/11/17</a:t>
             </a:fld>
             <a:endParaRPr lang="zh-CN" altLang="en-US"/>
           </a:p>
@@ -1197,7 +1300,7 @@
           <a:p>
             <a:fld id="{C7AECABC-13C2-4501-8A7F-082FC1FBA135}" type="datetimeFigureOut">
               <a:rPr lang="zh-CN" altLang="en-US" smtClean="0"/>
-              <a:t>2023/11/16</a:t>
+              <a:t>2023/11/17</a:t>
             </a:fld>
             <a:endParaRPr lang="zh-CN" altLang="en-US"/>
           </a:p>
@@ -1405,7 +1508,7 @@
           <a:p>
             <a:fld id="{C7AECABC-13C2-4501-8A7F-082FC1FBA135}" type="datetimeFigureOut">
               <a:rPr lang="zh-CN" altLang="en-US" smtClean="0"/>
-              <a:t>2023/11/16</a:t>
+              <a:t>2023/11/17</a:t>
             </a:fld>
             <a:endParaRPr lang="zh-CN" altLang="en-US"/>
           </a:p>
@@ -1603,7 +1706,7 @@
           <a:p>
             <a:fld id="{C7AECABC-13C2-4501-8A7F-082FC1FBA135}" type="datetimeFigureOut">
               <a:rPr lang="zh-CN" altLang="en-US" smtClean="0"/>
-              <a:t>2023/11/16</a:t>
+              <a:t>2023/11/17</a:t>
             </a:fld>
             <a:endParaRPr lang="zh-CN" altLang="en-US"/>
           </a:p>
@@ -1878,7 +1981,7 @@
           <a:p>
             <a:fld id="{C7AECABC-13C2-4501-8A7F-082FC1FBA135}" type="datetimeFigureOut">
               <a:rPr lang="zh-CN" altLang="en-US" smtClean="0"/>
-              <a:t>2023/11/16</a:t>
+              <a:t>2023/11/17</a:t>
             </a:fld>
             <a:endParaRPr lang="zh-CN" altLang="en-US"/>
           </a:p>
@@ -2143,7 +2246,7 @@
           <a:p>
             <a:fld id="{C7AECABC-13C2-4501-8A7F-082FC1FBA135}" type="datetimeFigureOut">
               <a:rPr lang="zh-CN" altLang="en-US" smtClean="0"/>
-              <a:t>2023/11/16</a:t>
+              <a:t>2023/11/17</a:t>
             </a:fld>
             <a:endParaRPr lang="zh-CN" altLang="en-US"/>
           </a:p>
@@ -2555,7 +2658,7 @@
           <a:p>
             <a:fld id="{C7AECABC-13C2-4501-8A7F-082FC1FBA135}" type="datetimeFigureOut">
               <a:rPr lang="zh-CN" altLang="en-US" smtClean="0"/>
-              <a:t>2023/11/16</a:t>
+              <a:t>2023/11/17</a:t>
             </a:fld>
             <a:endParaRPr lang="zh-CN" altLang="en-US"/>
           </a:p>
@@ -2696,7 +2799,7 @@
           <a:p>
             <a:fld id="{C7AECABC-13C2-4501-8A7F-082FC1FBA135}" type="datetimeFigureOut">
               <a:rPr lang="zh-CN" altLang="en-US" smtClean="0"/>
-              <a:t>2023/11/16</a:t>
+              <a:t>2023/11/17</a:t>
             </a:fld>
             <a:endParaRPr lang="zh-CN" altLang="en-US"/>
           </a:p>
@@ -2809,7 +2912,7 @@
           <a:p>
             <a:fld id="{C7AECABC-13C2-4501-8A7F-082FC1FBA135}" type="datetimeFigureOut">
               <a:rPr lang="zh-CN" altLang="en-US" smtClean="0"/>
-              <a:t>2023/11/16</a:t>
+              <a:t>2023/11/17</a:t>
             </a:fld>
             <a:endParaRPr lang="zh-CN" altLang="en-US"/>
           </a:p>
@@ -3120,7 +3223,7 @@
           <a:p>
             <a:fld id="{C7AECABC-13C2-4501-8A7F-082FC1FBA135}" type="datetimeFigureOut">
               <a:rPr lang="zh-CN" altLang="en-US" smtClean="0"/>
-              <a:t>2023/11/16</a:t>
+              <a:t>2023/11/17</a:t>
             </a:fld>
             <a:endParaRPr lang="zh-CN" altLang="en-US"/>
           </a:p>
@@ -3408,7 +3511,7 @@
           <a:p>
             <a:fld id="{C7AECABC-13C2-4501-8A7F-082FC1FBA135}" type="datetimeFigureOut">
               <a:rPr lang="zh-CN" altLang="en-US" smtClean="0"/>
-              <a:t>2023/11/16</a:t>
+              <a:t>2023/11/17</a:t>
             </a:fld>
             <a:endParaRPr lang="zh-CN" altLang="en-US"/>
           </a:p>
@@ -3649,7 +3752,7 @@
           <a:p>
             <a:fld id="{C7AECABC-13C2-4501-8A7F-082FC1FBA135}" type="datetimeFigureOut">
               <a:rPr lang="zh-CN" altLang="en-US" smtClean="0"/>
-              <a:t>2023/11/16</a:t>
+              <a:t>2023/11/17</a:t>
             </a:fld>
             <a:endParaRPr lang="zh-CN" altLang="en-US"/>
           </a:p>
@@ -6289,684 +6392,809 @@
           <a:chExt cx="0" cy="0"/>
         </a:xfrm>
       </p:grpSpPr>
-      <p:grpSp>
-        <p:nvGrpSpPr>
-          <p:cNvPr id="53" name="组合 52">
-            <a:extLst>
-              <a:ext uri="{FF2B5EF4-FFF2-40B4-BE49-F238E27FC236}">
-                <a16:creationId xmlns:a16="http://schemas.microsoft.com/office/drawing/2014/main" id="{25433A5B-0ACD-303D-A266-C317A58D85C6}"/>
-              </a:ext>
-            </a:extLst>
-          </p:cNvPr>
-          <p:cNvGrpSpPr/>
+      <p:cxnSp>
+        <p:nvCxnSpPr>
+          <p:cNvPr id="45" name="直接连接符 44">
+            <a:extLst>
+              <a:ext uri="{FF2B5EF4-FFF2-40B4-BE49-F238E27FC236}">
+                <a16:creationId xmlns:a16="http://schemas.microsoft.com/office/drawing/2014/main" id="{6F92B631-5C11-CA47-4F83-B92699FDC942}"/>
+              </a:ext>
+            </a:extLst>
+          </p:cNvPr>
+          <p:cNvCxnSpPr>
+            <a:cxnSpLocks/>
+          </p:cNvCxnSpPr>
           <p:nvPr/>
-        </p:nvGrpSpPr>
-        <p:grpSpPr>
-          <a:xfrm rot="21091008">
-            <a:off x="1772438" y="914966"/>
-            <a:ext cx="7953778" cy="4599988"/>
-            <a:chOff x="1735862" y="530919"/>
-            <a:chExt cx="7953778" cy="4599988"/>
+        </p:nvCxnSpPr>
+        <p:spPr>
+          <a:xfrm flipH="1">
+            <a:off x="2660366" y="1447990"/>
+            <a:ext cx="5509097" cy="3054326"/>
           </a:xfrm>
-        </p:grpSpPr>
-        <p:grpSp>
-          <p:nvGrpSpPr>
-            <p:cNvPr id="29" name="组合 28">
-              <a:extLst>
-                <a:ext uri="{FF2B5EF4-FFF2-40B4-BE49-F238E27FC236}">
-                  <a16:creationId xmlns:a16="http://schemas.microsoft.com/office/drawing/2014/main" id="{B4B13D6F-B1A9-C433-1C45-D9BAFE50E464}"/>
-                </a:ext>
-              </a:extLst>
-            </p:cNvPr>
-            <p:cNvGrpSpPr/>
-            <p:nvPr/>
-          </p:nvGrpSpPr>
-          <p:grpSpPr>
-            <a:xfrm rot="781926">
-              <a:off x="1816128" y="676506"/>
-              <a:ext cx="7873512" cy="3403814"/>
-              <a:chOff x="1816128" y="676506"/>
-              <a:chExt cx="7873512" cy="3403814"/>
-            </a:xfrm>
-          </p:grpSpPr>
-          <p:cxnSp>
-            <p:nvCxnSpPr>
-              <p:cNvPr id="7" name="直接连接符 6">
-                <a:extLst>
-                  <a:ext uri="{FF2B5EF4-FFF2-40B4-BE49-F238E27FC236}">
-                    <a16:creationId xmlns:a16="http://schemas.microsoft.com/office/drawing/2014/main" id="{3BD534B6-AEAD-8E99-F298-40E76BAE42E7}"/>
-                  </a:ext>
-                </a:extLst>
-              </p:cNvPr>
-              <p:cNvCxnSpPr>
-                <a:cxnSpLocks/>
-              </p:cNvCxnSpPr>
-              <p:nvPr/>
-            </p:nvCxnSpPr>
-            <p:spPr>
-              <a:xfrm flipH="1">
-                <a:off x="1970580" y="676506"/>
-                <a:ext cx="7250459" cy="1591417"/>
-              </a:xfrm>
-              <a:prstGeom prst="line">
-                <a:avLst/>
-              </a:prstGeom>
-              <a:ln>
-                <a:solidFill>
-                  <a:srgbClr val="FF0000"/>
-                </a:solidFill>
-              </a:ln>
-            </p:spPr>
-            <p:style>
-              <a:lnRef idx="1">
-                <a:schemeClr val="dk1"/>
-              </a:lnRef>
-              <a:fillRef idx="0">
-                <a:schemeClr val="dk1"/>
-              </a:fillRef>
-              <a:effectRef idx="0">
-                <a:schemeClr val="dk1"/>
-              </a:effectRef>
-              <a:fontRef idx="minor">
-                <a:schemeClr val="tx1"/>
-              </a:fontRef>
-            </p:style>
-          </p:cxnSp>
-          <p:cxnSp>
-            <p:nvCxnSpPr>
-              <p:cNvPr id="8" name="直接连接符 7">
-                <a:extLst>
-                  <a:ext uri="{FF2B5EF4-FFF2-40B4-BE49-F238E27FC236}">
-                    <a16:creationId xmlns:a16="http://schemas.microsoft.com/office/drawing/2014/main" id="{DFBCCE08-3208-D6A4-9F84-B34A410ACFB5}"/>
-                  </a:ext>
-                </a:extLst>
-              </p:cNvPr>
-              <p:cNvCxnSpPr>
-                <a:cxnSpLocks/>
-              </p:cNvCxnSpPr>
-              <p:nvPr/>
-            </p:nvCxnSpPr>
-            <p:spPr>
-              <a:xfrm flipH="1" flipV="1">
-                <a:off x="1816128" y="1312785"/>
-                <a:ext cx="7404911" cy="2767535"/>
-              </a:xfrm>
-              <a:prstGeom prst="line">
-                <a:avLst/>
-              </a:prstGeom>
-              <a:ln>
-                <a:solidFill>
-                  <a:srgbClr val="FF0000"/>
-                </a:solidFill>
-              </a:ln>
-            </p:spPr>
-            <p:style>
-              <a:lnRef idx="1">
-                <a:schemeClr val="dk1"/>
-              </a:lnRef>
-              <a:fillRef idx="0">
-                <a:schemeClr val="dk1"/>
-              </a:fillRef>
-              <a:effectRef idx="0">
-                <a:schemeClr val="dk1"/>
-              </a:effectRef>
-              <a:fontRef idx="minor">
-                <a:schemeClr val="tx1"/>
-              </a:fontRef>
-            </p:style>
-          </p:cxnSp>
-          <p:cxnSp>
-            <p:nvCxnSpPr>
-              <p:cNvPr id="9" name="直接连接符 8">
-                <a:extLst>
-                  <a:ext uri="{FF2B5EF4-FFF2-40B4-BE49-F238E27FC236}">
-                    <a16:creationId xmlns:a16="http://schemas.microsoft.com/office/drawing/2014/main" id="{12D829A2-002F-D598-A213-FB84B03D8EC0}"/>
-                  </a:ext>
-                </a:extLst>
-              </p:cNvPr>
-              <p:cNvCxnSpPr>
-                <a:cxnSpLocks/>
-              </p:cNvCxnSpPr>
-              <p:nvPr/>
-            </p:nvCxnSpPr>
-            <p:spPr>
-              <a:xfrm flipH="1" flipV="1">
-                <a:off x="1816128" y="1788127"/>
-                <a:ext cx="7559363" cy="679176"/>
-              </a:xfrm>
-              <a:prstGeom prst="line">
-                <a:avLst/>
-              </a:prstGeom>
-              <a:ln>
-                <a:solidFill>
-                  <a:srgbClr val="FF0000"/>
-                </a:solidFill>
-              </a:ln>
-            </p:spPr>
-            <p:style>
-              <a:lnRef idx="1">
-                <a:schemeClr val="dk1"/>
-              </a:lnRef>
-              <a:fillRef idx="0">
-                <a:schemeClr val="dk1"/>
-              </a:fillRef>
-              <a:effectRef idx="0">
-                <a:schemeClr val="dk1"/>
-              </a:effectRef>
-              <a:fontRef idx="minor">
-                <a:schemeClr val="tx1"/>
-              </a:fontRef>
-            </p:style>
-          </p:cxnSp>
-          <p:cxnSp>
-            <p:nvCxnSpPr>
-              <p:cNvPr id="10" name="直接连接符 9">
-                <a:extLst>
-                  <a:ext uri="{FF2B5EF4-FFF2-40B4-BE49-F238E27FC236}">
-                    <a16:creationId xmlns:a16="http://schemas.microsoft.com/office/drawing/2014/main" id="{580794AE-3922-979E-EF16-A42584D386F7}"/>
-                  </a:ext>
-                </a:extLst>
-              </p:cNvPr>
-              <p:cNvCxnSpPr>
-                <a:cxnSpLocks/>
-              </p:cNvCxnSpPr>
-              <p:nvPr/>
-            </p:nvCxnSpPr>
-            <p:spPr>
-              <a:xfrm flipH="1">
-                <a:off x="1883063" y="1472214"/>
-                <a:ext cx="7806577" cy="589268"/>
-              </a:xfrm>
-              <a:prstGeom prst="line">
-                <a:avLst/>
-              </a:prstGeom>
-              <a:ln>
-                <a:solidFill>
-                  <a:srgbClr val="FF0000"/>
-                </a:solidFill>
-              </a:ln>
-            </p:spPr>
-            <p:style>
-              <a:lnRef idx="1">
-                <a:schemeClr val="dk1"/>
-              </a:lnRef>
-              <a:fillRef idx="0">
-                <a:schemeClr val="dk1"/>
-              </a:fillRef>
-              <a:effectRef idx="0">
-                <a:schemeClr val="dk1"/>
-              </a:effectRef>
-              <a:fontRef idx="minor">
-                <a:schemeClr val="tx1"/>
-              </a:fontRef>
-            </p:style>
-          </p:cxnSp>
-          <p:sp>
-            <p:nvSpPr>
-              <p:cNvPr id="11" name="椭圆 10">
-                <a:extLst>
-                  <a:ext uri="{FF2B5EF4-FFF2-40B4-BE49-F238E27FC236}">
-                    <a16:creationId xmlns:a16="http://schemas.microsoft.com/office/drawing/2014/main" id="{F0D70D74-4220-2C4A-A5E1-6262E70F8492}"/>
-                  </a:ext>
-                </a:extLst>
-              </p:cNvPr>
-              <p:cNvSpPr/>
-              <p:nvPr/>
-            </p:nvSpPr>
-            <p:spPr>
-              <a:xfrm>
-                <a:off x="3455052" y="1911307"/>
-                <a:ext cx="54000" cy="54000"/>
-              </a:xfrm>
-              <a:prstGeom prst="ellipse">
-                <a:avLst/>
-              </a:prstGeom>
-              <a:solidFill>
-                <a:schemeClr val="accent1">
-                  <a:lumMod val="60000"/>
-                  <a:lumOff val="40000"/>
-                </a:schemeClr>
-              </a:solidFill>
-              <a:ln w="3175">
-                <a:solidFill>
-                  <a:schemeClr val="tx1"/>
-                </a:solidFill>
-              </a:ln>
-            </p:spPr>
-            <p:style>
-              <a:lnRef idx="2">
-                <a:schemeClr val="accent1">
-                  <a:shade val="15000"/>
-                </a:schemeClr>
-              </a:lnRef>
-              <a:fillRef idx="1">
-                <a:schemeClr val="accent1"/>
-              </a:fillRef>
-              <a:effectRef idx="0">
-                <a:schemeClr val="accent1"/>
-              </a:effectRef>
-              <a:fontRef idx="minor">
-                <a:schemeClr val="lt1"/>
-              </a:fontRef>
-            </p:style>
-            <p:txBody>
-              <a:bodyPr rtlCol="0" anchor="ctr"/>
-              <a:lstStyle/>
-              <a:p>
-                <a:pPr algn="ctr"/>
-                <a:endParaRPr lang="zh-CN" altLang="en-US"/>
-              </a:p>
-            </p:txBody>
-          </p:sp>
-          <p:cxnSp>
-            <p:nvCxnSpPr>
-              <p:cNvPr id="13" name="直接连接符 12">
-                <a:extLst>
-                  <a:ext uri="{FF2B5EF4-FFF2-40B4-BE49-F238E27FC236}">
-                    <a16:creationId xmlns:a16="http://schemas.microsoft.com/office/drawing/2014/main" id="{EEA71CD2-4A07-01B6-CF25-1FA2A61238E1}"/>
-                  </a:ext>
-                </a:extLst>
-              </p:cNvPr>
-              <p:cNvCxnSpPr>
-                <a:cxnSpLocks/>
-              </p:cNvCxnSpPr>
-              <p:nvPr/>
-            </p:nvCxnSpPr>
-            <p:spPr>
-              <a:xfrm rot="20818074" flipH="1">
-                <a:off x="2679359" y="1451327"/>
-                <a:ext cx="428377" cy="868576"/>
-              </a:xfrm>
-              <a:prstGeom prst="line">
-                <a:avLst/>
-              </a:prstGeom>
-            </p:spPr>
-            <p:style>
-              <a:lnRef idx="1">
-                <a:schemeClr val="dk1"/>
-              </a:lnRef>
-              <a:fillRef idx="0">
-                <a:schemeClr val="dk1"/>
-              </a:fillRef>
-              <a:effectRef idx="0">
-                <a:schemeClr val="dk1"/>
-              </a:effectRef>
-              <a:fontRef idx="minor">
-                <a:schemeClr val="tx1"/>
-              </a:fontRef>
-            </p:style>
-          </p:cxnSp>
-        </p:grpSp>
-        <p:grpSp>
-          <p:nvGrpSpPr>
-            <p:cNvPr id="30" name="组合 29">
-              <a:extLst>
-                <a:ext uri="{FF2B5EF4-FFF2-40B4-BE49-F238E27FC236}">
-                  <a16:creationId xmlns:a16="http://schemas.microsoft.com/office/drawing/2014/main" id="{D14D5CAC-6900-13EE-FCD2-F29112EDA197}"/>
-                </a:ext>
-              </a:extLst>
-            </p:cNvPr>
-            <p:cNvGrpSpPr/>
-            <p:nvPr/>
-          </p:nvGrpSpPr>
-          <p:grpSpPr>
-            <a:xfrm rot="21109158">
-              <a:off x="1735862" y="1727093"/>
-              <a:ext cx="7873512" cy="3403814"/>
-              <a:chOff x="1816128" y="676506"/>
-              <a:chExt cx="7873512" cy="3403814"/>
-            </a:xfrm>
-          </p:grpSpPr>
-          <p:cxnSp>
-            <p:nvCxnSpPr>
-              <p:cNvPr id="31" name="直接连接符 30">
-                <a:extLst>
-                  <a:ext uri="{FF2B5EF4-FFF2-40B4-BE49-F238E27FC236}">
-                    <a16:creationId xmlns:a16="http://schemas.microsoft.com/office/drawing/2014/main" id="{0EED2FA4-DD84-EF59-0979-D6665C0BA9D3}"/>
-                  </a:ext>
-                </a:extLst>
-              </p:cNvPr>
-              <p:cNvCxnSpPr>
-                <a:cxnSpLocks/>
-              </p:cNvCxnSpPr>
-              <p:nvPr/>
-            </p:nvCxnSpPr>
-            <p:spPr>
-              <a:xfrm flipH="1">
-                <a:off x="1970580" y="676506"/>
-                <a:ext cx="7250459" cy="1591417"/>
-              </a:xfrm>
-              <a:prstGeom prst="line">
-                <a:avLst/>
-              </a:prstGeom>
-              <a:ln>
-                <a:solidFill>
-                  <a:srgbClr val="FF0000"/>
-                </a:solidFill>
-              </a:ln>
-            </p:spPr>
-            <p:style>
-              <a:lnRef idx="1">
-                <a:schemeClr val="dk1"/>
-              </a:lnRef>
-              <a:fillRef idx="0">
-                <a:schemeClr val="dk1"/>
-              </a:fillRef>
-              <a:effectRef idx="0">
-                <a:schemeClr val="dk1"/>
-              </a:effectRef>
-              <a:fontRef idx="minor">
-                <a:schemeClr val="tx1"/>
-              </a:fontRef>
-            </p:style>
-          </p:cxnSp>
-          <p:cxnSp>
-            <p:nvCxnSpPr>
-              <p:cNvPr id="32" name="直接连接符 31">
-                <a:extLst>
-                  <a:ext uri="{FF2B5EF4-FFF2-40B4-BE49-F238E27FC236}">
-                    <a16:creationId xmlns:a16="http://schemas.microsoft.com/office/drawing/2014/main" id="{BD7BDB07-7763-FD5A-E06E-316FF06E8971}"/>
-                  </a:ext>
-                </a:extLst>
-              </p:cNvPr>
-              <p:cNvCxnSpPr>
-                <a:cxnSpLocks/>
-              </p:cNvCxnSpPr>
-              <p:nvPr/>
-            </p:nvCxnSpPr>
-            <p:spPr>
-              <a:xfrm flipH="1" flipV="1">
-                <a:off x="1816128" y="1312785"/>
-                <a:ext cx="7404911" cy="2767535"/>
-              </a:xfrm>
-              <a:prstGeom prst="line">
-                <a:avLst/>
-              </a:prstGeom>
-              <a:ln>
-                <a:solidFill>
-                  <a:srgbClr val="FF0000"/>
-                </a:solidFill>
-              </a:ln>
-            </p:spPr>
-            <p:style>
-              <a:lnRef idx="1">
-                <a:schemeClr val="dk1"/>
-              </a:lnRef>
-              <a:fillRef idx="0">
-                <a:schemeClr val="dk1"/>
-              </a:fillRef>
-              <a:effectRef idx="0">
-                <a:schemeClr val="dk1"/>
-              </a:effectRef>
-              <a:fontRef idx="minor">
-                <a:schemeClr val="tx1"/>
-              </a:fontRef>
-            </p:style>
-          </p:cxnSp>
-          <p:cxnSp>
-            <p:nvCxnSpPr>
-              <p:cNvPr id="33" name="直接连接符 32">
-                <a:extLst>
-                  <a:ext uri="{FF2B5EF4-FFF2-40B4-BE49-F238E27FC236}">
-                    <a16:creationId xmlns:a16="http://schemas.microsoft.com/office/drawing/2014/main" id="{EE8ED463-1BA6-65E8-3BA5-FCC3D64E66FA}"/>
-                  </a:ext>
-                </a:extLst>
-              </p:cNvPr>
-              <p:cNvCxnSpPr>
-                <a:cxnSpLocks/>
-              </p:cNvCxnSpPr>
-              <p:nvPr/>
-            </p:nvCxnSpPr>
-            <p:spPr>
-              <a:xfrm flipH="1" flipV="1">
-                <a:off x="1816128" y="1788127"/>
-                <a:ext cx="7559363" cy="679176"/>
-              </a:xfrm>
-              <a:prstGeom prst="line">
-                <a:avLst/>
-              </a:prstGeom>
-              <a:ln>
-                <a:solidFill>
-                  <a:srgbClr val="FF0000"/>
-                </a:solidFill>
-              </a:ln>
-            </p:spPr>
-            <p:style>
-              <a:lnRef idx="1">
-                <a:schemeClr val="dk1"/>
-              </a:lnRef>
-              <a:fillRef idx="0">
-                <a:schemeClr val="dk1"/>
-              </a:fillRef>
-              <a:effectRef idx="0">
-                <a:schemeClr val="dk1"/>
-              </a:effectRef>
-              <a:fontRef idx="minor">
-                <a:schemeClr val="tx1"/>
-              </a:fontRef>
-            </p:style>
-          </p:cxnSp>
-          <p:cxnSp>
-            <p:nvCxnSpPr>
-              <p:cNvPr id="34" name="直接连接符 33">
-                <a:extLst>
-                  <a:ext uri="{FF2B5EF4-FFF2-40B4-BE49-F238E27FC236}">
-                    <a16:creationId xmlns:a16="http://schemas.microsoft.com/office/drawing/2014/main" id="{56E70CD1-E0A8-0C6E-B72D-AF6E9059511A}"/>
-                  </a:ext>
-                </a:extLst>
-              </p:cNvPr>
-              <p:cNvCxnSpPr>
-                <a:cxnSpLocks/>
-              </p:cNvCxnSpPr>
-              <p:nvPr/>
-            </p:nvCxnSpPr>
-            <p:spPr>
-              <a:xfrm flipH="1">
-                <a:off x="1883063" y="1472214"/>
-                <a:ext cx="7806577" cy="589268"/>
-              </a:xfrm>
-              <a:prstGeom prst="line">
-                <a:avLst/>
-              </a:prstGeom>
-              <a:ln>
-                <a:solidFill>
-                  <a:srgbClr val="FF0000"/>
-                </a:solidFill>
-              </a:ln>
-            </p:spPr>
-            <p:style>
-              <a:lnRef idx="1">
-                <a:schemeClr val="dk1"/>
-              </a:lnRef>
-              <a:fillRef idx="0">
-                <a:schemeClr val="dk1"/>
-              </a:fillRef>
-              <a:effectRef idx="0">
-                <a:schemeClr val="dk1"/>
-              </a:effectRef>
-              <a:fontRef idx="minor">
-                <a:schemeClr val="tx1"/>
-              </a:fontRef>
-            </p:style>
-          </p:cxnSp>
-          <p:sp>
-            <p:nvSpPr>
-              <p:cNvPr id="35" name="椭圆 34">
-                <a:extLst>
-                  <a:ext uri="{FF2B5EF4-FFF2-40B4-BE49-F238E27FC236}">
-                    <a16:creationId xmlns:a16="http://schemas.microsoft.com/office/drawing/2014/main" id="{DD2ED768-2E92-A9F5-3E4D-55DB442329E5}"/>
-                  </a:ext>
-                </a:extLst>
-              </p:cNvPr>
-              <p:cNvSpPr/>
-              <p:nvPr/>
-            </p:nvSpPr>
-            <p:spPr>
-              <a:xfrm>
-                <a:off x="3455052" y="1911307"/>
-                <a:ext cx="54000" cy="54000"/>
-              </a:xfrm>
-              <a:prstGeom prst="ellipse">
-                <a:avLst/>
-              </a:prstGeom>
-              <a:solidFill>
-                <a:schemeClr val="accent1">
-                  <a:lumMod val="60000"/>
-                  <a:lumOff val="40000"/>
-                </a:schemeClr>
-              </a:solidFill>
-              <a:ln w="3175">
-                <a:solidFill>
-                  <a:schemeClr val="tx1"/>
-                </a:solidFill>
-              </a:ln>
-            </p:spPr>
-            <p:style>
-              <a:lnRef idx="2">
-                <a:schemeClr val="accent1">
-                  <a:shade val="15000"/>
-                </a:schemeClr>
-              </a:lnRef>
-              <a:fillRef idx="1">
-                <a:schemeClr val="accent1"/>
-              </a:fillRef>
-              <a:effectRef idx="0">
-                <a:schemeClr val="accent1"/>
-              </a:effectRef>
-              <a:fontRef idx="minor">
-                <a:schemeClr val="lt1"/>
-              </a:fontRef>
-            </p:style>
-            <p:txBody>
-              <a:bodyPr rtlCol="0" anchor="ctr"/>
-              <a:lstStyle/>
-              <a:p>
-                <a:pPr algn="ctr"/>
-                <a:endParaRPr lang="zh-CN" altLang="en-US"/>
-              </a:p>
-            </p:txBody>
-          </p:sp>
-          <p:cxnSp>
-            <p:nvCxnSpPr>
-              <p:cNvPr id="36" name="直接连接符 35">
-                <a:extLst>
-                  <a:ext uri="{FF2B5EF4-FFF2-40B4-BE49-F238E27FC236}">
-                    <a16:creationId xmlns:a16="http://schemas.microsoft.com/office/drawing/2014/main" id="{2E6C2562-8BFF-3474-1205-CD2E88D75FC8}"/>
-                  </a:ext>
-                </a:extLst>
-              </p:cNvPr>
-              <p:cNvCxnSpPr>
-                <a:cxnSpLocks/>
-              </p:cNvCxnSpPr>
-              <p:nvPr/>
-            </p:nvCxnSpPr>
-            <p:spPr>
-              <a:xfrm rot="490842">
-                <a:off x="2794985" y="1406173"/>
-                <a:ext cx="100193" cy="991589"/>
-              </a:xfrm>
-              <a:prstGeom prst="line">
-                <a:avLst/>
-              </a:prstGeom>
-            </p:spPr>
-            <p:style>
-              <a:lnRef idx="1">
-                <a:schemeClr val="dk1"/>
-              </a:lnRef>
-              <a:fillRef idx="0">
-                <a:schemeClr val="dk1"/>
-              </a:fillRef>
-              <a:effectRef idx="0">
-                <a:schemeClr val="dk1"/>
-              </a:effectRef>
-              <a:fontRef idx="minor">
-                <a:schemeClr val="tx1"/>
-              </a:fontRef>
-            </p:style>
-          </p:cxnSp>
-        </p:grpSp>
-        <p:cxnSp>
-          <p:nvCxnSpPr>
-            <p:cNvPr id="40" name="直接连接符 39">
-              <a:extLst>
-                <a:ext uri="{FF2B5EF4-FFF2-40B4-BE49-F238E27FC236}">
-                  <a16:creationId xmlns:a16="http://schemas.microsoft.com/office/drawing/2014/main" id="{706F0ACC-572D-143F-09FB-DE1F8ADE455F}"/>
-                </a:ext>
-              </a:extLst>
-            </p:cNvPr>
-            <p:cNvCxnSpPr>
-              <a:cxnSpLocks/>
-            </p:cNvCxnSpPr>
-            <p:nvPr/>
-          </p:nvCxnSpPr>
-          <p:spPr>
-            <a:xfrm flipH="1">
-              <a:off x="2405210" y="530919"/>
-              <a:ext cx="542603" cy="3596640"/>
-            </a:xfrm>
-            <a:prstGeom prst="line">
-              <a:avLst/>
-            </a:prstGeom>
-          </p:spPr>
-          <p:style>
-            <a:lnRef idx="1">
-              <a:schemeClr val="dk1"/>
-            </a:lnRef>
-            <a:fillRef idx="0">
-              <a:schemeClr val="dk1"/>
-            </a:fillRef>
-            <a:effectRef idx="0">
-              <a:schemeClr val="dk1"/>
-            </a:effectRef>
-            <a:fontRef idx="minor">
+          <a:prstGeom prst="line">
+            <a:avLst/>
+          </a:prstGeom>
+          <a:ln>
+            <a:solidFill>
+              <a:srgbClr val="FF0000"/>
+            </a:solidFill>
+          </a:ln>
+        </p:spPr>
+        <p:style>
+          <a:lnRef idx="1">
+            <a:schemeClr val="dk1"/>
+          </a:lnRef>
+          <a:fillRef idx="0">
+            <a:schemeClr val="dk1"/>
+          </a:fillRef>
+          <a:effectRef idx="0">
+            <a:schemeClr val="dk1"/>
+          </a:effectRef>
+          <a:fontRef idx="minor">
+            <a:schemeClr val="tx1"/>
+          </a:fontRef>
+        </p:style>
+      </p:cxnSp>
+      <p:cxnSp>
+        <p:nvCxnSpPr>
+          <p:cNvPr id="44" name="直接连接符 43">
+            <a:extLst>
+              <a:ext uri="{FF2B5EF4-FFF2-40B4-BE49-F238E27FC236}">
+                <a16:creationId xmlns:a16="http://schemas.microsoft.com/office/drawing/2014/main" id="{D708BB84-EA47-A794-514F-15DD9D308E64}"/>
+              </a:ext>
+            </a:extLst>
+          </p:cNvPr>
+          <p:cNvCxnSpPr>
+            <a:cxnSpLocks/>
+          </p:cNvCxnSpPr>
+          <p:nvPr/>
+        </p:nvCxnSpPr>
+        <p:spPr>
+          <a:xfrm flipH="1">
+            <a:off x="2661318" y="1955962"/>
+            <a:ext cx="6286830" cy="2401542"/>
+          </a:xfrm>
+          <a:prstGeom prst="line">
+            <a:avLst/>
+          </a:prstGeom>
+          <a:ln>
+            <a:solidFill>
+              <a:srgbClr val="FF0000"/>
+            </a:solidFill>
+          </a:ln>
+        </p:spPr>
+        <p:style>
+          <a:lnRef idx="1">
+            <a:schemeClr val="dk1"/>
+          </a:lnRef>
+          <a:fillRef idx="0">
+            <a:schemeClr val="dk1"/>
+          </a:fillRef>
+          <a:effectRef idx="0">
+            <a:schemeClr val="dk1"/>
+          </a:effectRef>
+          <a:fontRef idx="minor">
+            <a:schemeClr val="tx1"/>
+          </a:fontRef>
+        </p:style>
+      </p:cxnSp>
+      <p:cxnSp>
+        <p:nvCxnSpPr>
+          <p:cNvPr id="43" name="直接连接符 42">
+            <a:extLst>
+              <a:ext uri="{FF2B5EF4-FFF2-40B4-BE49-F238E27FC236}">
+                <a16:creationId xmlns:a16="http://schemas.microsoft.com/office/drawing/2014/main" id="{FEB88A23-DE19-8D53-C6AC-626DA2BF2464}"/>
+              </a:ext>
+            </a:extLst>
+          </p:cNvPr>
+          <p:cNvCxnSpPr>
+            <a:cxnSpLocks/>
+          </p:cNvCxnSpPr>
+          <p:nvPr/>
+        </p:nvCxnSpPr>
+        <p:spPr>
+          <a:xfrm flipH="1">
+            <a:off x="2671160" y="2941405"/>
+            <a:ext cx="6230582" cy="1268727"/>
+          </a:xfrm>
+          <a:prstGeom prst="line">
+            <a:avLst/>
+          </a:prstGeom>
+          <a:ln>
+            <a:solidFill>
+              <a:srgbClr val="FF0000"/>
+            </a:solidFill>
+          </a:ln>
+        </p:spPr>
+        <p:style>
+          <a:lnRef idx="1">
+            <a:schemeClr val="dk1"/>
+          </a:lnRef>
+          <a:fillRef idx="0">
+            <a:schemeClr val="dk1"/>
+          </a:fillRef>
+          <a:effectRef idx="0">
+            <a:schemeClr val="dk1"/>
+          </a:effectRef>
+          <a:fontRef idx="minor">
+            <a:schemeClr val="tx1"/>
+          </a:fontRef>
+        </p:style>
+      </p:cxnSp>
+      <p:cxnSp>
+        <p:nvCxnSpPr>
+          <p:cNvPr id="37" name="直接连接符 36">
+            <a:extLst>
+              <a:ext uri="{FF2B5EF4-FFF2-40B4-BE49-F238E27FC236}">
+                <a16:creationId xmlns:a16="http://schemas.microsoft.com/office/drawing/2014/main" id="{70E4AE25-C3F6-E278-0895-EC5BB752F962}"/>
+              </a:ext>
+            </a:extLst>
+          </p:cNvPr>
+          <p:cNvCxnSpPr>
+            <a:cxnSpLocks/>
+          </p:cNvCxnSpPr>
+          <p:nvPr/>
+        </p:nvCxnSpPr>
+        <p:spPr>
+          <a:xfrm flipH="1" flipV="1">
+            <a:off x="2672299" y="3985856"/>
+            <a:ext cx="6616307" cy="439970"/>
+          </a:xfrm>
+          <a:prstGeom prst="line">
+            <a:avLst/>
+          </a:prstGeom>
+          <a:ln>
+            <a:solidFill>
+              <a:srgbClr val="FF0000"/>
+            </a:solidFill>
+          </a:ln>
+        </p:spPr>
+        <p:style>
+          <a:lnRef idx="1">
+            <a:schemeClr val="dk1"/>
+          </a:lnRef>
+          <a:fillRef idx="0">
+            <a:schemeClr val="dk1"/>
+          </a:fillRef>
+          <a:effectRef idx="0">
+            <a:schemeClr val="dk1"/>
+          </a:effectRef>
+          <a:fontRef idx="minor">
+            <a:schemeClr val="tx1"/>
+          </a:fontRef>
+        </p:style>
+      </p:cxnSp>
+      <p:sp>
+        <p:nvSpPr>
+          <p:cNvPr id="3" name="平行四边形 2">
+            <a:extLst>
+              <a:ext uri="{FF2B5EF4-FFF2-40B4-BE49-F238E27FC236}">
+                <a16:creationId xmlns:a16="http://schemas.microsoft.com/office/drawing/2014/main" id="{FCDAE302-6CAA-1EEA-576B-5EC6541B0605}"/>
+              </a:ext>
+            </a:extLst>
+          </p:cNvPr>
+          <p:cNvSpPr/>
+          <p:nvPr/>
+        </p:nvSpPr>
+        <p:spPr>
+          <a:xfrm rot="16759691">
+            <a:off x="2699083" y="3859832"/>
+            <a:ext cx="849721" cy="485040"/>
+          </a:xfrm>
+          <a:prstGeom prst="parallelogram">
+            <a:avLst/>
+          </a:prstGeom>
+          <a:solidFill>
+            <a:schemeClr val="bg1"/>
+          </a:solidFill>
+          <a:ln w="6350">
+            <a:solidFill>
               <a:schemeClr val="tx1"/>
-            </a:fontRef>
-          </p:style>
-        </p:cxnSp>
-        <p:cxnSp>
-          <p:nvCxnSpPr>
-            <p:cNvPr id="46" name="直接连接符 45">
-              <a:extLst>
-                <a:ext uri="{FF2B5EF4-FFF2-40B4-BE49-F238E27FC236}">
-                  <a16:creationId xmlns:a16="http://schemas.microsoft.com/office/drawing/2014/main" id="{4A34736F-E8AD-1E1A-CBF1-1B3326622E0F}"/>
-                </a:ext>
-              </a:extLst>
-            </p:cNvPr>
-            <p:cNvCxnSpPr>
-              <a:cxnSpLocks/>
-              <a:stCxn id="11" idx="4"/>
-              <a:endCxn id="35" idx="0"/>
-            </p:cNvCxnSpPr>
-            <p:nvPr/>
-          </p:nvCxnSpPr>
-          <p:spPr>
-            <a:xfrm flipH="1">
-              <a:off x="3358426" y="1463882"/>
-              <a:ext cx="275268" cy="1825895"/>
-            </a:xfrm>
-            <a:prstGeom prst="line">
-              <a:avLst/>
-            </a:prstGeom>
-            <a:ln>
-              <a:prstDash val="lgDash"/>
-            </a:ln>
-          </p:spPr>
-          <p:style>
-            <a:lnRef idx="1">
-              <a:schemeClr val="dk1"/>
-            </a:lnRef>
-            <a:fillRef idx="0">
-              <a:schemeClr val="dk1"/>
-            </a:fillRef>
-            <a:effectRef idx="0">
-              <a:schemeClr val="dk1"/>
-            </a:effectRef>
-            <a:fontRef idx="minor">
+            </a:solidFill>
+          </a:ln>
+        </p:spPr>
+        <p:style>
+          <a:lnRef idx="2">
+            <a:schemeClr val="accent1">
+              <a:shade val="15000"/>
+            </a:schemeClr>
+          </a:lnRef>
+          <a:fillRef idx="1">
+            <a:schemeClr val="accent1"/>
+          </a:fillRef>
+          <a:effectRef idx="0">
+            <a:schemeClr val="accent1"/>
+          </a:effectRef>
+          <a:fontRef idx="minor">
+            <a:schemeClr val="lt1"/>
+          </a:fontRef>
+        </p:style>
+        <p:txBody>
+          <a:bodyPr rtlCol="0" anchor="ctr"/>
+          <a:lstStyle/>
+          <a:p>
+            <a:pPr algn="ctr"/>
+            <a:endParaRPr lang="zh-CN" altLang="en-US"/>
+          </a:p>
+        </p:txBody>
+      </p:sp>
+      <p:cxnSp>
+        <p:nvCxnSpPr>
+          <p:cNvPr id="7" name="直接连接符 6">
+            <a:extLst>
+              <a:ext uri="{FF2B5EF4-FFF2-40B4-BE49-F238E27FC236}">
+                <a16:creationId xmlns:a16="http://schemas.microsoft.com/office/drawing/2014/main" id="{3BD534B6-AEAD-8E99-F298-40E76BAE42E7}"/>
+              </a:ext>
+            </a:extLst>
+          </p:cNvPr>
+          <p:cNvCxnSpPr>
+            <a:cxnSpLocks/>
+          </p:cNvCxnSpPr>
+          <p:nvPr/>
+        </p:nvCxnSpPr>
+        <p:spPr>
+          <a:xfrm flipH="1">
+            <a:off x="2667252" y="1340003"/>
+            <a:ext cx="6647224" cy="915106"/>
+          </a:xfrm>
+          <a:prstGeom prst="line">
+            <a:avLst/>
+          </a:prstGeom>
+          <a:ln>
+            <a:solidFill>
+              <a:srgbClr val="FF0000"/>
+            </a:solidFill>
+          </a:ln>
+        </p:spPr>
+        <p:style>
+          <a:lnRef idx="1">
+            <a:schemeClr val="dk1"/>
+          </a:lnRef>
+          <a:fillRef idx="0">
+            <a:schemeClr val="dk1"/>
+          </a:fillRef>
+          <a:effectRef idx="0">
+            <a:schemeClr val="dk1"/>
+          </a:effectRef>
+          <a:fontRef idx="minor">
+            <a:schemeClr val="tx1"/>
+          </a:fontRef>
+        </p:style>
+      </p:cxnSp>
+      <p:cxnSp>
+        <p:nvCxnSpPr>
+          <p:cNvPr id="8" name="直接连接符 7">
+            <a:extLst>
+              <a:ext uri="{FF2B5EF4-FFF2-40B4-BE49-F238E27FC236}">
+                <a16:creationId xmlns:a16="http://schemas.microsoft.com/office/drawing/2014/main" id="{DFBCCE08-3208-D6A4-9F84-B34A410ACFB5}"/>
+              </a:ext>
+            </a:extLst>
+          </p:cNvPr>
+          <p:cNvCxnSpPr>
+            <a:cxnSpLocks/>
+          </p:cNvCxnSpPr>
+          <p:nvPr/>
+        </p:nvCxnSpPr>
+        <p:spPr>
+          <a:xfrm flipH="1" flipV="1">
+            <a:off x="2667252" y="1751258"/>
+            <a:ext cx="6377268" cy="2981838"/>
+          </a:xfrm>
+          <a:prstGeom prst="line">
+            <a:avLst/>
+          </a:prstGeom>
+          <a:ln>
+            <a:solidFill>
+              <a:srgbClr val="FF0000"/>
+            </a:solidFill>
+          </a:ln>
+        </p:spPr>
+        <p:style>
+          <a:lnRef idx="1">
+            <a:schemeClr val="dk1"/>
+          </a:lnRef>
+          <a:fillRef idx="0">
+            <a:schemeClr val="dk1"/>
+          </a:fillRef>
+          <a:effectRef idx="0">
+            <a:schemeClr val="dk1"/>
+          </a:effectRef>
+          <a:fontRef idx="minor">
+            <a:schemeClr val="tx1"/>
+          </a:fontRef>
+        </p:style>
+      </p:cxnSp>
+      <p:cxnSp>
+        <p:nvCxnSpPr>
+          <p:cNvPr id="9" name="直接连接符 8">
+            <a:extLst>
+              <a:ext uri="{FF2B5EF4-FFF2-40B4-BE49-F238E27FC236}">
+                <a16:creationId xmlns:a16="http://schemas.microsoft.com/office/drawing/2014/main" id="{12D829A2-002F-D598-A213-FB84B03D8EC0}"/>
+              </a:ext>
+            </a:extLst>
+          </p:cNvPr>
+          <p:cNvCxnSpPr>
+            <a:cxnSpLocks/>
+          </p:cNvCxnSpPr>
+          <p:nvPr/>
+        </p:nvCxnSpPr>
+        <p:spPr>
+          <a:xfrm flipH="1" flipV="1">
+            <a:off x="2667252" y="1996911"/>
+            <a:ext cx="6659162" cy="1140498"/>
+          </a:xfrm>
+          <a:prstGeom prst="line">
+            <a:avLst/>
+          </a:prstGeom>
+          <a:ln>
+            <a:solidFill>
+              <a:srgbClr val="FF0000"/>
+            </a:solidFill>
+          </a:ln>
+        </p:spPr>
+        <p:style>
+          <a:lnRef idx="1">
+            <a:schemeClr val="dk1"/>
+          </a:lnRef>
+          <a:fillRef idx="0">
+            <a:schemeClr val="dk1"/>
+          </a:fillRef>
+          <a:effectRef idx="0">
+            <a:schemeClr val="dk1"/>
+          </a:effectRef>
+          <a:fontRef idx="minor">
+            <a:schemeClr val="tx1"/>
+          </a:fontRef>
+        </p:style>
+      </p:cxnSp>
+      <p:cxnSp>
+        <p:nvCxnSpPr>
+          <p:cNvPr id="10" name="直接连接符 9">
+            <a:extLst>
+              <a:ext uri="{FF2B5EF4-FFF2-40B4-BE49-F238E27FC236}">
+                <a16:creationId xmlns:a16="http://schemas.microsoft.com/office/drawing/2014/main" id="{580794AE-3922-979E-EF16-A42584D386F7}"/>
+              </a:ext>
+            </a:extLst>
+          </p:cNvPr>
+          <p:cNvCxnSpPr>
+            <a:cxnSpLocks/>
+          </p:cNvCxnSpPr>
+          <p:nvPr/>
+        </p:nvCxnSpPr>
+        <p:spPr>
+          <a:xfrm flipH="1" flipV="1">
+            <a:off x="2667252" y="2132802"/>
+            <a:ext cx="7051242" cy="37568"/>
+          </a:xfrm>
+          <a:prstGeom prst="line">
+            <a:avLst/>
+          </a:prstGeom>
+          <a:ln>
+            <a:solidFill>
+              <a:srgbClr val="FF0000"/>
+            </a:solidFill>
+          </a:ln>
+        </p:spPr>
+        <p:style>
+          <a:lnRef idx="1">
+            <a:schemeClr val="dk1"/>
+          </a:lnRef>
+          <a:fillRef idx="0">
+            <a:schemeClr val="dk1"/>
+          </a:fillRef>
+          <a:effectRef idx="0">
+            <a:schemeClr val="dk1"/>
+          </a:effectRef>
+          <a:fontRef idx="minor">
+            <a:schemeClr val="tx1"/>
+          </a:fontRef>
+        </p:style>
+      </p:cxnSp>
+      <p:sp>
+        <p:nvSpPr>
+          <p:cNvPr id="11" name="椭圆 10">
+            <a:extLst>
+              <a:ext uri="{FF2B5EF4-FFF2-40B4-BE49-F238E27FC236}">
+                <a16:creationId xmlns:a16="http://schemas.microsoft.com/office/drawing/2014/main" id="{F0D70D74-4220-2C4A-A5E1-6262E70F8492}"/>
+              </a:ext>
+            </a:extLst>
+          </p:cNvPr>
+          <p:cNvSpPr/>
+          <p:nvPr/>
+        </p:nvSpPr>
+        <p:spPr>
+          <a:xfrm rot="272934">
+            <a:off x="3466494" y="2115671"/>
+            <a:ext cx="54000" cy="54000"/>
+          </a:xfrm>
+          <a:prstGeom prst="ellipse">
+            <a:avLst/>
+          </a:prstGeom>
+          <a:solidFill>
+            <a:schemeClr val="accent1">
+              <a:lumMod val="60000"/>
+              <a:lumOff val="40000"/>
+            </a:schemeClr>
+          </a:solidFill>
+          <a:ln w="3175">
+            <a:solidFill>
               <a:schemeClr val="tx1"/>
-            </a:fontRef>
-          </p:style>
-        </p:cxnSp>
-      </p:grpSp>
+            </a:solidFill>
+          </a:ln>
+        </p:spPr>
+        <p:style>
+          <a:lnRef idx="2">
+            <a:schemeClr val="accent1">
+              <a:shade val="15000"/>
+            </a:schemeClr>
+          </a:lnRef>
+          <a:fillRef idx="1">
+            <a:schemeClr val="accent1"/>
+          </a:fillRef>
+          <a:effectRef idx="0">
+            <a:schemeClr val="accent1"/>
+          </a:effectRef>
+          <a:fontRef idx="minor">
+            <a:schemeClr val="lt1"/>
+          </a:fontRef>
+        </p:style>
+        <p:txBody>
+          <a:bodyPr rtlCol="0" anchor="ctr"/>
+          <a:lstStyle/>
+          <a:p>
+            <a:pPr algn="ctr"/>
+            <a:endParaRPr lang="zh-CN" altLang="en-US"/>
+          </a:p>
+        </p:txBody>
+      </p:sp>
+      <p:cxnSp>
+        <p:nvCxnSpPr>
+          <p:cNvPr id="13" name="直接连接符 12">
+            <a:extLst>
+              <a:ext uri="{FF2B5EF4-FFF2-40B4-BE49-F238E27FC236}">
+                <a16:creationId xmlns:a16="http://schemas.microsoft.com/office/drawing/2014/main" id="{EEA71CD2-4A07-01B6-CF25-1FA2A61238E1}"/>
+              </a:ext>
+            </a:extLst>
+          </p:cNvPr>
+          <p:cNvCxnSpPr>
+            <a:cxnSpLocks/>
+          </p:cNvCxnSpPr>
+          <p:nvPr/>
+        </p:nvCxnSpPr>
+        <p:spPr>
+          <a:xfrm rot="21091008" flipH="1">
+            <a:off x="2696834" y="1609183"/>
+            <a:ext cx="428377" cy="868576"/>
+          </a:xfrm>
+          <a:prstGeom prst="line">
+            <a:avLst/>
+          </a:prstGeom>
+        </p:spPr>
+        <p:style>
+          <a:lnRef idx="1">
+            <a:schemeClr val="dk1"/>
+          </a:lnRef>
+          <a:fillRef idx="0">
+            <a:schemeClr val="dk1"/>
+          </a:fillRef>
+          <a:effectRef idx="0">
+            <a:schemeClr val="dk1"/>
+          </a:effectRef>
+          <a:fontRef idx="minor">
+            <a:schemeClr val="tx1"/>
+          </a:fontRef>
+        </p:style>
+      </p:cxnSp>
+      <p:cxnSp>
+        <p:nvCxnSpPr>
+          <p:cNvPr id="31" name="直接连接符 30">
+            <a:extLst>
+              <a:ext uri="{FF2B5EF4-FFF2-40B4-BE49-F238E27FC236}">
+                <a16:creationId xmlns:a16="http://schemas.microsoft.com/office/drawing/2014/main" id="{0EED2FA4-DD84-EF59-0979-D6665C0BA9D3}"/>
+              </a:ext>
+            </a:extLst>
+          </p:cNvPr>
+          <p:cNvCxnSpPr>
+            <a:cxnSpLocks/>
+          </p:cNvCxnSpPr>
+          <p:nvPr/>
+        </p:nvCxnSpPr>
+        <p:spPr>
+          <a:xfrm flipH="1">
+            <a:off x="3123236" y="1187474"/>
+            <a:ext cx="5509097" cy="3054326"/>
+          </a:xfrm>
+          <a:prstGeom prst="line">
+            <a:avLst/>
+          </a:prstGeom>
+          <a:ln>
+            <a:solidFill>
+              <a:srgbClr val="FF0000"/>
+            </a:solidFill>
+          </a:ln>
+        </p:spPr>
+        <p:style>
+          <a:lnRef idx="1">
+            <a:schemeClr val="dk1"/>
+          </a:lnRef>
+          <a:fillRef idx="0">
+            <a:schemeClr val="dk1"/>
+          </a:fillRef>
+          <a:effectRef idx="0">
+            <a:schemeClr val="dk1"/>
+          </a:effectRef>
+          <a:fontRef idx="minor">
+            <a:schemeClr val="tx1"/>
+          </a:fontRef>
+        </p:style>
+      </p:cxnSp>
+      <p:cxnSp>
+        <p:nvCxnSpPr>
+          <p:cNvPr id="32" name="直接连接符 31">
+            <a:extLst>
+              <a:ext uri="{FF2B5EF4-FFF2-40B4-BE49-F238E27FC236}">
+                <a16:creationId xmlns:a16="http://schemas.microsoft.com/office/drawing/2014/main" id="{BD7BDB07-7763-FD5A-E06E-316FF06E8971}"/>
+              </a:ext>
+            </a:extLst>
+          </p:cNvPr>
+          <p:cNvCxnSpPr>
+            <a:cxnSpLocks/>
+          </p:cNvCxnSpPr>
+          <p:nvPr/>
+        </p:nvCxnSpPr>
+        <p:spPr>
+          <a:xfrm flipH="1" flipV="1">
+            <a:off x="3186934" y="4016113"/>
+            <a:ext cx="6421467" cy="432226"/>
+          </a:xfrm>
+          <a:prstGeom prst="line">
+            <a:avLst/>
+          </a:prstGeom>
+          <a:ln>
+            <a:solidFill>
+              <a:srgbClr val="FF0000"/>
+            </a:solidFill>
+          </a:ln>
+        </p:spPr>
+        <p:style>
+          <a:lnRef idx="1">
+            <a:schemeClr val="dk1"/>
+          </a:lnRef>
+          <a:fillRef idx="0">
+            <a:schemeClr val="dk1"/>
+          </a:fillRef>
+          <a:effectRef idx="0">
+            <a:schemeClr val="dk1"/>
+          </a:effectRef>
+          <a:fontRef idx="minor">
+            <a:schemeClr val="tx1"/>
+          </a:fontRef>
+        </p:style>
+      </p:cxnSp>
+      <p:cxnSp>
+        <p:nvCxnSpPr>
+          <p:cNvPr id="33" name="直接连接符 32">
+            <a:extLst>
+              <a:ext uri="{FF2B5EF4-FFF2-40B4-BE49-F238E27FC236}">
+                <a16:creationId xmlns:a16="http://schemas.microsoft.com/office/drawing/2014/main" id="{EE8ED463-1BA6-65E8-3BA5-FCC3D64E66FA}"/>
+              </a:ext>
+            </a:extLst>
+          </p:cNvPr>
+          <p:cNvCxnSpPr>
+            <a:cxnSpLocks/>
+          </p:cNvCxnSpPr>
+          <p:nvPr/>
+        </p:nvCxnSpPr>
+        <p:spPr>
+          <a:xfrm flipH="1">
+            <a:off x="3063240" y="2858773"/>
+            <a:ext cx="6230582" cy="1268727"/>
+          </a:xfrm>
+          <a:prstGeom prst="line">
+            <a:avLst/>
+          </a:prstGeom>
+          <a:ln>
+            <a:solidFill>
+              <a:srgbClr val="FF0000"/>
+            </a:solidFill>
+          </a:ln>
+        </p:spPr>
+        <p:style>
+          <a:lnRef idx="1">
+            <a:schemeClr val="dk1"/>
+          </a:lnRef>
+          <a:fillRef idx="0">
+            <a:schemeClr val="dk1"/>
+          </a:fillRef>
+          <a:effectRef idx="0">
+            <a:schemeClr val="dk1"/>
+          </a:effectRef>
+          <a:fontRef idx="minor">
+            <a:schemeClr val="tx1"/>
+          </a:fontRef>
+        </p:style>
+      </p:cxnSp>
+      <p:cxnSp>
+        <p:nvCxnSpPr>
+          <p:cNvPr id="34" name="直接连接符 33">
+            <a:extLst>
+              <a:ext uri="{FF2B5EF4-FFF2-40B4-BE49-F238E27FC236}">
+                <a16:creationId xmlns:a16="http://schemas.microsoft.com/office/drawing/2014/main" id="{56E70CD1-E0A8-0C6E-B72D-AF6E9059511A}"/>
+              </a:ext>
+            </a:extLst>
+          </p:cNvPr>
+          <p:cNvCxnSpPr>
+            <a:cxnSpLocks/>
+          </p:cNvCxnSpPr>
+          <p:nvPr/>
+        </p:nvCxnSpPr>
+        <p:spPr>
+          <a:xfrm flipH="1">
+            <a:off x="3022600" y="1815390"/>
+            <a:ext cx="6286830" cy="2401542"/>
+          </a:xfrm>
+          <a:prstGeom prst="line">
+            <a:avLst/>
+          </a:prstGeom>
+          <a:ln>
+            <a:solidFill>
+              <a:srgbClr val="FF0000"/>
+            </a:solidFill>
+          </a:ln>
+        </p:spPr>
+        <p:style>
+          <a:lnRef idx="1">
+            <a:schemeClr val="dk1"/>
+          </a:lnRef>
+          <a:fillRef idx="0">
+            <a:schemeClr val="dk1"/>
+          </a:fillRef>
+          <a:effectRef idx="0">
+            <a:schemeClr val="dk1"/>
+          </a:effectRef>
+          <a:fontRef idx="minor">
+            <a:schemeClr val="tx1"/>
+          </a:fontRef>
+        </p:style>
+      </p:cxnSp>
+      <p:sp>
+        <p:nvSpPr>
+          <p:cNvPr id="35" name="椭圆 34">
+            <a:extLst>
+              <a:ext uri="{FF2B5EF4-FFF2-40B4-BE49-F238E27FC236}">
+                <a16:creationId xmlns:a16="http://schemas.microsoft.com/office/drawing/2014/main" id="{DD2ED768-2E92-A9F5-3E4D-55DB442329E5}"/>
+              </a:ext>
+            </a:extLst>
+          </p:cNvPr>
+          <p:cNvSpPr/>
+          <p:nvPr/>
+        </p:nvSpPr>
+        <p:spPr>
+          <a:xfrm rot="20600166">
+            <a:off x="3469195" y="4014978"/>
+            <a:ext cx="54000" cy="54000"/>
+          </a:xfrm>
+          <a:prstGeom prst="ellipse">
+            <a:avLst/>
+          </a:prstGeom>
+          <a:solidFill>
+            <a:schemeClr val="accent1">
+              <a:lumMod val="60000"/>
+              <a:lumOff val="40000"/>
+            </a:schemeClr>
+          </a:solidFill>
+          <a:ln w="3175">
+            <a:solidFill>
+              <a:schemeClr val="tx1"/>
+            </a:solidFill>
+          </a:ln>
+        </p:spPr>
+        <p:style>
+          <a:lnRef idx="2">
+            <a:schemeClr val="accent1">
+              <a:shade val="15000"/>
+            </a:schemeClr>
+          </a:lnRef>
+          <a:fillRef idx="1">
+            <a:schemeClr val="accent1"/>
+          </a:fillRef>
+          <a:effectRef idx="0">
+            <a:schemeClr val="accent1"/>
+          </a:effectRef>
+          <a:fontRef idx="minor">
+            <a:schemeClr val="lt1"/>
+          </a:fontRef>
+        </p:style>
+        <p:txBody>
+          <a:bodyPr rtlCol="0" anchor="ctr"/>
+          <a:lstStyle/>
+          <a:p>
+            <a:pPr algn="ctr"/>
+            <a:endParaRPr lang="zh-CN" altLang="en-US"/>
+          </a:p>
+        </p:txBody>
+      </p:sp>
+      <p:cxnSp>
+        <p:nvCxnSpPr>
+          <p:cNvPr id="40" name="直接连接符 39">
+            <a:extLst>
+              <a:ext uri="{FF2B5EF4-FFF2-40B4-BE49-F238E27FC236}">
+                <a16:creationId xmlns:a16="http://schemas.microsoft.com/office/drawing/2014/main" id="{706F0ACC-572D-143F-09FB-DE1F8ADE455F}"/>
+              </a:ext>
+            </a:extLst>
+          </p:cNvPr>
+          <p:cNvCxnSpPr>
+            <a:cxnSpLocks/>
+          </p:cNvCxnSpPr>
+          <p:nvPr/>
+        </p:nvCxnSpPr>
+        <p:spPr>
+          <a:xfrm rot="21091008" flipH="1">
+            <a:off x="2400998" y="1368359"/>
+            <a:ext cx="542603" cy="3596640"/>
+          </a:xfrm>
+          <a:prstGeom prst="line">
+            <a:avLst/>
+          </a:prstGeom>
+        </p:spPr>
+        <p:style>
+          <a:lnRef idx="1">
+            <a:schemeClr val="dk1"/>
+          </a:lnRef>
+          <a:fillRef idx="0">
+            <a:schemeClr val="dk1"/>
+          </a:fillRef>
+          <a:effectRef idx="0">
+            <a:schemeClr val="dk1"/>
+          </a:effectRef>
+          <a:fontRef idx="minor">
+            <a:schemeClr val="tx1"/>
+          </a:fontRef>
+        </p:style>
+      </p:cxnSp>
+      <p:cxnSp>
+        <p:nvCxnSpPr>
+          <p:cNvPr id="46" name="直接连接符 45">
+            <a:extLst>
+              <a:ext uri="{FF2B5EF4-FFF2-40B4-BE49-F238E27FC236}">
+                <a16:creationId xmlns:a16="http://schemas.microsoft.com/office/drawing/2014/main" id="{4A34736F-E8AD-1E1A-CBF1-1B3326622E0F}"/>
+              </a:ext>
+            </a:extLst>
+          </p:cNvPr>
+          <p:cNvCxnSpPr>
+            <a:cxnSpLocks/>
+            <a:stCxn id="11" idx="4"/>
+            <a:endCxn id="35" idx="0"/>
+          </p:cNvCxnSpPr>
+          <p:nvPr/>
+        </p:nvCxnSpPr>
+        <p:spPr>
+          <a:xfrm rot="21091008" flipH="1">
+            <a:off x="3352268" y="2179902"/>
+            <a:ext cx="275268" cy="1825895"/>
+          </a:xfrm>
+          <a:prstGeom prst="line">
+            <a:avLst/>
+          </a:prstGeom>
+          <a:ln>
+            <a:prstDash val="lgDash"/>
+          </a:ln>
+        </p:spPr>
+        <p:style>
+          <a:lnRef idx="1">
+            <a:schemeClr val="dk1"/>
+          </a:lnRef>
+          <a:fillRef idx="0">
+            <a:schemeClr val="dk1"/>
+          </a:fillRef>
+          <a:effectRef idx="0">
+            <a:schemeClr val="dk1"/>
+          </a:effectRef>
+          <a:fontRef idx="minor">
+            <a:schemeClr val="tx1"/>
+          </a:fontRef>
+        </p:style>
+      </p:cxnSp>
       <p:sp>
         <p:nvSpPr>
           <p:cNvPr id="54" name="文本框 53">
@@ -6987,9 +7215,7 @@
           <a:prstGeom prst="rect">
             <a:avLst/>
           </a:prstGeom>
-          <a:solidFill>
-            <a:schemeClr val="bg1"/>
-          </a:solidFill>
+          <a:noFill/>
         </p:spPr>
         <p:txBody>
           <a:bodyPr wrap="none" rtlCol="0">
